--- a/assets.pptx
+++ b/assets.pptx
@@ -3,11 +3,15 @@
 <p:presentation xmlns:a="http://schemas.openxmlformats.org/drawingml/2006/main" xmlns:r="http://schemas.openxmlformats.org/officeDocument/2006/relationships" xmlns:p="http://schemas.openxmlformats.org/presentationml/2006/main" saveSubsetFonts="1">
   <p:sldMasterIdLst>
     <p:sldMasterId id="2147483660" r:id="rId1"/>
+    <p:sldMasterId id="2147483672" r:id="rId2"/>
   </p:sldMasterIdLst>
   <p:sldIdLst>
-    <p:sldId id="256" r:id="rId2"/>
-    <p:sldId id="257" r:id="rId3"/>
-    <p:sldId id="258" r:id="rId4"/>
+    <p:sldId id="256" r:id="rId3"/>
+    <p:sldId id="257" r:id="rId4"/>
+    <p:sldId id="258" r:id="rId5"/>
+    <p:sldId id="259" r:id="rId6"/>
+    <p:sldId id="260" r:id="rId7"/>
+    <p:sldId id="261" r:id="rId8"/>
   </p:sldIdLst>
   <p:sldSz cx="7772400" cy="5486400"/>
   <p:notesSz cx="6858000" cy="9144000"/>
@@ -106,6 +110,11 @@
       </a:defRPr>
     </a:lvl9pPr>
   </p:defaultTextStyle>
+  <p:extLst>
+    <p:ext uri="{EFAFB233-063F-42B5-8137-9DF3F51BA10A}">
+      <p15:sldGuideLst xmlns:p15="http://schemas.microsoft.com/office/powerpoint/2012/main"/>
+    </p:ext>
+  </p:extLst>
 </p:presentation>
 </file>
 
@@ -240,7 +249,7 @@
           <a:p>
             <a:fld id="{66180BBA-C1CA-492E-B8E7-C4D3CEBC349D}" type="datetimeFigureOut">
               <a:rPr lang="en-US" smtClean="0"/>
-              <a:t>11/1/2019</a:t>
+              <a:t>1/10/2020</a:t>
             </a:fld>
             <a:endParaRPr lang="en-US"/>
           </a:p>
@@ -410,7 +419,7 @@
           <a:p>
             <a:fld id="{66180BBA-C1CA-492E-B8E7-C4D3CEBC349D}" type="datetimeFigureOut">
               <a:rPr lang="en-US" smtClean="0"/>
-              <a:t>11/1/2019</a:t>
+              <a:t>1/10/2020</a:t>
             </a:fld>
             <a:endParaRPr lang="en-US"/>
           </a:p>
@@ -590,7 +599,7 @@
           <a:p>
             <a:fld id="{66180BBA-C1CA-492E-B8E7-C4D3CEBC349D}" type="datetimeFigureOut">
               <a:rPr lang="en-US" smtClean="0"/>
-              <a:t>11/1/2019</a:t>
+              <a:t>1/10/2020</a:t>
             </a:fld>
             <a:endParaRPr lang="en-US"/>
           </a:p>
@@ -642,6 +651,1701 @@
     <p:extLst>
       <p:ext uri="{BB962C8B-B14F-4D97-AF65-F5344CB8AC3E}">
         <p14:creationId xmlns:p14="http://schemas.microsoft.com/office/powerpoint/2010/main" val="2355928207"/>
+      </p:ext>
+    </p:extLst>
+  </p:cSld>
+  <p:clrMapOvr>
+    <a:masterClrMapping/>
+  </p:clrMapOvr>
+</p:sldLayout>
+</file>
+
+<file path=ppt/slideLayouts/slideLayout12.xml><?xml version="1.0" encoding="utf-8"?>
+<p:sldLayout xmlns:a="http://schemas.openxmlformats.org/drawingml/2006/main" xmlns:r="http://schemas.openxmlformats.org/officeDocument/2006/relationships" xmlns:p="http://schemas.openxmlformats.org/presentationml/2006/main" type="title" preserve="1">
+  <p:cSld name="Title Slide">
+    <p:spTree>
+      <p:nvGrpSpPr>
+        <p:cNvPr id="1" name=""/>
+        <p:cNvGrpSpPr/>
+        <p:nvPr/>
+      </p:nvGrpSpPr>
+      <p:grpSpPr>
+        <a:xfrm>
+          <a:off x="0" y="0"/>
+          <a:ext cx="0" cy="0"/>
+          <a:chOff x="0" y="0"/>
+          <a:chExt cx="0" cy="0"/>
+        </a:xfrm>
+      </p:grpSpPr>
+      <p:sp>
+        <p:nvSpPr>
+          <p:cNvPr id="2" name="Title 1"/>
+          <p:cNvSpPr>
+            <a:spLocks noGrp="1"/>
+          </p:cNvSpPr>
+          <p:nvPr>
+            <p:ph type="ctrTitle"/>
+          </p:nvPr>
+        </p:nvSpPr>
+        <p:spPr>
+          <a:xfrm>
+            <a:off x="582931" y="897891"/>
+            <a:ext cx="6606540" cy="1910080"/>
+          </a:xfrm>
+        </p:spPr>
+        <p:txBody>
+          <a:bodyPr anchor="b"/>
+          <a:lstStyle>
+            <a:lvl1pPr algn="ctr">
+              <a:defRPr sz="4799"/>
+            </a:lvl1pPr>
+          </a:lstStyle>
+          <a:p>
+            <a:r>
+              <a:rPr lang="en-US"/>
+              <a:t>Click to edit Master title style</a:t>
+            </a:r>
+            <a:endParaRPr lang="en-US" dirty="0"/>
+          </a:p>
+        </p:txBody>
+      </p:sp>
+      <p:sp>
+        <p:nvSpPr>
+          <p:cNvPr id="3" name="Subtitle 2"/>
+          <p:cNvSpPr>
+            <a:spLocks noGrp="1"/>
+          </p:cNvSpPr>
+          <p:nvPr>
+            <p:ph type="subTitle" idx="1"/>
+          </p:nvPr>
+        </p:nvSpPr>
+        <p:spPr>
+          <a:xfrm>
+            <a:off x="971551" y="2881631"/>
+            <a:ext cx="5829300" cy="1324610"/>
+          </a:xfrm>
+        </p:spPr>
+        <p:txBody>
+          <a:bodyPr/>
+          <a:lstStyle>
+            <a:lvl1pPr marL="0" indent="0" algn="ctr">
+              <a:buNone/>
+              <a:defRPr sz="1920"/>
+            </a:lvl1pPr>
+            <a:lvl2pPr marL="365732" indent="0" algn="ctr">
+              <a:buNone/>
+              <a:defRPr sz="1600"/>
+            </a:lvl2pPr>
+            <a:lvl3pPr marL="731464" indent="0" algn="ctr">
+              <a:buNone/>
+              <a:defRPr sz="1440"/>
+            </a:lvl3pPr>
+            <a:lvl4pPr marL="1097197" indent="0" algn="ctr">
+              <a:buNone/>
+              <a:defRPr sz="1280"/>
+            </a:lvl4pPr>
+            <a:lvl5pPr marL="1462929" indent="0" algn="ctr">
+              <a:buNone/>
+              <a:defRPr sz="1280"/>
+            </a:lvl5pPr>
+            <a:lvl6pPr marL="1828661" indent="0" algn="ctr">
+              <a:buNone/>
+              <a:defRPr sz="1280"/>
+            </a:lvl6pPr>
+            <a:lvl7pPr marL="2194393" indent="0" algn="ctr">
+              <a:buNone/>
+              <a:defRPr sz="1280"/>
+            </a:lvl7pPr>
+            <a:lvl8pPr marL="2560125" indent="0" algn="ctr">
+              <a:buNone/>
+              <a:defRPr sz="1280"/>
+            </a:lvl8pPr>
+            <a:lvl9pPr marL="2925857" indent="0" algn="ctr">
+              <a:buNone/>
+              <a:defRPr sz="1280"/>
+            </a:lvl9pPr>
+          </a:lstStyle>
+          <a:p>
+            <a:r>
+              <a:rPr lang="en-US"/>
+              <a:t>Click to edit Master subtitle style</a:t>
+            </a:r>
+            <a:endParaRPr lang="en-US" dirty="0"/>
+          </a:p>
+        </p:txBody>
+      </p:sp>
+      <p:sp>
+        <p:nvSpPr>
+          <p:cNvPr id="4" name="Date Placeholder 3"/>
+          <p:cNvSpPr>
+            <a:spLocks noGrp="1"/>
+          </p:cNvSpPr>
+          <p:nvPr>
+            <p:ph type="dt" sz="half" idx="10"/>
+          </p:nvPr>
+        </p:nvSpPr>
+        <p:spPr/>
+        <p:txBody>
+          <a:bodyPr/>
+          <a:lstStyle/>
+          <a:p>
+            <a:fld id="{FFC72D42-CF37-4CB5-B0DD-F47C99210D8E}" type="datetimeFigureOut">
+              <a:rPr lang="en-US" smtClean="0"/>
+              <a:t>1/10/2020</a:t>
+            </a:fld>
+            <a:endParaRPr lang="en-US"/>
+          </a:p>
+        </p:txBody>
+      </p:sp>
+      <p:sp>
+        <p:nvSpPr>
+          <p:cNvPr id="5" name="Footer Placeholder 4"/>
+          <p:cNvSpPr>
+            <a:spLocks noGrp="1"/>
+          </p:cNvSpPr>
+          <p:nvPr>
+            <p:ph type="ftr" sz="quarter" idx="11"/>
+          </p:nvPr>
+        </p:nvSpPr>
+        <p:spPr/>
+        <p:txBody>
+          <a:bodyPr/>
+          <a:lstStyle/>
+          <a:p>
+            <a:endParaRPr lang="en-US"/>
+          </a:p>
+        </p:txBody>
+      </p:sp>
+      <p:sp>
+        <p:nvSpPr>
+          <p:cNvPr id="6" name="Slide Number Placeholder 5"/>
+          <p:cNvSpPr>
+            <a:spLocks noGrp="1"/>
+          </p:cNvSpPr>
+          <p:nvPr>
+            <p:ph type="sldNum" sz="quarter" idx="12"/>
+          </p:nvPr>
+        </p:nvSpPr>
+        <p:spPr/>
+        <p:txBody>
+          <a:bodyPr/>
+          <a:lstStyle/>
+          <a:p>
+            <a:fld id="{20B6F52A-1582-44E6-98CB-FAA192C16E90}" type="slidenum">
+              <a:rPr lang="en-US" smtClean="0"/>
+              <a:t>‹#›</a:t>
+            </a:fld>
+            <a:endParaRPr lang="en-US"/>
+          </a:p>
+        </p:txBody>
+      </p:sp>
+    </p:spTree>
+    <p:extLst>
+      <p:ext uri="{BB962C8B-B14F-4D97-AF65-F5344CB8AC3E}">
+        <p14:creationId xmlns:p14="http://schemas.microsoft.com/office/powerpoint/2010/main" val="3314198561"/>
+      </p:ext>
+    </p:extLst>
+  </p:cSld>
+  <p:clrMapOvr>
+    <a:masterClrMapping/>
+  </p:clrMapOvr>
+</p:sldLayout>
+</file>
+
+<file path=ppt/slideLayouts/slideLayout13.xml><?xml version="1.0" encoding="utf-8"?>
+<p:sldLayout xmlns:a="http://schemas.openxmlformats.org/drawingml/2006/main" xmlns:r="http://schemas.openxmlformats.org/officeDocument/2006/relationships" xmlns:p="http://schemas.openxmlformats.org/presentationml/2006/main" type="obj" preserve="1">
+  <p:cSld name="Title and Content">
+    <p:spTree>
+      <p:nvGrpSpPr>
+        <p:cNvPr id="1" name=""/>
+        <p:cNvGrpSpPr/>
+        <p:nvPr/>
+      </p:nvGrpSpPr>
+      <p:grpSpPr>
+        <a:xfrm>
+          <a:off x="0" y="0"/>
+          <a:ext cx="0" cy="0"/>
+          <a:chOff x="0" y="0"/>
+          <a:chExt cx="0" cy="0"/>
+        </a:xfrm>
+      </p:grpSpPr>
+      <p:sp>
+        <p:nvSpPr>
+          <p:cNvPr id="2" name="Title 1"/>
+          <p:cNvSpPr>
+            <a:spLocks noGrp="1"/>
+          </p:cNvSpPr>
+          <p:nvPr>
+            <p:ph type="title"/>
+          </p:nvPr>
+        </p:nvSpPr>
+        <p:spPr/>
+        <p:txBody>
+          <a:bodyPr/>
+          <a:lstStyle/>
+          <a:p>
+            <a:r>
+              <a:rPr lang="en-US"/>
+              <a:t>Click to edit Master title style</a:t>
+            </a:r>
+            <a:endParaRPr lang="en-US" dirty="0"/>
+          </a:p>
+        </p:txBody>
+      </p:sp>
+      <p:sp>
+        <p:nvSpPr>
+          <p:cNvPr id="3" name="Content Placeholder 2"/>
+          <p:cNvSpPr>
+            <a:spLocks noGrp="1"/>
+          </p:cNvSpPr>
+          <p:nvPr>
+            <p:ph idx="1"/>
+          </p:nvPr>
+        </p:nvSpPr>
+        <p:spPr/>
+        <p:txBody>
+          <a:bodyPr/>
+          <a:lstStyle/>
+          <a:p>
+            <a:pPr lvl="0"/>
+            <a:r>
+              <a:rPr lang="en-US"/>
+              <a:t>Click to edit Master text styles</a:t>
+            </a:r>
+          </a:p>
+          <a:p>
+            <a:pPr lvl="1"/>
+            <a:r>
+              <a:rPr lang="en-US"/>
+              <a:t>Second level</a:t>
+            </a:r>
+          </a:p>
+          <a:p>
+            <a:pPr lvl="2"/>
+            <a:r>
+              <a:rPr lang="en-US"/>
+              <a:t>Third level</a:t>
+            </a:r>
+          </a:p>
+          <a:p>
+            <a:pPr lvl="3"/>
+            <a:r>
+              <a:rPr lang="en-US"/>
+              <a:t>Fourth level</a:t>
+            </a:r>
+          </a:p>
+          <a:p>
+            <a:pPr lvl="4"/>
+            <a:r>
+              <a:rPr lang="en-US"/>
+              <a:t>Fifth level</a:t>
+            </a:r>
+            <a:endParaRPr lang="en-US" dirty="0"/>
+          </a:p>
+        </p:txBody>
+      </p:sp>
+      <p:sp>
+        <p:nvSpPr>
+          <p:cNvPr id="4" name="Date Placeholder 3"/>
+          <p:cNvSpPr>
+            <a:spLocks noGrp="1"/>
+          </p:cNvSpPr>
+          <p:nvPr>
+            <p:ph type="dt" sz="half" idx="10"/>
+          </p:nvPr>
+        </p:nvSpPr>
+        <p:spPr/>
+        <p:txBody>
+          <a:bodyPr/>
+          <a:lstStyle/>
+          <a:p>
+            <a:fld id="{FFC72D42-CF37-4CB5-B0DD-F47C99210D8E}" type="datetimeFigureOut">
+              <a:rPr lang="en-US" smtClean="0"/>
+              <a:t>1/10/2020</a:t>
+            </a:fld>
+            <a:endParaRPr lang="en-US"/>
+          </a:p>
+        </p:txBody>
+      </p:sp>
+      <p:sp>
+        <p:nvSpPr>
+          <p:cNvPr id="5" name="Footer Placeholder 4"/>
+          <p:cNvSpPr>
+            <a:spLocks noGrp="1"/>
+          </p:cNvSpPr>
+          <p:nvPr>
+            <p:ph type="ftr" sz="quarter" idx="11"/>
+          </p:nvPr>
+        </p:nvSpPr>
+        <p:spPr/>
+        <p:txBody>
+          <a:bodyPr/>
+          <a:lstStyle/>
+          <a:p>
+            <a:endParaRPr lang="en-US"/>
+          </a:p>
+        </p:txBody>
+      </p:sp>
+      <p:sp>
+        <p:nvSpPr>
+          <p:cNvPr id="6" name="Slide Number Placeholder 5"/>
+          <p:cNvSpPr>
+            <a:spLocks noGrp="1"/>
+          </p:cNvSpPr>
+          <p:nvPr>
+            <p:ph type="sldNum" sz="quarter" idx="12"/>
+          </p:nvPr>
+        </p:nvSpPr>
+        <p:spPr/>
+        <p:txBody>
+          <a:bodyPr/>
+          <a:lstStyle/>
+          <a:p>
+            <a:fld id="{20B6F52A-1582-44E6-98CB-FAA192C16E90}" type="slidenum">
+              <a:rPr lang="en-US" smtClean="0"/>
+              <a:t>‹#›</a:t>
+            </a:fld>
+            <a:endParaRPr lang="en-US"/>
+          </a:p>
+        </p:txBody>
+      </p:sp>
+    </p:spTree>
+    <p:extLst>
+      <p:ext uri="{BB962C8B-B14F-4D97-AF65-F5344CB8AC3E}">
+        <p14:creationId xmlns:p14="http://schemas.microsoft.com/office/powerpoint/2010/main" val="4097699005"/>
+      </p:ext>
+    </p:extLst>
+  </p:cSld>
+  <p:clrMapOvr>
+    <a:masterClrMapping/>
+  </p:clrMapOvr>
+</p:sldLayout>
+</file>
+
+<file path=ppt/slideLayouts/slideLayout14.xml><?xml version="1.0" encoding="utf-8"?>
+<p:sldLayout xmlns:a="http://schemas.openxmlformats.org/drawingml/2006/main" xmlns:r="http://schemas.openxmlformats.org/officeDocument/2006/relationships" xmlns:p="http://schemas.openxmlformats.org/presentationml/2006/main" type="secHead" preserve="1">
+  <p:cSld name="Section Header">
+    <p:spTree>
+      <p:nvGrpSpPr>
+        <p:cNvPr id="1" name=""/>
+        <p:cNvGrpSpPr/>
+        <p:nvPr/>
+      </p:nvGrpSpPr>
+      <p:grpSpPr>
+        <a:xfrm>
+          <a:off x="0" y="0"/>
+          <a:ext cx="0" cy="0"/>
+          <a:chOff x="0" y="0"/>
+          <a:chExt cx="0" cy="0"/>
+        </a:xfrm>
+      </p:grpSpPr>
+      <p:sp>
+        <p:nvSpPr>
+          <p:cNvPr id="2" name="Title 1"/>
+          <p:cNvSpPr>
+            <a:spLocks noGrp="1"/>
+          </p:cNvSpPr>
+          <p:nvPr>
+            <p:ph type="title"/>
+          </p:nvPr>
+        </p:nvSpPr>
+        <p:spPr>
+          <a:xfrm>
+            <a:off x="530305" y="1367792"/>
+            <a:ext cx="6703695" cy="2282189"/>
+          </a:xfrm>
+        </p:spPr>
+        <p:txBody>
+          <a:bodyPr anchor="b"/>
+          <a:lstStyle>
+            <a:lvl1pPr>
+              <a:defRPr sz="4799"/>
+            </a:lvl1pPr>
+          </a:lstStyle>
+          <a:p>
+            <a:r>
+              <a:rPr lang="en-US"/>
+              <a:t>Click to edit Master title style</a:t>
+            </a:r>
+            <a:endParaRPr lang="en-US" dirty="0"/>
+          </a:p>
+        </p:txBody>
+      </p:sp>
+      <p:sp>
+        <p:nvSpPr>
+          <p:cNvPr id="3" name="Text Placeholder 2"/>
+          <p:cNvSpPr>
+            <a:spLocks noGrp="1"/>
+          </p:cNvSpPr>
+          <p:nvPr>
+            <p:ph type="body" idx="1"/>
+          </p:nvPr>
+        </p:nvSpPr>
+        <p:spPr>
+          <a:xfrm>
+            <a:off x="530305" y="3671572"/>
+            <a:ext cx="6703695" cy="1200150"/>
+          </a:xfrm>
+        </p:spPr>
+        <p:txBody>
+          <a:bodyPr/>
+          <a:lstStyle>
+            <a:lvl1pPr marL="0" indent="0">
+              <a:buNone/>
+              <a:defRPr sz="1920">
+                <a:solidFill>
+                  <a:schemeClr val="tx1"/>
+                </a:solidFill>
+              </a:defRPr>
+            </a:lvl1pPr>
+            <a:lvl2pPr marL="365732" indent="0">
+              <a:buNone/>
+              <a:defRPr sz="1600">
+                <a:solidFill>
+                  <a:schemeClr val="tx1">
+                    <a:tint val="75000"/>
+                  </a:schemeClr>
+                </a:solidFill>
+              </a:defRPr>
+            </a:lvl2pPr>
+            <a:lvl3pPr marL="731464" indent="0">
+              <a:buNone/>
+              <a:defRPr sz="1440">
+                <a:solidFill>
+                  <a:schemeClr val="tx1">
+                    <a:tint val="75000"/>
+                  </a:schemeClr>
+                </a:solidFill>
+              </a:defRPr>
+            </a:lvl3pPr>
+            <a:lvl4pPr marL="1097197" indent="0">
+              <a:buNone/>
+              <a:defRPr sz="1280">
+                <a:solidFill>
+                  <a:schemeClr val="tx1">
+                    <a:tint val="75000"/>
+                  </a:schemeClr>
+                </a:solidFill>
+              </a:defRPr>
+            </a:lvl4pPr>
+            <a:lvl5pPr marL="1462929" indent="0">
+              <a:buNone/>
+              <a:defRPr sz="1280">
+                <a:solidFill>
+                  <a:schemeClr val="tx1">
+                    <a:tint val="75000"/>
+                  </a:schemeClr>
+                </a:solidFill>
+              </a:defRPr>
+            </a:lvl5pPr>
+            <a:lvl6pPr marL="1828661" indent="0">
+              <a:buNone/>
+              <a:defRPr sz="1280">
+                <a:solidFill>
+                  <a:schemeClr val="tx1">
+                    <a:tint val="75000"/>
+                  </a:schemeClr>
+                </a:solidFill>
+              </a:defRPr>
+            </a:lvl6pPr>
+            <a:lvl7pPr marL="2194393" indent="0">
+              <a:buNone/>
+              <a:defRPr sz="1280">
+                <a:solidFill>
+                  <a:schemeClr val="tx1">
+                    <a:tint val="75000"/>
+                  </a:schemeClr>
+                </a:solidFill>
+              </a:defRPr>
+            </a:lvl7pPr>
+            <a:lvl8pPr marL="2560125" indent="0">
+              <a:buNone/>
+              <a:defRPr sz="1280">
+                <a:solidFill>
+                  <a:schemeClr val="tx1">
+                    <a:tint val="75000"/>
+                  </a:schemeClr>
+                </a:solidFill>
+              </a:defRPr>
+            </a:lvl8pPr>
+            <a:lvl9pPr marL="2925857" indent="0">
+              <a:buNone/>
+              <a:defRPr sz="1280">
+                <a:solidFill>
+                  <a:schemeClr val="tx1">
+                    <a:tint val="75000"/>
+                  </a:schemeClr>
+                </a:solidFill>
+              </a:defRPr>
+            </a:lvl9pPr>
+          </a:lstStyle>
+          <a:p>
+            <a:pPr lvl="0"/>
+            <a:r>
+              <a:rPr lang="en-US"/>
+              <a:t>Click to edit Master text styles</a:t>
+            </a:r>
+          </a:p>
+        </p:txBody>
+      </p:sp>
+      <p:sp>
+        <p:nvSpPr>
+          <p:cNvPr id="4" name="Date Placeholder 3"/>
+          <p:cNvSpPr>
+            <a:spLocks noGrp="1"/>
+          </p:cNvSpPr>
+          <p:nvPr>
+            <p:ph type="dt" sz="half" idx="10"/>
+          </p:nvPr>
+        </p:nvSpPr>
+        <p:spPr/>
+        <p:txBody>
+          <a:bodyPr/>
+          <a:lstStyle/>
+          <a:p>
+            <a:fld id="{FFC72D42-CF37-4CB5-B0DD-F47C99210D8E}" type="datetimeFigureOut">
+              <a:rPr lang="en-US" smtClean="0"/>
+              <a:t>1/10/2020</a:t>
+            </a:fld>
+            <a:endParaRPr lang="en-US"/>
+          </a:p>
+        </p:txBody>
+      </p:sp>
+      <p:sp>
+        <p:nvSpPr>
+          <p:cNvPr id="5" name="Footer Placeholder 4"/>
+          <p:cNvSpPr>
+            <a:spLocks noGrp="1"/>
+          </p:cNvSpPr>
+          <p:nvPr>
+            <p:ph type="ftr" sz="quarter" idx="11"/>
+          </p:nvPr>
+        </p:nvSpPr>
+        <p:spPr/>
+        <p:txBody>
+          <a:bodyPr/>
+          <a:lstStyle/>
+          <a:p>
+            <a:endParaRPr lang="en-US"/>
+          </a:p>
+        </p:txBody>
+      </p:sp>
+      <p:sp>
+        <p:nvSpPr>
+          <p:cNvPr id="6" name="Slide Number Placeholder 5"/>
+          <p:cNvSpPr>
+            <a:spLocks noGrp="1"/>
+          </p:cNvSpPr>
+          <p:nvPr>
+            <p:ph type="sldNum" sz="quarter" idx="12"/>
+          </p:nvPr>
+        </p:nvSpPr>
+        <p:spPr/>
+        <p:txBody>
+          <a:bodyPr/>
+          <a:lstStyle/>
+          <a:p>
+            <a:fld id="{20B6F52A-1582-44E6-98CB-FAA192C16E90}" type="slidenum">
+              <a:rPr lang="en-US" smtClean="0"/>
+              <a:t>‹#›</a:t>
+            </a:fld>
+            <a:endParaRPr lang="en-US"/>
+          </a:p>
+        </p:txBody>
+      </p:sp>
+    </p:spTree>
+    <p:extLst>
+      <p:ext uri="{BB962C8B-B14F-4D97-AF65-F5344CB8AC3E}">
+        <p14:creationId xmlns:p14="http://schemas.microsoft.com/office/powerpoint/2010/main" val="1780136875"/>
+      </p:ext>
+    </p:extLst>
+  </p:cSld>
+  <p:clrMapOvr>
+    <a:masterClrMapping/>
+  </p:clrMapOvr>
+</p:sldLayout>
+</file>
+
+<file path=ppt/slideLayouts/slideLayout15.xml><?xml version="1.0" encoding="utf-8"?>
+<p:sldLayout xmlns:a="http://schemas.openxmlformats.org/drawingml/2006/main" xmlns:r="http://schemas.openxmlformats.org/officeDocument/2006/relationships" xmlns:p="http://schemas.openxmlformats.org/presentationml/2006/main" type="twoObj" preserve="1">
+  <p:cSld name="Two Content">
+    <p:spTree>
+      <p:nvGrpSpPr>
+        <p:cNvPr id="1" name=""/>
+        <p:cNvGrpSpPr/>
+        <p:nvPr/>
+      </p:nvGrpSpPr>
+      <p:grpSpPr>
+        <a:xfrm>
+          <a:off x="0" y="0"/>
+          <a:ext cx="0" cy="0"/>
+          <a:chOff x="0" y="0"/>
+          <a:chExt cx="0" cy="0"/>
+        </a:xfrm>
+      </p:grpSpPr>
+      <p:sp>
+        <p:nvSpPr>
+          <p:cNvPr id="2" name="Title 1"/>
+          <p:cNvSpPr>
+            <a:spLocks noGrp="1"/>
+          </p:cNvSpPr>
+          <p:nvPr>
+            <p:ph type="title"/>
+          </p:nvPr>
+        </p:nvSpPr>
+        <p:spPr/>
+        <p:txBody>
+          <a:bodyPr/>
+          <a:lstStyle/>
+          <a:p>
+            <a:r>
+              <a:rPr lang="en-US"/>
+              <a:t>Click to edit Master title style</a:t>
+            </a:r>
+            <a:endParaRPr lang="en-US" dirty="0"/>
+          </a:p>
+        </p:txBody>
+      </p:sp>
+      <p:sp>
+        <p:nvSpPr>
+          <p:cNvPr id="3" name="Content Placeholder 2"/>
+          <p:cNvSpPr>
+            <a:spLocks noGrp="1"/>
+          </p:cNvSpPr>
+          <p:nvPr>
+            <p:ph sz="half" idx="1"/>
+          </p:nvPr>
+        </p:nvSpPr>
+        <p:spPr>
+          <a:xfrm>
+            <a:off x="534353" y="1460500"/>
+            <a:ext cx="3303270" cy="3481070"/>
+          </a:xfrm>
+        </p:spPr>
+        <p:txBody>
+          <a:bodyPr/>
+          <a:lstStyle/>
+          <a:p>
+            <a:pPr lvl="0"/>
+            <a:r>
+              <a:rPr lang="en-US"/>
+              <a:t>Click to edit Master text styles</a:t>
+            </a:r>
+          </a:p>
+          <a:p>
+            <a:pPr lvl="1"/>
+            <a:r>
+              <a:rPr lang="en-US"/>
+              <a:t>Second level</a:t>
+            </a:r>
+          </a:p>
+          <a:p>
+            <a:pPr lvl="2"/>
+            <a:r>
+              <a:rPr lang="en-US"/>
+              <a:t>Third level</a:t>
+            </a:r>
+          </a:p>
+          <a:p>
+            <a:pPr lvl="3"/>
+            <a:r>
+              <a:rPr lang="en-US"/>
+              <a:t>Fourth level</a:t>
+            </a:r>
+          </a:p>
+          <a:p>
+            <a:pPr lvl="4"/>
+            <a:r>
+              <a:rPr lang="en-US"/>
+              <a:t>Fifth level</a:t>
+            </a:r>
+            <a:endParaRPr lang="en-US" dirty="0"/>
+          </a:p>
+        </p:txBody>
+      </p:sp>
+      <p:sp>
+        <p:nvSpPr>
+          <p:cNvPr id="4" name="Content Placeholder 3"/>
+          <p:cNvSpPr>
+            <a:spLocks noGrp="1"/>
+          </p:cNvSpPr>
+          <p:nvPr>
+            <p:ph sz="half" idx="2"/>
+          </p:nvPr>
+        </p:nvSpPr>
+        <p:spPr>
+          <a:xfrm>
+            <a:off x="3934778" y="1460500"/>
+            <a:ext cx="3303270" cy="3481070"/>
+          </a:xfrm>
+        </p:spPr>
+        <p:txBody>
+          <a:bodyPr/>
+          <a:lstStyle/>
+          <a:p>
+            <a:pPr lvl="0"/>
+            <a:r>
+              <a:rPr lang="en-US"/>
+              <a:t>Click to edit Master text styles</a:t>
+            </a:r>
+          </a:p>
+          <a:p>
+            <a:pPr lvl="1"/>
+            <a:r>
+              <a:rPr lang="en-US"/>
+              <a:t>Second level</a:t>
+            </a:r>
+          </a:p>
+          <a:p>
+            <a:pPr lvl="2"/>
+            <a:r>
+              <a:rPr lang="en-US"/>
+              <a:t>Third level</a:t>
+            </a:r>
+          </a:p>
+          <a:p>
+            <a:pPr lvl="3"/>
+            <a:r>
+              <a:rPr lang="en-US"/>
+              <a:t>Fourth level</a:t>
+            </a:r>
+          </a:p>
+          <a:p>
+            <a:pPr lvl="4"/>
+            <a:r>
+              <a:rPr lang="en-US"/>
+              <a:t>Fifth level</a:t>
+            </a:r>
+            <a:endParaRPr lang="en-US" dirty="0"/>
+          </a:p>
+        </p:txBody>
+      </p:sp>
+      <p:sp>
+        <p:nvSpPr>
+          <p:cNvPr id="5" name="Date Placeholder 4"/>
+          <p:cNvSpPr>
+            <a:spLocks noGrp="1"/>
+          </p:cNvSpPr>
+          <p:nvPr>
+            <p:ph type="dt" sz="half" idx="10"/>
+          </p:nvPr>
+        </p:nvSpPr>
+        <p:spPr/>
+        <p:txBody>
+          <a:bodyPr/>
+          <a:lstStyle/>
+          <a:p>
+            <a:fld id="{FFC72D42-CF37-4CB5-B0DD-F47C99210D8E}" type="datetimeFigureOut">
+              <a:rPr lang="en-US" smtClean="0"/>
+              <a:t>1/10/2020</a:t>
+            </a:fld>
+            <a:endParaRPr lang="en-US"/>
+          </a:p>
+        </p:txBody>
+      </p:sp>
+      <p:sp>
+        <p:nvSpPr>
+          <p:cNvPr id="6" name="Footer Placeholder 5"/>
+          <p:cNvSpPr>
+            <a:spLocks noGrp="1"/>
+          </p:cNvSpPr>
+          <p:nvPr>
+            <p:ph type="ftr" sz="quarter" idx="11"/>
+          </p:nvPr>
+        </p:nvSpPr>
+        <p:spPr/>
+        <p:txBody>
+          <a:bodyPr/>
+          <a:lstStyle/>
+          <a:p>
+            <a:endParaRPr lang="en-US"/>
+          </a:p>
+        </p:txBody>
+      </p:sp>
+      <p:sp>
+        <p:nvSpPr>
+          <p:cNvPr id="7" name="Slide Number Placeholder 6"/>
+          <p:cNvSpPr>
+            <a:spLocks noGrp="1"/>
+          </p:cNvSpPr>
+          <p:nvPr>
+            <p:ph type="sldNum" sz="quarter" idx="12"/>
+          </p:nvPr>
+        </p:nvSpPr>
+        <p:spPr/>
+        <p:txBody>
+          <a:bodyPr/>
+          <a:lstStyle/>
+          <a:p>
+            <a:fld id="{20B6F52A-1582-44E6-98CB-FAA192C16E90}" type="slidenum">
+              <a:rPr lang="en-US" smtClean="0"/>
+              <a:t>‹#›</a:t>
+            </a:fld>
+            <a:endParaRPr lang="en-US"/>
+          </a:p>
+        </p:txBody>
+      </p:sp>
+    </p:spTree>
+    <p:extLst>
+      <p:ext uri="{BB962C8B-B14F-4D97-AF65-F5344CB8AC3E}">
+        <p14:creationId xmlns:p14="http://schemas.microsoft.com/office/powerpoint/2010/main" val="1200506447"/>
+      </p:ext>
+    </p:extLst>
+  </p:cSld>
+  <p:clrMapOvr>
+    <a:masterClrMapping/>
+  </p:clrMapOvr>
+</p:sldLayout>
+</file>
+
+<file path=ppt/slideLayouts/slideLayout16.xml><?xml version="1.0" encoding="utf-8"?>
+<p:sldLayout xmlns:a="http://schemas.openxmlformats.org/drawingml/2006/main" xmlns:r="http://schemas.openxmlformats.org/officeDocument/2006/relationships" xmlns:p="http://schemas.openxmlformats.org/presentationml/2006/main" type="twoTxTwoObj" preserve="1">
+  <p:cSld name="Comparison">
+    <p:spTree>
+      <p:nvGrpSpPr>
+        <p:cNvPr id="1" name=""/>
+        <p:cNvGrpSpPr/>
+        <p:nvPr/>
+      </p:nvGrpSpPr>
+      <p:grpSpPr>
+        <a:xfrm>
+          <a:off x="0" y="0"/>
+          <a:ext cx="0" cy="0"/>
+          <a:chOff x="0" y="0"/>
+          <a:chExt cx="0" cy="0"/>
+        </a:xfrm>
+      </p:grpSpPr>
+      <p:sp>
+        <p:nvSpPr>
+          <p:cNvPr id="2" name="Title 1"/>
+          <p:cNvSpPr>
+            <a:spLocks noGrp="1"/>
+          </p:cNvSpPr>
+          <p:nvPr>
+            <p:ph type="title"/>
+          </p:nvPr>
+        </p:nvSpPr>
+        <p:spPr>
+          <a:xfrm>
+            <a:off x="535365" y="292101"/>
+            <a:ext cx="6703695" cy="1060450"/>
+          </a:xfrm>
+        </p:spPr>
+        <p:txBody>
+          <a:bodyPr/>
+          <a:lstStyle/>
+          <a:p>
+            <a:r>
+              <a:rPr lang="en-US"/>
+              <a:t>Click to edit Master title style</a:t>
+            </a:r>
+            <a:endParaRPr lang="en-US" dirty="0"/>
+          </a:p>
+        </p:txBody>
+      </p:sp>
+      <p:sp>
+        <p:nvSpPr>
+          <p:cNvPr id="3" name="Text Placeholder 2"/>
+          <p:cNvSpPr>
+            <a:spLocks noGrp="1"/>
+          </p:cNvSpPr>
+          <p:nvPr>
+            <p:ph type="body" idx="1"/>
+          </p:nvPr>
+        </p:nvSpPr>
+        <p:spPr>
+          <a:xfrm>
+            <a:off x="535366" y="1344931"/>
+            <a:ext cx="3288089" cy="659130"/>
+          </a:xfrm>
+        </p:spPr>
+        <p:txBody>
+          <a:bodyPr anchor="b"/>
+          <a:lstStyle>
+            <a:lvl1pPr marL="0" indent="0">
+              <a:buNone/>
+              <a:defRPr sz="1920" b="1"/>
+            </a:lvl1pPr>
+            <a:lvl2pPr marL="365732" indent="0">
+              <a:buNone/>
+              <a:defRPr sz="1600" b="1"/>
+            </a:lvl2pPr>
+            <a:lvl3pPr marL="731464" indent="0">
+              <a:buNone/>
+              <a:defRPr sz="1440" b="1"/>
+            </a:lvl3pPr>
+            <a:lvl4pPr marL="1097197" indent="0">
+              <a:buNone/>
+              <a:defRPr sz="1280" b="1"/>
+            </a:lvl4pPr>
+            <a:lvl5pPr marL="1462929" indent="0">
+              <a:buNone/>
+              <a:defRPr sz="1280" b="1"/>
+            </a:lvl5pPr>
+            <a:lvl6pPr marL="1828661" indent="0">
+              <a:buNone/>
+              <a:defRPr sz="1280" b="1"/>
+            </a:lvl6pPr>
+            <a:lvl7pPr marL="2194393" indent="0">
+              <a:buNone/>
+              <a:defRPr sz="1280" b="1"/>
+            </a:lvl7pPr>
+            <a:lvl8pPr marL="2560125" indent="0">
+              <a:buNone/>
+              <a:defRPr sz="1280" b="1"/>
+            </a:lvl8pPr>
+            <a:lvl9pPr marL="2925857" indent="0">
+              <a:buNone/>
+              <a:defRPr sz="1280" b="1"/>
+            </a:lvl9pPr>
+          </a:lstStyle>
+          <a:p>
+            <a:pPr lvl="0"/>
+            <a:r>
+              <a:rPr lang="en-US"/>
+              <a:t>Click to edit Master text styles</a:t>
+            </a:r>
+          </a:p>
+        </p:txBody>
+      </p:sp>
+      <p:sp>
+        <p:nvSpPr>
+          <p:cNvPr id="4" name="Content Placeholder 3"/>
+          <p:cNvSpPr>
+            <a:spLocks noGrp="1"/>
+          </p:cNvSpPr>
+          <p:nvPr>
+            <p:ph sz="half" idx="2"/>
+          </p:nvPr>
+        </p:nvSpPr>
+        <p:spPr>
+          <a:xfrm>
+            <a:off x="535366" y="2004060"/>
+            <a:ext cx="3288089" cy="2947671"/>
+          </a:xfrm>
+        </p:spPr>
+        <p:txBody>
+          <a:bodyPr/>
+          <a:lstStyle/>
+          <a:p>
+            <a:pPr lvl="0"/>
+            <a:r>
+              <a:rPr lang="en-US"/>
+              <a:t>Click to edit Master text styles</a:t>
+            </a:r>
+          </a:p>
+          <a:p>
+            <a:pPr lvl="1"/>
+            <a:r>
+              <a:rPr lang="en-US"/>
+              <a:t>Second level</a:t>
+            </a:r>
+          </a:p>
+          <a:p>
+            <a:pPr lvl="2"/>
+            <a:r>
+              <a:rPr lang="en-US"/>
+              <a:t>Third level</a:t>
+            </a:r>
+          </a:p>
+          <a:p>
+            <a:pPr lvl="3"/>
+            <a:r>
+              <a:rPr lang="en-US"/>
+              <a:t>Fourth level</a:t>
+            </a:r>
+          </a:p>
+          <a:p>
+            <a:pPr lvl="4"/>
+            <a:r>
+              <a:rPr lang="en-US"/>
+              <a:t>Fifth level</a:t>
+            </a:r>
+            <a:endParaRPr lang="en-US" dirty="0"/>
+          </a:p>
+        </p:txBody>
+      </p:sp>
+      <p:sp>
+        <p:nvSpPr>
+          <p:cNvPr id="5" name="Text Placeholder 4"/>
+          <p:cNvSpPr>
+            <a:spLocks noGrp="1"/>
+          </p:cNvSpPr>
+          <p:nvPr>
+            <p:ph type="body" sz="quarter" idx="3"/>
+          </p:nvPr>
+        </p:nvSpPr>
+        <p:spPr>
+          <a:xfrm>
+            <a:off x="3934778" y="1344931"/>
+            <a:ext cx="3304282" cy="659130"/>
+          </a:xfrm>
+        </p:spPr>
+        <p:txBody>
+          <a:bodyPr anchor="b"/>
+          <a:lstStyle>
+            <a:lvl1pPr marL="0" indent="0">
+              <a:buNone/>
+              <a:defRPr sz="1920" b="1"/>
+            </a:lvl1pPr>
+            <a:lvl2pPr marL="365732" indent="0">
+              <a:buNone/>
+              <a:defRPr sz="1600" b="1"/>
+            </a:lvl2pPr>
+            <a:lvl3pPr marL="731464" indent="0">
+              <a:buNone/>
+              <a:defRPr sz="1440" b="1"/>
+            </a:lvl3pPr>
+            <a:lvl4pPr marL="1097197" indent="0">
+              <a:buNone/>
+              <a:defRPr sz="1280" b="1"/>
+            </a:lvl4pPr>
+            <a:lvl5pPr marL="1462929" indent="0">
+              <a:buNone/>
+              <a:defRPr sz="1280" b="1"/>
+            </a:lvl5pPr>
+            <a:lvl6pPr marL="1828661" indent="0">
+              <a:buNone/>
+              <a:defRPr sz="1280" b="1"/>
+            </a:lvl6pPr>
+            <a:lvl7pPr marL="2194393" indent="0">
+              <a:buNone/>
+              <a:defRPr sz="1280" b="1"/>
+            </a:lvl7pPr>
+            <a:lvl8pPr marL="2560125" indent="0">
+              <a:buNone/>
+              <a:defRPr sz="1280" b="1"/>
+            </a:lvl8pPr>
+            <a:lvl9pPr marL="2925857" indent="0">
+              <a:buNone/>
+              <a:defRPr sz="1280" b="1"/>
+            </a:lvl9pPr>
+          </a:lstStyle>
+          <a:p>
+            <a:pPr lvl="0"/>
+            <a:r>
+              <a:rPr lang="en-US"/>
+              <a:t>Click to edit Master text styles</a:t>
+            </a:r>
+          </a:p>
+        </p:txBody>
+      </p:sp>
+      <p:sp>
+        <p:nvSpPr>
+          <p:cNvPr id="6" name="Content Placeholder 5"/>
+          <p:cNvSpPr>
+            <a:spLocks noGrp="1"/>
+          </p:cNvSpPr>
+          <p:nvPr>
+            <p:ph sz="quarter" idx="4"/>
+          </p:nvPr>
+        </p:nvSpPr>
+        <p:spPr>
+          <a:xfrm>
+            <a:off x="3934778" y="2004060"/>
+            <a:ext cx="3304282" cy="2947671"/>
+          </a:xfrm>
+        </p:spPr>
+        <p:txBody>
+          <a:bodyPr/>
+          <a:lstStyle/>
+          <a:p>
+            <a:pPr lvl="0"/>
+            <a:r>
+              <a:rPr lang="en-US"/>
+              <a:t>Click to edit Master text styles</a:t>
+            </a:r>
+          </a:p>
+          <a:p>
+            <a:pPr lvl="1"/>
+            <a:r>
+              <a:rPr lang="en-US"/>
+              <a:t>Second level</a:t>
+            </a:r>
+          </a:p>
+          <a:p>
+            <a:pPr lvl="2"/>
+            <a:r>
+              <a:rPr lang="en-US"/>
+              <a:t>Third level</a:t>
+            </a:r>
+          </a:p>
+          <a:p>
+            <a:pPr lvl="3"/>
+            <a:r>
+              <a:rPr lang="en-US"/>
+              <a:t>Fourth level</a:t>
+            </a:r>
+          </a:p>
+          <a:p>
+            <a:pPr lvl="4"/>
+            <a:r>
+              <a:rPr lang="en-US"/>
+              <a:t>Fifth level</a:t>
+            </a:r>
+            <a:endParaRPr lang="en-US" dirty="0"/>
+          </a:p>
+        </p:txBody>
+      </p:sp>
+      <p:sp>
+        <p:nvSpPr>
+          <p:cNvPr id="7" name="Date Placeholder 6"/>
+          <p:cNvSpPr>
+            <a:spLocks noGrp="1"/>
+          </p:cNvSpPr>
+          <p:nvPr>
+            <p:ph type="dt" sz="half" idx="10"/>
+          </p:nvPr>
+        </p:nvSpPr>
+        <p:spPr/>
+        <p:txBody>
+          <a:bodyPr/>
+          <a:lstStyle/>
+          <a:p>
+            <a:fld id="{FFC72D42-CF37-4CB5-B0DD-F47C99210D8E}" type="datetimeFigureOut">
+              <a:rPr lang="en-US" smtClean="0"/>
+              <a:t>1/10/2020</a:t>
+            </a:fld>
+            <a:endParaRPr lang="en-US"/>
+          </a:p>
+        </p:txBody>
+      </p:sp>
+      <p:sp>
+        <p:nvSpPr>
+          <p:cNvPr id="8" name="Footer Placeholder 7"/>
+          <p:cNvSpPr>
+            <a:spLocks noGrp="1"/>
+          </p:cNvSpPr>
+          <p:nvPr>
+            <p:ph type="ftr" sz="quarter" idx="11"/>
+          </p:nvPr>
+        </p:nvSpPr>
+        <p:spPr/>
+        <p:txBody>
+          <a:bodyPr/>
+          <a:lstStyle/>
+          <a:p>
+            <a:endParaRPr lang="en-US"/>
+          </a:p>
+        </p:txBody>
+      </p:sp>
+      <p:sp>
+        <p:nvSpPr>
+          <p:cNvPr id="9" name="Slide Number Placeholder 8"/>
+          <p:cNvSpPr>
+            <a:spLocks noGrp="1"/>
+          </p:cNvSpPr>
+          <p:nvPr>
+            <p:ph type="sldNum" sz="quarter" idx="12"/>
+          </p:nvPr>
+        </p:nvSpPr>
+        <p:spPr/>
+        <p:txBody>
+          <a:bodyPr/>
+          <a:lstStyle/>
+          <a:p>
+            <a:fld id="{20B6F52A-1582-44E6-98CB-FAA192C16E90}" type="slidenum">
+              <a:rPr lang="en-US" smtClean="0"/>
+              <a:t>‹#›</a:t>
+            </a:fld>
+            <a:endParaRPr lang="en-US"/>
+          </a:p>
+        </p:txBody>
+      </p:sp>
+    </p:spTree>
+    <p:extLst>
+      <p:ext uri="{BB962C8B-B14F-4D97-AF65-F5344CB8AC3E}">
+        <p14:creationId xmlns:p14="http://schemas.microsoft.com/office/powerpoint/2010/main" val="3438826486"/>
+      </p:ext>
+    </p:extLst>
+  </p:cSld>
+  <p:clrMapOvr>
+    <a:masterClrMapping/>
+  </p:clrMapOvr>
+</p:sldLayout>
+</file>
+
+<file path=ppt/slideLayouts/slideLayout17.xml><?xml version="1.0" encoding="utf-8"?>
+<p:sldLayout xmlns:a="http://schemas.openxmlformats.org/drawingml/2006/main" xmlns:r="http://schemas.openxmlformats.org/officeDocument/2006/relationships" xmlns:p="http://schemas.openxmlformats.org/presentationml/2006/main" type="titleOnly" preserve="1">
+  <p:cSld name="Title Only">
+    <p:spTree>
+      <p:nvGrpSpPr>
+        <p:cNvPr id="1" name=""/>
+        <p:cNvGrpSpPr/>
+        <p:nvPr/>
+      </p:nvGrpSpPr>
+      <p:grpSpPr>
+        <a:xfrm>
+          <a:off x="0" y="0"/>
+          <a:ext cx="0" cy="0"/>
+          <a:chOff x="0" y="0"/>
+          <a:chExt cx="0" cy="0"/>
+        </a:xfrm>
+      </p:grpSpPr>
+      <p:sp>
+        <p:nvSpPr>
+          <p:cNvPr id="2" name="Title 1"/>
+          <p:cNvSpPr>
+            <a:spLocks noGrp="1"/>
+          </p:cNvSpPr>
+          <p:nvPr>
+            <p:ph type="title"/>
+          </p:nvPr>
+        </p:nvSpPr>
+        <p:spPr/>
+        <p:txBody>
+          <a:bodyPr/>
+          <a:lstStyle/>
+          <a:p>
+            <a:r>
+              <a:rPr lang="en-US"/>
+              <a:t>Click to edit Master title style</a:t>
+            </a:r>
+            <a:endParaRPr lang="en-US" dirty="0"/>
+          </a:p>
+        </p:txBody>
+      </p:sp>
+      <p:sp>
+        <p:nvSpPr>
+          <p:cNvPr id="3" name="Date Placeholder 2"/>
+          <p:cNvSpPr>
+            <a:spLocks noGrp="1"/>
+          </p:cNvSpPr>
+          <p:nvPr>
+            <p:ph type="dt" sz="half" idx="10"/>
+          </p:nvPr>
+        </p:nvSpPr>
+        <p:spPr/>
+        <p:txBody>
+          <a:bodyPr/>
+          <a:lstStyle/>
+          <a:p>
+            <a:fld id="{FFC72D42-CF37-4CB5-B0DD-F47C99210D8E}" type="datetimeFigureOut">
+              <a:rPr lang="en-US" smtClean="0"/>
+              <a:t>1/10/2020</a:t>
+            </a:fld>
+            <a:endParaRPr lang="en-US"/>
+          </a:p>
+        </p:txBody>
+      </p:sp>
+      <p:sp>
+        <p:nvSpPr>
+          <p:cNvPr id="4" name="Footer Placeholder 3"/>
+          <p:cNvSpPr>
+            <a:spLocks noGrp="1"/>
+          </p:cNvSpPr>
+          <p:nvPr>
+            <p:ph type="ftr" sz="quarter" idx="11"/>
+          </p:nvPr>
+        </p:nvSpPr>
+        <p:spPr/>
+        <p:txBody>
+          <a:bodyPr/>
+          <a:lstStyle/>
+          <a:p>
+            <a:endParaRPr lang="en-US"/>
+          </a:p>
+        </p:txBody>
+      </p:sp>
+      <p:sp>
+        <p:nvSpPr>
+          <p:cNvPr id="5" name="Slide Number Placeholder 4"/>
+          <p:cNvSpPr>
+            <a:spLocks noGrp="1"/>
+          </p:cNvSpPr>
+          <p:nvPr>
+            <p:ph type="sldNum" sz="quarter" idx="12"/>
+          </p:nvPr>
+        </p:nvSpPr>
+        <p:spPr/>
+        <p:txBody>
+          <a:bodyPr/>
+          <a:lstStyle/>
+          <a:p>
+            <a:fld id="{20B6F52A-1582-44E6-98CB-FAA192C16E90}" type="slidenum">
+              <a:rPr lang="en-US" smtClean="0"/>
+              <a:t>‹#›</a:t>
+            </a:fld>
+            <a:endParaRPr lang="en-US"/>
+          </a:p>
+        </p:txBody>
+      </p:sp>
+    </p:spTree>
+    <p:extLst>
+      <p:ext uri="{BB962C8B-B14F-4D97-AF65-F5344CB8AC3E}">
+        <p14:creationId xmlns:p14="http://schemas.microsoft.com/office/powerpoint/2010/main" val="141520893"/>
+      </p:ext>
+    </p:extLst>
+  </p:cSld>
+  <p:clrMapOvr>
+    <a:masterClrMapping/>
+  </p:clrMapOvr>
+</p:sldLayout>
+</file>
+
+<file path=ppt/slideLayouts/slideLayout18.xml><?xml version="1.0" encoding="utf-8"?>
+<p:sldLayout xmlns:a="http://schemas.openxmlformats.org/drawingml/2006/main" xmlns:r="http://schemas.openxmlformats.org/officeDocument/2006/relationships" xmlns:p="http://schemas.openxmlformats.org/presentationml/2006/main" type="blank" preserve="1">
+  <p:cSld name="Blank">
+    <p:spTree>
+      <p:nvGrpSpPr>
+        <p:cNvPr id="1" name=""/>
+        <p:cNvGrpSpPr/>
+        <p:nvPr/>
+      </p:nvGrpSpPr>
+      <p:grpSpPr>
+        <a:xfrm>
+          <a:off x="0" y="0"/>
+          <a:ext cx="0" cy="0"/>
+          <a:chOff x="0" y="0"/>
+          <a:chExt cx="0" cy="0"/>
+        </a:xfrm>
+      </p:grpSpPr>
+      <p:sp>
+        <p:nvSpPr>
+          <p:cNvPr id="2" name="Date Placeholder 1"/>
+          <p:cNvSpPr>
+            <a:spLocks noGrp="1"/>
+          </p:cNvSpPr>
+          <p:nvPr>
+            <p:ph type="dt" sz="half" idx="10"/>
+          </p:nvPr>
+        </p:nvSpPr>
+        <p:spPr/>
+        <p:txBody>
+          <a:bodyPr/>
+          <a:lstStyle/>
+          <a:p>
+            <a:fld id="{FFC72D42-CF37-4CB5-B0DD-F47C99210D8E}" type="datetimeFigureOut">
+              <a:rPr lang="en-US" smtClean="0"/>
+              <a:t>1/10/2020</a:t>
+            </a:fld>
+            <a:endParaRPr lang="en-US"/>
+          </a:p>
+        </p:txBody>
+      </p:sp>
+      <p:sp>
+        <p:nvSpPr>
+          <p:cNvPr id="3" name="Footer Placeholder 2"/>
+          <p:cNvSpPr>
+            <a:spLocks noGrp="1"/>
+          </p:cNvSpPr>
+          <p:nvPr>
+            <p:ph type="ftr" sz="quarter" idx="11"/>
+          </p:nvPr>
+        </p:nvSpPr>
+        <p:spPr/>
+        <p:txBody>
+          <a:bodyPr/>
+          <a:lstStyle/>
+          <a:p>
+            <a:endParaRPr lang="en-US"/>
+          </a:p>
+        </p:txBody>
+      </p:sp>
+      <p:sp>
+        <p:nvSpPr>
+          <p:cNvPr id="4" name="Slide Number Placeholder 3"/>
+          <p:cNvSpPr>
+            <a:spLocks noGrp="1"/>
+          </p:cNvSpPr>
+          <p:nvPr>
+            <p:ph type="sldNum" sz="quarter" idx="12"/>
+          </p:nvPr>
+        </p:nvSpPr>
+        <p:spPr/>
+        <p:txBody>
+          <a:bodyPr/>
+          <a:lstStyle/>
+          <a:p>
+            <a:fld id="{20B6F52A-1582-44E6-98CB-FAA192C16E90}" type="slidenum">
+              <a:rPr lang="en-US" smtClean="0"/>
+              <a:t>‹#›</a:t>
+            </a:fld>
+            <a:endParaRPr lang="en-US"/>
+          </a:p>
+        </p:txBody>
+      </p:sp>
+    </p:spTree>
+    <p:extLst>
+      <p:ext uri="{BB962C8B-B14F-4D97-AF65-F5344CB8AC3E}">
+        <p14:creationId xmlns:p14="http://schemas.microsoft.com/office/powerpoint/2010/main" val="20343117"/>
+      </p:ext>
+    </p:extLst>
+  </p:cSld>
+  <p:clrMapOvr>
+    <a:masterClrMapping/>
+  </p:clrMapOvr>
+</p:sldLayout>
+</file>
+
+<file path=ppt/slideLayouts/slideLayout19.xml><?xml version="1.0" encoding="utf-8"?>
+<p:sldLayout xmlns:a="http://schemas.openxmlformats.org/drawingml/2006/main" xmlns:r="http://schemas.openxmlformats.org/officeDocument/2006/relationships" xmlns:p="http://schemas.openxmlformats.org/presentationml/2006/main" type="objTx" preserve="1">
+  <p:cSld name="Content with Caption">
+    <p:spTree>
+      <p:nvGrpSpPr>
+        <p:cNvPr id="1" name=""/>
+        <p:cNvGrpSpPr/>
+        <p:nvPr/>
+      </p:nvGrpSpPr>
+      <p:grpSpPr>
+        <a:xfrm>
+          <a:off x="0" y="0"/>
+          <a:ext cx="0" cy="0"/>
+          <a:chOff x="0" y="0"/>
+          <a:chExt cx="0" cy="0"/>
+        </a:xfrm>
+      </p:grpSpPr>
+      <p:sp>
+        <p:nvSpPr>
+          <p:cNvPr id="2" name="Title 1"/>
+          <p:cNvSpPr>
+            <a:spLocks noGrp="1"/>
+          </p:cNvSpPr>
+          <p:nvPr>
+            <p:ph type="title"/>
+          </p:nvPr>
+        </p:nvSpPr>
+        <p:spPr>
+          <a:xfrm>
+            <a:off x="535365" y="365760"/>
+            <a:ext cx="2506801" cy="1280160"/>
+          </a:xfrm>
+        </p:spPr>
+        <p:txBody>
+          <a:bodyPr anchor="b"/>
+          <a:lstStyle>
+            <a:lvl1pPr>
+              <a:defRPr sz="2560"/>
+            </a:lvl1pPr>
+          </a:lstStyle>
+          <a:p>
+            <a:r>
+              <a:rPr lang="en-US"/>
+              <a:t>Click to edit Master title style</a:t>
+            </a:r>
+            <a:endParaRPr lang="en-US" dirty="0"/>
+          </a:p>
+        </p:txBody>
+      </p:sp>
+      <p:sp>
+        <p:nvSpPr>
+          <p:cNvPr id="3" name="Content Placeholder 2"/>
+          <p:cNvSpPr>
+            <a:spLocks noGrp="1"/>
+          </p:cNvSpPr>
+          <p:nvPr>
+            <p:ph idx="1"/>
+          </p:nvPr>
+        </p:nvSpPr>
+        <p:spPr>
+          <a:xfrm>
+            <a:off x="3304283" y="789941"/>
+            <a:ext cx="3934778" cy="3898900"/>
+          </a:xfrm>
+        </p:spPr>
+        <p:txBody>
+          <a:bodyPr/>
+          <a:lstStyle>
+            <a:lvl1pPr>
+              <a:defRPr sz="2560"/>
+            </a:lvl1pPr>
+            <a:lvl2pPr>
+              <a:defRPr sz="2240"/>
+            </a:lvl2pPr>
+            <a:lvl3pPr>
+              <a:defRPr sz="1920"/>
+            </a:lvl3pPr>
+            <a:lvl4pPr>
+              <a:defRPr sz="1600"/>
+            </a:lvl4pPr>
+            <a:lvl5pPr>
+              <a:defRPr sz="1600"/>
+            </a:lvl5pPr>
+            <a:lvl6pPr>
+              <a:defRPr sz="1600"/>
+            </a:lvl6pPr>
+            <a:lvl7pPr>
+              <a:defRPr sz="1600"/>
+            </a:lvl7pPr>
+            <a:lvl8pPr>
+              <a:defRPr sz="1600"/>
+            </a:lvl8pPr>
+            <a:lvl9pPr>
+              <a:defRPr sz="1600"/>
+            </a:lvl9pPr>
+          </a:lstStyle>
+          <a:p>
+            <a:pPr lvl="0"/>
+            <a:r>
+              <a:rPr lang="en-US"/>
+              <a:t>Click to edit Master text styles</a:t>
+            </a:r>
+          </a:p>
+          <a:p>
+            <a:pPr lvl="1"/>
+            <a:r>
+              <a:rPr lang="en-US"/>
+              <a:t>Second level</a:t>
+            </a:r>
+          </a:p>
+          <a:p>
+            <a:pPr lvl="2"/>
+            <a:r>
+              <a:rPr lang="en-US"/>
+              <a:t>Third level</a:t>
+            </a:r>
+          </a:p>
+          <a:p>
+            <a:pPr lvl="3"/>
+            <a:r>
+              <a:rPr lang="en-US"/>
+              <a:t>Fourth level</a:t>
+            </a:r>
+          </a:p>
+          <a:p>
+            <a:pPr lvl="4"/>
+            <a:r>
+              <a:rPr lang="en-US"/>
+              <a:t>Fifth level</a:t>
+            </a:r>
+            <a:endParaRPr lang="en-US" dirty="0"/>
+          </a:p>
+        </p:txBody>
+      </p:sp>
+      <p:sp>
+        <p:nvSpPr>
+          <p:cNvPr id="4" name="Text Placeholder 3"/>
+          <p:cNvSpPr>
+            <a:spLocks noGrp="1"/>
+          </p:cNvSpPr>
+          <p:nvPr>
+            <p:ph type="body" sz="half" idx="2"/>
+          </p:nvPr>
+        </p:nvSpPr>
+        <p:spPr>
+          <a:xfrm>
+            <a:off x="535365" y="1645921"/>
+            <a:ext cx="2506801" cy="3049270"/>
+          </a:xfrm>
+        </p:spPr>
+        <p:txBody>
+          <a:bodyPr/>
+          <a:lstStyle>
+            <a:lvl1pPr marL="0" indent="0">
+              <a:buNone/>
+              <a:defRPr sz="1280"/>
+            </a:lvl1pPr>
+            <a:lvl2pPr marL="365732" indent="0">
+              <a:buNone/>
+              <a:defRPr sz="1120"/>
+            </a:lvl2pPr>
+            <a:lvl3pPr marL="731464" indent="0">
+              <a:buNone/>
+              <a:defRPr sz="960"/>
+            </a:lvl3pPr>
+            <a:lvl4pPr marL="1097197" indent="0">
+              <a:buNone/>
+              <a:defRPr sz="800"/>
+            </a:lvl4pPr>
+            <a:lvl5pPr marL="1462929" indent="0">
+              <a:buNone/>
+              <a:defRPr sz="800"/>
+            </a:lvl5pPr>
+            <a:lvl6pPr marL="1828661" indent="0">
+              <a:buNone/>
+              <a:defRPr sz="800"/>
+            </a:lvl6pPr>
+            <a:lvl7pPr marL="2194393" indent="0">
+              <a:buNone/>
+              <a:defRPr sz="800"/>
+            </a:lvl7pPr>
+            <a:lvl8pPr marL="2560125" indent="0">
+              <a:buNone/>
+              <a:defRPr sz="800"/>
+            </a:lvl8pPr>
+            <a:lvl9pPr marL="2925857" indent="0">
+              <a:buNone/>
+              <a:defRPr sz="800"/>
+            </a:lvl9pPr>
+          </a:lstStyle>
+          <a:p>
+            <a:pPr lvl="0"/>
+            <a:r>
+              <a:rPr lang="en-US"/>
+              <a:t>Click to edit Master text styles</a:t>
+            </a:r>
+          </a:p>
+        </p:txBody>
+      </p:sp>
+      <p:sp>
+        <p:nvSpPr>
+          <p:cNvPr id="5" name="Date Placeholder 4"/>
+          <p:cNvSpPr>
+            <a:spLocks noGrp="1"/>
+          </p:cNvSpPr>
+          <p:nvPr>
+            <p:ph type="dt" sz="half" idx="10"/>
+          </p:nvPr>
+        </p:nvSpPr>
+        <p:spPr/>
+        <p:txBody>
+          <a:bodyPr/>
+          <a:lstStyle/>
+          <a:p>
+            <a:fld id="{FFC72D42-CF37-4CB5-B0DD-F47C99210D8E}" type="datetimeFigureOut">
+              <a:rPr lang="en-US" smtClean="0"/>
+              <a:t>1/10/2020</a:t>
+            </a:fld>
+            <a:endParaRPr lang="en-US"/>
+          </a:p>
+        </p:txBody>
+      </p:sp>
+      <p:sp>
+        <p:nvSpPr>
+          <p:cNvPr id="6" name="Footer Placeholder 5"/>
+          <p:cNvSpPr>
+            <a:spLocks noGrp="1"/>
+          </p:cNvSpPr>
+          <p:nvPr>
+            <p:ph type="ftr" sz="quarter" idx="11"/>
+          </p:nvPr>
+        </p:nvSpPr>
+        <p:spPr/>
+        <p:txBody>
+          <a:bodyPr/>
+          <a:lstStyle/>
+          <a:p>
+            <a:endParaRPr lang="en-US"/>
+          </a:p>
+        </p:txBody>
+      </p:sp>
+      <p:sp>
+        <p:nvSpPr>
+          <p:cNvPr id="7" name="Slide Number Placeholder 6"/>
+          <p:cNvSpPr>
+            <a:spLocks noGrp="1"/>
+          </p:cNvSpPr>
+          <p:nvPr>
+            <p:ph type="sldNum" sz="quarter" idx="12"/>
+          </p:nvPr>
+        </p:nvSpPr>
+        <p:spPr/>
+        <p:txBody>
+          <a:bodyPr/>
+          <a:lstStyle/>
+          <a:p>
+            <a:fld id="{20B6F52A-1582-44E6-98CB-FAA192C16E90}" type="slidenum">
+              <a:rPr lang="en-US" smtClean="0"/>
+              <a:t>‹#›</a:t>
+            </a:fld>
+            <a:endParaRPr lang="en-US"/>
+          </a:p>
+        </p:txBody>
+      </p:sp>
+    </p:spTree>
+    <p:extLst>
+      <p:ext uri="{BB962C8B-B14F-4D97-AF65-F5344CB8AC3E}">
+        <p14:creationId xmlns:p14="http://schemas.microsoft.com/office/powerpoint/2010/main" val="3246953340"/>
       </p:ext>
     </p:extLst>
   </p:cSld>
@@ -760,7 +2464,7 @@
           <a:p>
             <a:fld id="{66180BBA-C1CA-492E-B8E7-C4D3CEBC349D}" type="datetimeFigureOut">
               <a:rPr lang="en-US" smtClean="0"/>
-              <a:t>11/1/2019</a:t>
+              <a:t>1/10/2020</a:t>
             </a:fld>
             <a:endParaRPr lang="en-US"/>
           </a:p>
@@ -812,6 +2516,613 @@
     <p:extLst>
       <p:ext uri="{BB962C8B-B14F-4D97-AF65-F5344CB8AC3E}">
         <p14:creationId xmlns:p14="http://schemas.microsoft.com/office/powerpoint/2010/main" val="3085794444"/>
+      </p:ext>
+    </p:extLst>
+  </p:cSld>
+  <p:clrMapOvr>
+    <a:masterClrMapping/>
+  </p:clrMapOvr>
+</p:sldLayout>
+</file>
+
+<file path=ppt/slideLayouts/slideLayout20.xml><?xml version="1.0" encoding="utf-8"?>
+<p:sldLayout xmlns:a="http://schemas.openxmlformats.org/drawingml/2006/main" xmlns:r="http://schemas.openxmlformats.org/officeDocument/2006/relationships" xmlns:p="http://schemas.openxmlformats.org/presentationml/2006/main" type="picTx" preserve="1">
+  <p:cSld name="Picture with Caption">
+    <p:spTree>
+      <p:nvGrpSpPr>
+        <p:cNvPr id="1" name=""/>
+        <p:cNvGrpSpPr/>
+        <p:nvPr/>
+      </p:nvGrpSpPr>
+      <p:grpSpPr>
+        <a:xfrm>
+          <a:off x="0" y="0"/>
+          <a:ext cx="0" cy="0"/>
+          <a:chOff x="0" y="0"/>
+          <a:chExt cx="0" cy="0"/>
+        </a:xfrm>
+      </p:grpSpPr>
+      <p:sp>
+        <p:nvSpPr>
+          <p:cNvPr id="2" name="Title 1"/>
+          <p:cNvSpPr>
+            <a:spLocks noGrp="1"/>
+          </p:cNvSpPr>
+          <p:nvPr>
+            <p:ph type="title"/>
+          </p:nvPr>
+        </p:nvSpPr>
+        <p:spPr>
+          <a:xfrm>
+            <a:off x="535365" y="365760"/>
+            <a:ext cx="2506801" cy="1280160"/>
+          </a:xfrm>
+        </p:spPr>
+        <p:txBody>
+          <a:bodyPr anchor="b"/>
+          <a:lstStyle>
+            <a:lvl1pPr>
+              <a:defRPr sz="2560"/>
+            </a:lvl1pPr>
+          </a:lstStyle>
+          <a:p>
+            <a:r>
+              <a:rPr lang="en-US"/>
+              <a:t>Click to edit Master title style</a:t>
+            </a:r>
+            <a:endParaRPr lang="en-US" dirty="0"/>
+          </a:p>
+        </p:txBody>
+      </p:sp>
+      <p:sp>
+        <p:nvSpPr>
+          <p:cNvPr id="3" name="Picture Placeholder 2"/>
+          <p:cNvSpPr>
+            <a:spLocks noGrp="1" noChangeAspect="1"/>
+          </p:cNvSpPr>
+          <p:nvPr>
+            <p:ph type="pic" idx="1"/>
+          </p:nvPr>
+        </p:nvSpPr>
+        <p:spPr>
+          <a:xfrm>
+            <a:off x="3304283" y="789941"/>
+            <a:ext cx="3934778" cy="3898900"/>
+          </a:xfrm>
+        </p:spPr>
+        <p:txBody>
+          <a:bodyPr anchor="t"/>
+          <a:lstStyle>
+            <a:lvl1pPr marL="0" indent="0">
+              <a:buNone/>
+              <a:defRPr sz="2560"/>
+            </a:lvl1pPr>
+            <a:lvl2pPr marL="365732" indent="0">
+              <a:buNone/>
+              <a:defRPr sz="2240"/>
+            </a:lvl2pPr>
+            <a:lvl3pPr marL="731464" indent="0">
+              <a:buNone/>
+              <a:defRPr sz="1920"/>
+            </a:lvl3pPr>
+            <a:lvl4pPr marL="1097197" indent="0">
+              <a:buNone/>
+              <a:defRPr sz="1600"/>
+            </a:lvl4pPr>
+            <a:lvl5pPr marL="1462929" indent="0">
+              <a:buNone/>
+              <a:defRPr sz="1600"/>
+            </a:lvl5pPr>
+            <a:lvl6pPr marL="1828661" indent="0">
+              <a:buNone/>
+              <a:defRPr sz="1600"/>
+            </a:lvl6pPr>
+            <a:lvl7pPr marL="2194393" indent="0">
+              <a:buNone/>
+              <a:defRPr sz="1600"/>
+            </a:lvl7pPr>
+            <a:lvl8pPr marL="2560125" indent="0">
+              <a:buNone/>
+              <a:defRPr sz="1600"/>
+            </a:lvl8pPr>
+            <a:lvl9pPr marL="2925857" indent="0">
+              <a:buNone/>
+              <a:defRPr sz="1600"/>
+            </a:lvl9pPr>
+          </a:lstStyle>
+          <a:p>
+            <a:r>
+              <a:rPr lang="en-US"/>
+              <a:t>Click icon to add picture</a:t>
+            </a:r>
+            <a:endParaRPr lang="en-US" dirty="0"/>
+          </a:p>
+        </p:txBody>
+      </p:sp>
+      <p:sp>
+        <p:nvSpPr>
+          <p:cNvPr id="4" name="Text Placeholder 3"/>
+          <p:cNvSpPr>
+            <a:spLocks noGrp="1"/>
+          </p:cNvSpPr>
+          <p:nvPr>
+            <p:ph type="body" sz="half" idx="2"/>
+          </p:nvPr>
+        </p:nvSpPr>
+        <p:spPr>
+          <a:xfrm>
+            <a:off x="535365" y="1645921"/>
+            <a:ext cx="2506801" cy="3049270"/>
+          </a:xfrm>
+        </p:spPr>
+        <p:txBody>
+          <a:bodyPr/>
+          <a:lstStyle>
+            <a:lvl1pPr marL="0" indent="0">
+              <a:buNone/>
+              <a:defRPr sz="1280"/>
+            </a:lvl1pPr>
+            <a:lvl2pPr marL="365732" indent="0">
+              <a:buNone/>
+              <a:defRPr sz="1120"/>
+            </a:lvl2pPr>
+            <a:lvl3pPr marL="731464" indent="0">
+              <a:buNone/>
+              <a:defRPr sz="960"/>
+            </a:lvl3pPr>
+            <a:lvl4pPr marL="1097197" indent="0">
+              <a:buNone/>
+              <a:defRPr sz="800"/>
+            </a:lvl4pPr>
+            <a:lvl5pPr marL="1462929" indent="0">
+              <a:buNone/>
+              <a:defRPr sz="800"/>
+            </a:lvl5pPr>
+            <a:lvl6pPr marL="1828661" indent="0">
+              <a:buNone/>
+              <a:defRPr sz="800"/>
+            </a:lvl6pPr>
+            <a:lvl7pPr marL="2194393" indent="0">
+              <a:buNone/>
+              <a:defRPr sz="800"/>
+            </a:lvl7pPr>
+            <a:lvl8pPr marL="2560125" indent="0">
+              <a:buNone/>
+              <a:defRPr sz="800"/>
+            </a:lvl8pPr>
+            <a:lvl9pPr marL="2925857" indent="0">
+              <a:buNone/>
+              <a:defRPr sz="800"/>
+            </a:lvl9pPr>
+          </a:lstStyle>
+          <a:p>
+            <a:pPr lvl="0"/>
+            <a:r>
+              <a:rPr lang="en-US"/>
+              <a:t>Click to edit Master text styles</a:t>
+            </a:r>
+          </a:p>
+        </p:txBody>
+      </p:sp>
+      <p:sp>
+        <p:nvSpPr>
+          <p:cNvPr id="5" name="Date Placeholder 4"/>
+          <p:cNvSpPr>
+            <a:spLocks noGrp="1"/>
+          </p:cNvSpPr>
+          <p:nvPr>
+            <p:ph type="dt" sz="half" idx="10"/>
+          </p:nvPr>
+        </p:nvSpPr>
+        <p:spPr/>
+        <p:txBody>
+          <a:bodyPr/>
+          <a:lstStyle/>
+          <a:p>
+            <a:fld id="{FFC72D42-CF37-4CB5-B0DD-F47C99210D8E}" type="datetimeFigureOut">
+              <a:rPr lang="en-US" smtClean="0"/>
+              <a:t>1/10/2020</a:t>
+            </a:fld>
+            <a:endParaRPr lang="en-US"/>
+          </a:p>
+        </p:txBody>
+      </p:sp>
+      <p:sp>
+        <p:nvSpPr>
+          <p:cNvPr id="6" name="Footer Placeholder 5"/>
+          <p:cNvSpPr>
+            <a:spLocks noGrp="1"/>
+          </p:cNvSpPr>
+          <p:nvPr>
+            <p:ph type="ftr" sz="quarter" idx="11"/>
+          </p:nvPr>
+        </p:nvSpPr>
+        <p:spPr/>
+        <p:txBody>
+          <a:bodyPr/>
+          <a:lstStyle/>
+          <a:p>
+            <a:endParaRPr lang="en-US"/>
+          </a:p>
+        </p:txBody>
+      </p:sp>
+      <p:sp>
+        <p:nvSpPr>
+          <p:cNvPr id="7" name="Slide Number Placeholder 6"/>
+          <p:cNvSpPr>
+            <a:spLocks noGrp="1"/>
+          </p:cNvSpPr>
+          <p:nvPr>
+            <p:ph type="sldNum" sz="quarter" idx="12"/>
+          </p:nvPr>
+        </p:nvSpPr>
+        <p:spPr/>
+        <p:txBody>
+          <a:bodyPr/>
+          <a:lstStyle/>
+          <a:p>
+            <a:fld id="{20B6F52A-1582-44E6-98CB-FAA192C16E90}" type="slidenum">
+              <a:rPr lang="en-US" smtClean="0"/>
+              <a:t>‹#›</a:t>
+            </a:fld>
+            <a:endParaRPr lang="en-US"/>
+          </a:p>
+        </p:txBody>
+      </p:sp>
+    </p:spTree>
+    <p:extLst>
+      <p:ext uri="{BB962C8B-B14F-4D97-AF65-F5344CB8AC3E}">
+        <p14:creationId xmlns:p14="http://schemas.microsoft.com/office/powerpoint/2010/main" val="299072388"/>
+      </p:ext>
+    </p:extLst>
+  </p:cSld>
+  <p:clrMapOvr>
+    <a:masterClrMapping/>
+  </p:clrMapOvr>
+</p:sldLayout>
+</file>
+
+<file path=ppt/slideLayouts/slideLayout21.xml><?xml version="1.0" encoding="utf-8"?>
+<p:sldLayout xmlns:a="http://schemas.openxmlformats.org/drawingml/2006/main" xmlns:r="http://schemas.openxmlformats.org/officeDocument/2006/relationships" xmlns:p="http://schemas.openxmlformats.org/presentationml/2006/main" type="vertTx" preserve="1">
+  <p:cSld name="Title and Vertical Text">
+    <p:spTree>
+      <p:nvGrpSpPr>
+        <p:cNvPr id="1" name=""/>
+        <p:cNvGrpSpPr/>
+        <p:nvPr/>
+      </p:nvGrpSpPr>
+      <p:grpSpPr>
+        <a:xfrm>
+          <a:off x="0" y="0"/>
+          <a:ext cx="0" cy="0"/>
+          <a:chOff x="0" y="0"/>
+          <a:chExt cx="0" cy="0"/>
+        </a:xfrm>
+      </p:grpSpPr>
+      <p:sp>
+        <p:nvSpPr>
+          <p:cNvPr id="2" name="Title 1"/>
+          <p:cNvSpPr>
+            <a:spLocks noGrp="1"/>
+          </p:cNvSpPr>
+          <p:nvPr>
+            <p:ph type="title"/>
+          </p:nvPr>
+        </p:nvSpPr>
+        <p:spPr/>
+        <p:txBody>
+          <a:bodyPr/>
+          <a:lstStyle/>
+          <a:p>
+            <a:r>
+              <a:rPr lang="en-US"/>
+              <a:t>Click to edit Master title style</a:t>
+            </a:r>
+            <a:endParaRPr lang="en-US" dirty="0"/>
+          </a:p>
+        </p:txBody>
+      </p:sp>
+      <p:sp>
+        <p:nvSpPr>
+          <p:cNvPr id="3" name="Vertical Text Placeholder 2"/>
+          <p:cNvSpPr>
+            <a:spLocks noGrp="1"/>
+          </p:cNvSpPr>
+          <p:nvPr>
+            <p:ph type="body" orient="vert" idx="1"/>
+          </p:nvPr>
+        </p:nvSpPr>
+        <p:spPr/>
+        <p:txBody>
+          <a:bodyPr vert="eaVert"/>
+          <a:lstStyle/>
+          <a:p>
+            <a:pPr lvl="0"/>
+            <a:r>
+              <a:rPr lang="en-US"/>
+              <a:t>Click to edit Master text styles</a:t>
+            </a:r>
+          </a:p>
+          <a:p>
+            <a:pPr lvl="1"/>
+            <a:r>
+              <a:rPr lang="en-US"/>
+              <a:t>Second level</a:t>
+            </a:r>
+          </a:p>
+          <a:p>
+            <a:pPr lvl="2"/>
+            <a:r>
+              <a:rPr lang="en-US"/>
+              <a:t>Third level</a:t>
+            </a:r>
+          </a:p>
+          <a:p>
+            <a:pPr lvl="3"/>
+            <a:r>
+              <a:rPr lang="en-US"/>
+              <a:t>Fourth level</a:t>
+            </a:r>
+          </a:p>
+          <a:p>
+            <a:pPr lvl="4"/>
+            <a:r>
+              <a:rPr lang="en-US"/>
+              <a:t>Fifth level</a:t>
+            </a:r>
+            <a:endParaRPr lang="en-US" dirty="0"/>
+          </a:p>
+        </p:txBody>
+      </p:sp>
+      <p:sp>
+        <p:nvSpPr>
+          <p:cNvPr id="4" name="Date Placeholder 3"/>
+          <p:cNvSpPr>
+            <a:spLocks noGrp="1"/>
+          </p:cNvSpPr>
+          <p:nvPr>
+            <p:ph type="dt" sz="half" idx="10"/>
+          </p:nvPr>
+        </p:nvSpPr>
+        <p:spPr/>
+        <p:txBody>
+          <a:bodyPr/>
+          <a:lstStyle/>
+          <a:p>
+            <a:fld id="{FFC72D42-CF37-4CB5-B0DD-F47C99210D8E}" type="datetimeFigureOut">
+              <a:rPr lang="en-US" smtClean="0"/>
+              <a:t>1/10/2020</a:t>
+            </a:fld>
+            <a:endParaRPr lang="en-US"/>
+          </a:p>
+        </p:txBody>
+      </p:sp>
+      <p:sp>
+        <p:nvSpPr>
+          <p:cNvPr id="5" name="Footer Placeholder 4"/>
+          <p:cNvSpPr>
+            <a:spLocks noGrp="1"/>
+          </p:cNvSpPr>
+          <p:nvPr>
+            <p:ph type="ftr" sz="quarter" idx="11"/>
+          </p:nvPr>
+        </p:nvSpPr>
+        <p:spPr/>
+        <p:txBody>
+          <a:bodyPr/>
+          <a:lstStyle/>
+          <a:p>
+            <a:endParaRPr lang="en-US"/>
+          </a:p>
+        </p:txBody>
+      </p:sp>
+      <p:sp>
+        <p:nvSpPr>
+          <p:cNvPr id="6" name="Slide Number Placeholder 5"/>
+          <p:cNvSpPr>
+            <a:spLocks noGrp="1"/>
+          </p:cNvSpPr>
+          <p:nvPr>
+            <p:ph type="sldNum" sz="quarter" idx="12"/>
+          </p:nvPr>
+        </p:nvSpPr>
+        <p:spPr/>
+        <p:txBody>
+          <a:bodyPr/>
+          <a:lstStyle/>
+          <a:p>
+            <a:fld id="{20B6F52A-1582-44E6-98CB-FAA192C16E90}" type="slidenum">
+              <a:rPr lang="en-US" smtClean="0"/>
+              <a:t>‹#›</a:t>
+            </a:fld>
+            <a:endParaRPr lang="en-US"/>
+          </a:p>
+        </p:txBody>
+      </p:sp>
+    </p:spTree>
+    <p:extLst>
+      <p:ext uri="{BB962C8B-B14F-4D97-AF65-F5344CB8AC3E}">
+        <p14:creationId xmlns:p14="http://schemas.microsoft.com/office/powerpoint/2010/main" val="4039427599"/>
+      </p:ext>
+    </p:extLst>
+  </p:cSld>
+  <p:clrMapOvr>
+    <a:masterClrMapping/>
+  </p:clrMapOvr>
+</p:sldLayout>
+</file>
+
+<file path=ppt/slideLayouts/slideLayout22.xml><?xml version="1.0" encoding="utf-8"?>
+<p:sldLayout xmlns:a="http://schemas.openxmlformats.org/drawingml/2006/main" xmlns:r="http://schemas.openxmlformats.org/officeDocument/2006/relationships" xmlns:p="http://schemas.openxmlformats.org/presentationml/2006/main" type="vertTitleAndTx" preserve="1">
+  <p:cSld name="Vertical Title and Text">
+    <p:spTree>
+      <p:nvGrpSpPr>
+        <p:cNvPr id="1" name=""/>
+        <p:cNvGrpSpPr/>
+        <p:nvPr/>
+      </p:nvGrpSpPr>
+      <p:grpSpPr>
+        <a:xfrm>
+          <a:off x="0" y="0"/>
+          <a:ext cx="0" cy="0"/>
+          <a:chOff x="0" y="0"/>
+          <a:chExt cx="0" cy="0"/>
+        </a:xfrm>
+      </p:grpSpPr>
+      <p:sp>
+        <p:nvSpPr>
+          <p:cNvPr id="2" name="Vertical Title 1"/>
+          <p:cNvSpPr>
+            <a:spLocks noGrp="1"/>
+          </p:cNvSpPr>
+          <p:nvPr>
+            <p:ph type="title" orient="vert"/>
+          </p:nvPr>
+        </p:nvSpPr>
+        <p:spPr>
+          <a:xfrm>
+            <a:off x="5562124" y="292100"/>
+            <a:ext cx="1675924" cy="4649470"/>
+          </a:xfrm>
+        </p:spPr>
+        <p:txBody>
+          <a:bodyPr vert="eaVert"/>
+          <a:lstStyle/>
+          <a:p>
+            <a:r>
+              <a:rPr lang="en-US"/>
+              <a:t>Click to edit Master title style</a:t>
+            </a:r>
+            <a:endParaRPr lang="en-US" dirty="0"/>
+          </a:p>
+        </p:txBody>
+      </p:sp>
+      <p:sp>
+        <p:nvSpPr>
+          <p:cNvPr id="3" name="Vertical Text Placeholder 2"/>
+          <p:cNvSpPr>
+            <a:spLocks noGrp="1"/>
+          </p:cNvSpPr>
+          <p:nvPr>
+            <p:ph type="body" orient="vert" idx="1"/>
+          </p:nvPr>
+        </p:nvSpPr>
+        <p:spPr>
+          <a:xfrm>
+            <a:off x="534354" y="292100"/>
+            <a:ext cx="4930616" cy="4649470"/>
+          </a:xfrm>
+        </p:spPr>
+        <p:txBody>
+          <a:bodyPr vert="eaVert"/>
+          <a:lstStyle/>
+          <a:p>
+            <a:pPr lvl="0"/>
+            <a:r>
+              <a:rPr lang="en-US"/>
+              <a:t>Click to edit Master text styles</a:t>
+            </a:r>
+          </a:p>
+          <a:p>
+            <a:pPr lvl="1"/>
+            <a:r>
+              <a:rPr lang="en-US"/>
+              <a:t>Second level</a:t>
+            </a:r>
+          </a:p>
+          <a:p>
+            <a:pPr lvl="2"/>
+            <a:r>
+              <a:rPr lang="en-US"/>
+              <a:t>Third level</a:t>
+            </a:r>
+          </a:p>
+          <a:p>
+            <a:pPr lvl="3"/>
+            <a:r>
+              <a:rPr lang="en-US"/>
+              <a:t>Fourth level</a:t>
+            </a:r>
+          </a:p>
+          <a:p>
+            <a:pPr lvl="4"/>
+            <a:r>
+              <a:rPr lang="en-US"/>
+              <a:t>Fifth level</a:t>
+            </a:r>
+            <a:endParaRPr lang="en-US" dirty="0"/>
+          </a:p>
+        </p:txBody>
+      </p:sp>
+      <p:sp>
+        <p:nvSpPr>
+          <p:cNvPr id="4" name="Date Placeholder 3"/>
+          <p:cNvSpPr>
+            <a:spLocks noGrp="1"/>
+          </p:cNvSpPr>
+          <p:nvPr>
+            <p:ph type="dt" sz="half" idx="10"/>
+          </p:nvPr>
+        </p:nvSpPr>
+        <p:spPr/>
+        <p:txBody>
+          <a:bodyPr/>
+          <a:lstStyle/>
+          <a:p>
+            <a:fld id="{FFC72D42-CF37-4CB5-B0DD-F47C99210D8E}" type="datetimeFigureOut">
+              <a:rPr lang="en-US" smtClean="0"/>
+              <a:t>1/10/2020</a:t>
+            </a:fld>
+            <a:endParaRPr lang="en-US"/>
+          </a:p>
+        </p:txBody>
+      </p:sp>
+      <p:sp>
+        <p:nvSpPr>
+          <p:cNvPr id="5" name="Footer Placeholder 4"/>
+          <p:cNvSpPr>
+            <a:spLocks noGrp="1"/>
+          </p:cNvSpPr>
+          <p:nvPr>
+            <p:ph type="ftr" sz="quarter" idx="11"/>
+          </p:nvPr>
+        </p:nvSpPr>
+        <p:spPr/>
+        <p:txBody>
+          <a:bodyPr/>
+          <a:lstStyle/>
+          <a:p>
+            <a:endParaRPr lang="en-US"/>
+          </a:p>
+        </p:txBody>
+      </p:sp>
+      <p:sp>
+        <p:nvSpPr>
+          <p:cNvPr id="6" name="Slide Number Placeholder 5"/>
+          <p:cNvSpPr>
+            <a:spLocks noGrp="1"/>
+          </p:cNvSpPr>
+          <p:nvPr>
+            <p:ph type="sldNum" sz="quarter" idx="12"/>
+          </p:nvPr>
+        </p:nvSpPr>
+        <p:spPr/>
+        <p:txBody>
+          <a:bodyPr/>
+          <a:lstStyle/>
+          <a:p>
+            <a:fld id="{20B6F52A-1582-44E6-98CB-FAA192C16E90}" type="slidenum">
+              <a:rPr lang="en-US" smtClean="0"/>
+              <a:t>‹#›</a:t>
+            </a:fld>
+            <a:endParaRPr lang="en-US"/>
+          </a:p>
+        </p:txBody>
+      </p:sp>
+    </p:spTree>
+    <p:extLst>
+      <p:ext uri="{BB962C8B-B14F-4D97-AF65-F5344CB8AC3E}">
+        <p14:creationId xmlns:p14="http://schemas.microsoft.com/office/powerpoint/2010/main" val="189079117"/>
       </p:ext>
     </p:extLst>
   </p:cSld>
@@ -1004,7 +3315,7 @@
           <a:p>
             <a:fld id="{66180BBA-C1CA-492E-B8E7-C4D3CEBC349D}" type="datetimeFigureOut">
               <a:rPr lang="en-US" smtClean="0"/>
-              <a:t>11/1/2019</a:t>
+              <a:t>1/10/2020</a:t>
             </a:fld>
             <a:endParaRPr lang="en-US"/>
           </a:p>
@@ -1236,7 +3547,7 @@
           <a:p>
             <a:fld id="{66180BBA-C1CA-492E-B8E7-C4D3CEBC349D}" type="datetimeFigureOut">
               <a:rPr lang="en-US" smtClean="0"/>
-              <a:t>11/1/2019</a:t>
+              <a:t>1/10/2020</a:t>
             </a:fld>
             <a:endParaRPr lang="en-US"/>
           </a:p>
@@ -1603,7 +3914,7 @@
           <a:p>
             <a:fld id="{66180BBA-C1CA-492E-B8E7-C4D3CEBC349D}" type="datetimeFigureOut">
               <a:rPr lang="en-US" smtClean="0"/>
-              <a:t>11/1/2019</a:t>
+              <a:t>1/10/2020</a:t>
             </a:fld>
             <a:endParaRPr lang="en-US"/>
           </a:p>
@@ -1721,7 +4032,7 @@
           <a:p>
             <a:fld id="{66180BBA-C1CA-492E-B8E7-C4D3CEBC349D}" type="datetimeFigureOut">
               <a:rPr lang="en-US" smtClean="0"/>
-              <a:t>11/1/2019</a:t>
+              <a:t>1/10/2020</a:t>
             </a:fld>
             <a:endParaRPr lang="en-US"/>
           </a:p>
@@ -1816,7 +4127,7 @@
           <a:p>
             <a:fld id="{66180BBA-C1CA-492E-B8E7-C4D3CEBC349D}" type="datetimeFigureOut">
               <a:rPr lang="en-US" smtClean="0"/>
-              <a:t>11/1/2019</a:t>
+              <a:t>1/10/2020</a:t>
             </a:fld>
             <a:endParaRPr lang="en-US"/>
           </a:p>
@@ -2093,7 +4404,7 @@
           <a:p>
             <a:fld id="{66180BBA-C1CA-492E-B8E7-C4D3CEBC349D}" type="datetimeFigureOut">
               <a:rPr lang="en-US" smtClean="0"/>
-              <a:t>11/1/2019</a:t>
+              <a:t>1/10/2020</a:t>
             </a:fld>
             <a:endParaRPr lang="en-US"/>
           </a:p>
@@ -2350,7 +4661,7 @@
           <a:p>
             <a:fld id="{66180BBA-C1CA-492E-B8E7-C4D3CEBC349D}" type="datetimeFigureOut">
               <a:rPr lang="en-US" smtClean="0"/>
-              <a:t>11/1/2019</a:t>
+              <a:t>1/10/2020</a:t>
             </a:fld>
             <a:endParaRPr lang="en-US"/>
           </a:p>
@@ -2563,7 +4874,7 @@
           <a:p>
             <a:fld id="{66180BBA-C1CA-492E-B8E7-C4D3CEBC349D}" type="datetimeFigureOut">
               <a:rPr lang="en-US" smtClean="0"/>
-              <a:t>11/1/2019</a:t>
+              <a:t>1/10/2020</a:t>
             </a:fld>
             <a:endParaRPr lang="en-US"/>
           </a:p>
@@ -2937,6 +5248,546 @@
         </a:defRPr>
       </a:lvl8pPr>
       <a:lvl9pPr marL="2926080" algn="l" defTabSz="731520" rtl="0" eaLnBrk="1" latinLnBrk="0" hangingPunct="1">
+        <a:defRPr sz="1440" kern="1200">
+          <a:solidFill>
+            <a:schemeClr val="tx1"/>
+          </a:solidFill>
+          <a:latin typeface="+mn-lt"/>
+          <a:ea typeface="+mn-ea"/>
+          <a:cs typeface="+mn-cs"/>
+        </a:defRPr>
+      </a:lvl9pPr>
+    </p:otherStyle>
+  </p:txStyles>
+</p:sldMaster>
+</file>
+
+<file path=ppt/slideMasters/slideMaster2.xml><?xml version="1.0" encoding="utf-8"?>
+<p:sldMaster xmlns:a="http://schemas.openxmlformats.org/drawingml/2006/main" xmlns:r="http://schemas.openxmlformats.org/officeDocument/2006/relationships" xmlns:p="http://schemas.openxmlformats.org/presentationml/2006/main">
+  <p:cSld>
+    <p:bg>
+      <p:bgRef idx="1001">
+        <a:schemeClr val="bg1"/>
+      </p:bgRef>
+    </p:bg>
+    <p:spTree>
+      <p:nvGrpSpPr>
+        <p:cNvPr id="1" name=""/>
+        <p:cNvGrpSpPr/>
+        <p:nvPr/>
+      </p:nvGrpSpPr>
+      <p:grpSpPr>
+        <a:xfrm>
+          <a:off x="0" y="0"/>
+          <a:ext cx="0" cy="0"/>
+          <a:chOff x="0" y="0"/>
+          <a:chExt cx="0" cy="0"/>
+        </a:xfrm>
+      </p:grpSpPr>
+      <p:sp>
+        <p:nvSpPr>
+          <p:cNvPr id="2" name="Title Placeholder 1"/>
+          <p:cNvSpPr>
+            <a:spLocks noGrp="1"/>
+          </p:cNvSpPr>
+          <p:nvPr>
+            <p:ph type="title"/>
+          </p:nvPr>
+        </p:nvSpPr>
+        <p:spPr>
+          <a:xfrm>
+            <a:off x="534353" y="292101"/>
+            <a:ext cx="6703695" cy="1060450"/>
+          </a:xfrm>
+          <a:prstGeom prst="rect">
+            <a:avLst/>
+          </a:prstGeom>
+        </p:spPr>
+        <p:txBody>
+          <a:bodyPr vert="horz" lIns="91440" tIns="45720" rIns="91440" bIns="45720" rtlCol="0" anchor="ctr">
+            <a:normAutofit/>
+          </a:bodyPr>
+          <a:lstStyle/>
+          <a:p>
+            <a:r>
+              <a:rPr lang="en-US"/>
+              <a:t>Click to edit Master title style</a:t>
+            </a:r>
+            <a:endParaRPr lang="en-US" dirty="0"/>
+          </a:p>
+        </p:txBody>
+      </p:sp>
+      <p:sp>
+        <p:nvSpPr>
+          <p:cNvPr id="3" name="Text Placeholder 2"/>
+          <p:cNvSpPr>
+            <a:spLocks noGrp="1"/>
+          </p:cNvSpPr>
+          <p:nvPr>
+            <p:ph type="body" idx="1"/>
+          </p:nvPr>
+        </p:nvSpPr>
+        <p:spPr>
+          <a:xfrm>
+            <a:off x="534353" y="1460500"/>
+            <a:ext cx="6703695" cy="3481070"/>
+          </a:xfrm>
+          <a:prstGeom prst="rect">
+            <a:avLst/>
+          </a:prstGeom>
+        </p:spPr>
+        <p:txBody>
+          <a:bodyPr vert="horz" lIns="91440" tIns="45720" rIns="91440" bIns="45720" rtlCol="0">
+            <a:normAutofit/>
+          </a:bodyPr>
+          <a:lstStyle/>
+          <a:p>
+            <a:pPr lvl="0"/>
+            <a:r>
+              <a:rPr lang="en-US"/>
+              <a:t>Click to edit Master text styles</a:t>
+            </a:r>
+          </a:p>
+          <a:p>
+            <a:pPr lvl="1"/>
+            <a:r>
+              <a:rPr lang="en-US"/>
+              <a:t>Second level</a:t>
+            </a:r>
+          </a:p>
+          <a:p>
+            <a:pPr lvl="2"/>
+            <a:r>
+              <a:rPr lang="en-US"/>
+              <a:t>Third level</a:t>
+            </a:r>
+          </a:p>
+          <a:p>
+            <a:pPr lvl="3"/>
+            <a:r>
+              <a:rPr lang="en-US"/>
+              <a:t>Fourth level</a:t>
+            </a:r>
+          </a:p>
+          <a:p>
+            <a:pPr lvl="4"/>
+            <a:r>
+              <a:rPr lang="en-US"/>
+              <a:t>Fifth level</a:t>
+            </a:r>
+            <a:endParaRPr lang="en-US" dirty="0"/>
+          </a:p>
+        </p:txBody>
+      </p:sp>
+      <p:sp>
+        <p:nvSpPr>
+          <p:cNvPr id="4" name="Date Placeholder 3"/>
+          <p:cNvSpPr>
+            <a:spLocks noGrp="1"/>
+          </p:cNvSpPr>
+          <p:nvPr>
+            <p:ph type="dt" sz="half" idx="2"/>
+          </p:nvPr>
+        </p:nvSpPr>
+        <p:spPr>
+          <a:xfrm>
+            <a:off x="534353" y="5085081"/>
+            <a:ext cx="1748790" cy="292100"/>
+          </a:xfrm>
+          <a:prstGeom prst="rect">
+            <a:avLst/>
+          </a:prstGeom>
+        </p:spPr>
+        <p:txBody>
+          <a:bodyPr vert="horz" lIns="91440" tIns="45720" rIns="91440" bIns="45720" rtlCol="0" anchor="ctr"/>
+          <a:lstStyle>
+            <a:lvl1pPr algn="l">
+              <a:defRPr sz="960">
+                <a:solidFill>
+                  <a:schemeClr val="tx1">
+                    <a:tint val="75000"/>
+                  </a:schemeClr>
+                </a:solidFill>
+              </a:defRPr>
+            </a:lvl1pPr>
+          </a:lstStyle>
+          <a:p>
+            <a:fld id="{FFC72D42-CF37-4CB5-B0DD-F47C99210D8E}" type="datetimeFigureOut">
+              <a:rPr lang="en-US" smtClean="0"/>
+              <a:t>1/10/2020</a:t>
+            </a:fld>
+            <a:endParaRPr lang="en-US"/>
+          </a:p>
+        </p:txBody>
+      </p:sp>
+      <p:sp>
+        <p:nvSpPr>
+          <p:cNvPr id="5" name="Footer Placeholder 4"/>
+          <p:cNvSpPr>
+            <a:spLocks noGrp="1"/>
+          </p:cNvSpPr>
+          <p:nvPr>
+            <p:ph type="ftr" sz="quarter" idx="3"/>
+          </p:nvPr>
+        </p:nvSpPr>
+        <p:spPr>
+          <a:xfrm>
+            <a:off x="2574608" y="5085081"/>
+            <a:ext cx="2623185" cy="292100"/>
+          </a:xfrm>
+          <a:prstGeom prst="rect">
+            <a:avLst/>
+          </a:prstGeom>
+        </p:spPr>
+        <p:txBody>
+          <a:bodyPr vert="horz" lIns="91440" tIns="45720" rIns="91440" bIns="45720" rtlCol="0" anchor="ctr"/>
+          <a:lstStyle>
+            <a:lvl1pPr algn="ctr">
+              <a:defRPr sz="960">
+                <a:solidFill>
+                  <a:schemeClr val="tx1">
+                    <a:tint val="75000"/>
+                  </a:schemeClr>
+                </a:solidFill>
+              </a:defRPr>
+            </a:lvl1pPr>
+          </a:lstStyle>
+          <a:p>
+            <a:endParaRPr lang="en-US"/>
+          </a:p>
+        </p:txBody>
+      </p:sp>
+      <p:sp>
+        <p:nvSpPr>
+          <p:cNvPr id="6" name="Slide Number Placeholder 5"/>
+          <p:cNvSpPr>
+            <a:spLocks noGrp="1"/>
+          </p:cNvSpPr>
+          <p:nvPr>
+            <p:ph type="sldNum" sz="quarter" idx="4"/>
+          </p:nvPr>
+        </p:nvSpPr>
+        <p:spPr>
+          <a:xfrm>
+            <a:off x="5489258" y="5085081"/>
+            <a:ext cx="1748790" cy="292100"/>
+          </a:xfrm>
+          <a:prstGeom prst="rect">
+            <a:avLst/>
+          </a:prstGeom>
+        </p:spPr>
+        <p:txBody>
+          <a:bodyPr vert="horz" lIns="91440" tIns="45720" rIns="91440" bIns="45720" rtlCol="0" anchor="ctr"/>
+          <a:lstStyle>
+            <a:lvl1pPr algn="r">
+              <a:defRPr sz="960">
+                <a:solidFill>
+                  <a:schemeClr val="tx1">
+                    <a:tint val="75000"/>
+                  </a:schemeClr>
+                </a:solidFill>
+              </a:defRPr>
+            </a:lvl1pPr>
+          </a:lstStyle>
+          <a:p>
+            <a:fld id="{20B6F52A-1582-44E6-98CB-FAA192C16E90}" type="slidenum">
+              <a:rPr lang="en-US" smtClean="0"/>
+              <a:t>‹#›</a:t>
+            </a:fld>
+            <a:endParaRPr lang="en-US"/>
+          </a:p>
+        </p:txBody>
+      </p:sp>
+    </p:spTree>
+    <p:extLst>
+      <p:ext uri="{BB962C8B-B14F-4D97-AF65-F5344CB8AC3E}">
+        <p14:creationId xmlns:p14="http://schemas.microsoft.com/office/powerpoint/2010/main" val="3372660443"/>
+      </p:ext>
+    </p:extLst>
+  </p:cSld>
+  <p:clrMap bg1="lt1" tx1="dk1" bg2="lt2" tx2="dk2" accent1="accent1" accent2="accent2" accent3="accent3" accent4="accent4" accent5="accent5" accent6="accent6" hlink="hlink" folHlink="folHlink"/>
+  <p:sldLayoutIdLst>
+    <p:sldLayoutId id="2147483673" r:id="rId1"/>
+    <p:sldLayoutId id="2147483674" r:id="rId2"/>
+    <p:sldLayoutId id="2147483675" r:id="rId3"/>
+    <p:sldLayoutId id="2147483676" r:id="rId4"/>
+    <p:sldLayoutId id="2147483677" r:id="rId5"/>
+    <p:sldLayoutId id="2147483678" r:id="rId6"/>
+    <p:sldLayoutId id="2147483679" r:id="rId7"/>
+    <p:sldLayoutId id="2147483680" r:id="rId8"/>
+    <p:sldLayoutId id="2147483681" r:id="rId9"/>
+    <p:sldLayoutId id="2147483682" r:id="rId10"/>
+    <p:sldLayoutId id="2147483683" r:id="rId11"/>
+  </p:sldLayoutIdLst>
+  <p:txStyles>
+    <p:titleStyle>
+      <a:lvl1pPr algn="l" defTabSz="731464" rtl="0" eaLnBrk="1" latinLnBrk="0" hangingPunct="1">
+        <a:lnSpc>
+          <a:spcPct val="90000"/>
+        </a:lnSpc>
+        <a:spcBef>
+          <a:spcPct val="0"/>
+        </a:spcBef>
+        <a:buNone/>
+        <a:defRPr sz="3520" kern="1200">
+          <a:solidFill>
+            <a:schemeClr val="tx1"/>
+          </a:solidFill>
+          <a:latin typeface="+mj-lt"/>
+          <a:ea typeface="+mj-ea"/>
+          <a:cs typeface="+mj-cs"/>
+        </a:defRPr>
+      </a:lvl1pPr>
+    </p:titleStyle>
+    <p:bodyStyle>
+      <a:lvl1pPr marL="182866" indent="-182866" algn="l" defTabSz="731464" rtl="0" eaLnBrk="1" latinLnBrk="0" hangingPunct="1">
+        <a:lnSpc>
+          <a:spcPct val="90000"/>
+        </a:lnSpc>
+        <a:spcBef>
+          <a:spcPts val="800"/>
+        </a:spcBef>
+        <a:buFont typeface="Arial" panose="020B0604020202020204" pitchFamily="34" charset="0"/>
+        <a:buChar char="•"/>
+        <a:defRPr sz="2240" kern="1200">
+          <a:solidFill>
+            <a:schemeClr val="tx1"/>
+          </a:solidFill>
+          <a:latin typeface="+mn-lt"/>
+          <a:ea typeface="+mn-ea"/>
+          <a:cs typeface="+mn-cs"/>
+        </a:defRPr>
+      </a:lvl1pPr>
+      <a:lvl2pPr marL="548598" indent="-182866" algn="l" defTabSz="731464" rtl="0" eaLnBrk="1" latinLnBrk="0" hangingPunct="1">
+        <a:lnSpc>
+          <a:spcPct val="90000"/>
+        </a:lnSpc>
+        <a:spcBef>
+          <a:spcPts val="400"/>
+        </a:spcBef>
+        <a:buFont typeface="Arial" panose="020B0604020202020204" pitchFamily="34" charset="0"/>
+        <a:buChar char="•"/>
+        <a:defRPr sz="1920" kern="1200">
+          <a:solidFill>
+            <a:schemeClr val="tx1"/>
+          </a:solidFill>
+          <a:latin typeface="+mn-lt"/>
+          <a:ea typeface="+mn-ea"/>
+          <a:cs typeface="+mn-cs"/>
+        </a:defRPr>
+      </a:lvl2pPr>
+      <a:lvl3pPr marL="914331" indent="-182866" algn="l" defTabSz="731464" rtl="0" eaLnBrk="1" latinLnBrk="0" hangingPunct="1">
+        <a:lnSpc>
+          <a:spcPct val="90000"/>
+        </a:lnSpc>
+        <a:spcBef>
+          <a:spcPts val="400"/>
+        </a:spcBef>
+        <a:buFont typeface="Arial" panose="020B0604020202020204" pitchFamily="34" charset="0"/>
+        <a:buChar char="•"/>
+        <a:defRPr sz="1600" kern="1200">
+          <a:solidFill>
+            <a:schemeClr val="tx1"/>
+          </a:solidFill>
+          <a:latin typeface="+mn-lt"/>
+          <a:ea typeface="+mn-ea"/>
+          <a:cs typeface="+mn-cs"/>
+        </a:defRPr>
+      </a:lvl3pPr>
+      <a:lvl4pPr marL="1280062" indent="-182866" algn="l" defTabSz="731464" rtl="0" eaLnBrk="1" latinLnBrk="0" hangingPunct="1">
+        <a:lnSpc>
+          <a:spcPct val="90000"/>
+        </a:lnSpc>
+        <a:spcBef>
+          <a:spcPts val="400"/>
+        </a:spcBef>
+        <a:buFont typeface="Arial" panose="020B0604020202020204" pitchFamily="34" charset="0"/>
+        <a:buChar char="•"/>
+        <a:defRPr sz="1440" kern="1200">
+          <a:solidFill>
+            <a:schemeClr val="tx1"/>
+          </a:solidFill>
+          <a:latin typeface="+mn-lt"/>
+          <a:ea typeface="+mn-ea"/>
+          <a:cs typeface="+mn-cs"/>
+        </a:defRPr>
+      </a:lvl4pPr>
+      <a:lvl5pPr marL="1645795" indent="-182866" algn="l" defTabSz="731464" rtl="0" eaLnBrk="1" latinLnBrk="0" hangingPunct="1">
+        <a:lnSpc>
+          <a:spcPct val="90000"/>
+        </a:lnSpc>
+        <a:spcBef>
+          <a:spcPts val="400"/>
+        </a:spcBef>
+        <a:buFont typeface="Arial" panose="020B0604020202020204" pitchFamily="34" charset="0"/>
+        <a:buChar char="•"/>
+        <a:defRPr sz="1440" kern="1200">
+          <a:solidFill>
+            <a:schemeClr val="tx1"/>
+          </a:solidFill>
+          <a:latin typeface="+mn-lt"/>
+          <a:ea typeface="+mn-ea"/>
+          <a:cs typeface="+mn-cs"/>
+        </a:defRPr>
+      </a:lvl5pPr>
+      <a:lvl6pPr marL="2011527" indent="-182866" algn="l" defTabSz="731464" rtl="0" eaLnBrk="1" latinLnBrk="0" hangingPunct="1">
+        <a:lnSpc>
+          <a:spcPct val="90000"/>
+        </a:lnSpc>
+        <a:spcBef>
+          <a:spcPts val="400"/>
+        </a:spcBef>
+        <a:buFont typeface="Arial" panose="020B0604020202020204" pitchFamily="34" charset="0"/>
+        <a:buChar char="•"/>
+        <a:defRPr sz="1440" kern="1200">
+          <a:solidFill>
+            <a:schemeClr val="tx1"/>
+          </a:solidFill>
+          <a:latin typeface="+mn-lt"/>
+          <a:ea typeface="+mn-ea"/>
+          <a:cs typeface="+mn-cs"/>
+        </a:defRPr>
+      </a:lvl6pPr>
+      <a:lvl7pPr marL="2377259" indent="-182866" algn="l" defTabSz="731464" rtl="0" eaLnBrk="1" latinLnBrk="0" hangingPunct="1">
+        <a:lnSpc>
+          <a:spcPct val="90000"/>
+        </a:lnSpc>
+        <a:spcBef>
+          <a:spcPts val="400"/>
+        </a:spcBef>
+        <a:buFont typeface="Arial" panose="020B0604020202020204" pitchFamily="34" charset="0"/>
+        <a:buChar char="•"/>
+        <a:defRPr sz="1440" kern="1200">
+          <a:solidFill>
+            <a:schemeClr val="tx1"/>
+          </a:solidFill>
+          <a:latin typeface="+mn-lt"/>
+          <a:ea typeface="+mn-ea"/>
+          <a:cs typeface="+mn-cs"/>
+        </a:defRPr>
+      </a:lvl7pPr>
+      <a:lvl8pPr marL="2742991" indent="-182866" algn="l" defTabSz="731464" rtl="0" eaLnBrk="1" latinLnBrk="0" hangingPunct="1">
+        <a:lnSpc>
+          <a:spcPct val="90000"/>
+        </a:lnSpc>
+        <a:spcBef>
+          <a:spcPts val="400"/>
+        </a:spcBef>
+        <a:buFont typeface="Arial" panose="020B0604020202020204" pitchFamily="34" charset="0"/>
+        <a:buChar char="•"/>
+        <a:defRPr sz="1440" kern="1200">
+          <a:solidFill>
+            <a:schemeClr val="tx1"/>
+          </a:solidFill>
+          <a:latin typeface="+mn-lt"/>
+          <a:ea typeface="+mn-ea"/>
+          <a:cs typeface="+mn-cs"/>
+        </a:defRPr>
+      </a:lvl8pPr>
+      <a:lvl9pPr marL="3108724" indent="-182866" algn="l" defTabSz="731464" rtl="0" eaLnBrk="1" latinLnBrk="0" hangingPunct="1">
+        <a:lnSpc>
+          <a:spcPct val="90000"/>
+        </a:lnSpc>
+        <a:spcBef>
+          <a:spcPts val="400"/>
+        </a:spcBef>
+        <a:buFont typeface="Arial" panose="020B0604020202020204" pitchFamily="34" charset="0"/>
+        <a:buChar char="•"/>
+        <a:defRPr sz="1440" kern="1200">
+          <a:solidFill>
+            <a:schemeClr val="tx1"/>
+          </a:solidFill>
+          <a:latin typeface="+mn-lt"/>
+          <a:ea typeface="+mn-ea"/>
+          <a:cs typeface="+mn-cs"/>
+        </a:defRPr>
+      </a:lvl9pPr>
+    </p:bodyStyle>
+    <p:otherStyle>
+      <a:defPPr>
+        <a:defRPr lang="en-US"/>
+      </a:defPPr>
+      <a:lvl1pPr marL="0" algn="l" defTabSz="731464" rtl="0" eaLnBrk="1" latinLnBrk="0" hangingPunct="1">
+        <a:defRPr sz="1440" kern="1200">
+          <a:solidFill>
+            <a:schemeClr val="tx1"/>
+          </a:solidFill>
+          <a:latin typeface="+mn-lt"/>
+          <a:ea typeface="+mn-ea"/>
+          <a:cs typeface="+mn-cs"/>
+        </a:defRPr>
+      </a:lvl1pPr>
+      <a:lvl2pPr marL="365732" algn="l" defTabSz="731464" rtl="0" eaLnBrk="1" latinLnBrk="0" hangingPunct="1">
+        <a:defRPr sz="1440" kern="1200">
+          <a:solidFill>
+            <a:schemeClr val="tx1"/>
+          </a:solidFill>
+          <a:latin typeface="+mn-lt"/>
+          <a:ea typeface="+mn-ea"/>
+          <a:cs typeface="+mn-cs"/>
+        </a:defRPr>
+      </a:lvl2pPr>
+      <a:lvl3pPr marL="731464" algn="l" defTabSz="731464" rtl="0" eaLnBrk="1" latinLnBrk="0" hangingPunct="1">
+        <a:defRPr sz="1440" kern="1200">
+          <a:solidFill>
+            <a:schemeClr val="tx1"/>
+          </a:solidFill>
+          <a:latin typeface="+mn-lt"/>
+          <a:ea typeface="+mn-ea"/>
+          <a:cs typeface="+mn-cs"/>
+        </a:defRPr>
+      </a:lvl3pPr>
+      <a:lvl4pPr marL="1097197" algn="l" defTabSz="731464" rtl="0" eaLnBrk="1" latinLnBrk="0" hangingPunct="1">
+        <a:defRPr sz="1440" kern="1200">
+          <a:solidFill>
+            <a:schemeClr val="tx1"/>
+          </a:solidFill>
+          <a:latin typeface="+mn-lt"/>
+          <a:ea typeface="+mn-ea"/>
+          <a:cs typeface="+mn-cs"/>
+        </a:defRPr>
+      </a:lvl4pPr>
+      <a:lvl5pPr marL="1462929" algn="l" defTabSz="731464" rtl="0" eaLnBrk="1" latinLnBrk="0" hangingPunct="1">
+        <a:defRPr sz="1440" kern="1200">
+          <a:solidFill>
+            <a:schemeClr val="tx1"/>
+          </a:solidFill>
+          <a:latin typeface="+mn-lt"/>
+          <a:ea typeface="+mn-ea"/>
+          <a:cs typeface="+mn-cs"/>
+        </a:defRPr>
+      </a:lvl5pPr>
+      <a:lvl6pPr marL="1828661" algn="l" defTabSz="731464" rtl="0" eaLnBrk="1" latinLnBrk="0" hangingPunct="1">
+        <a:defRPr sz="1440" kern="1200">
+          <a:solidFill>
+            <a:schemeClr val="tx1"/>
+          </a:solidFill>
+          <a:latin typeface="+mn-lt"/>
+          <a:ea typeface="+mn-ea"/>
+          <a:cs typeface="+mn-cs"/>
+        </a:defRPr>
+      </a:lvl6pPr>
+      <a:lvl7pPr marL="2194393" algn="l" defTabSz="731464" rtl="0" eaLnBrk="1" latinLnBrk="0" hangingPunct="1">
+        <a:defRPr sz="1440" kern="1200">
+          <a:solidFill>
+            <a:schemeClr val="tx1"/>
+          </a:solidFill>
+          <a:latin typeface="+mn-lt"/>
+          <a:ea typeface="+mn-ea"/>
+          <a:cs typeface="+mn-cs"/>
+        </a:defRPr>
+      </a:lvl7pPr>
+      <a:lvl8pPr marL="2560125" algn="l" defTabSz="731464" rtl="0" eaLnBrk="1" latinLnBrk="0" hangingPunct="1">
+        <a:defRPr sz="1440" kern="1200">
+          <a:solidFill>
+            <a:schemeClr val="tx1"/>
+          </a:solidFill>
+          <a:latin typeface="+mn-lt"/>
+          <a:ea typeface="+mn-ea"/>
+          <a:cs typeface="+mn-cs"/>
+        </a:defRPr>
+      </a:lvl8pPr>
+      <a:lvl9pPr marL="2925857" algn="l" defTabSz="731464" rtl="0" eaLnBrk="1" latinLnBrk="0" hangingPunct="1">
         <a:defRPr sz="1440" kern="1200">
           <a:solidFill>
             <a:schemeClr val="tx1"/>
@@ -3850,6 +6701,2988 @@
 </p:sld>
 </file>
 
+<file path=ppt/slides/slide4.xml><?xml version="1.0" encoding="utf-8"?>
+<p:sld xmlns:a="http://schemas.openxmlformats.org/drawingml/2006/main" xmlns:r="http://schemas.openxmlformats.org/officeDocument/2006/relationships" xmlns:p="http://schemas.openxmlformats.org/presentationml/2006/main">
+  <p:cSld>
+    <p:spTree>
+      <p:nvGrpSpPr>
+        <p:cNvPr id="1" name=""/>
+        <p:cNvGrpSpPr/>
+        <p:nvPr/>
+      </p:nvGrpSpPr>
+      <p:grpSpPr>
+        <a:xfrm>
+          <a:off x="0" y="0"/>
+          <a:ext cx="0" cy="0"/>
+          <a:chOff x="0" y="0"/>
+          <a:chExt cx="0" cy="0"/>
+        </a:xfrm>
+      </p:grpSpPr>
+      <p:sp>
+        <p:nvSpPr>
+          <p:cNvPr id="4" name="Rectangle 3">
+            <a:extLst>
+              <a:ext uri="{FF2B5EF4-FFF2-40B4-BE49-F238E27FC236}">
+                <a16:creationId xmlns:a16="http://schemas.microsoft.com/office/drawing/2014/main" id="{8CCD7914-C75B-4FD6-B79C-8EED79287865}"/>
+              </a:ext>
+            </a:extLst>
+          </p:cNvPr>
+          <p:cNvSpPr/>
+          <p:nvPr/>
+        </p:nvSpPr>
+        <p:spPr>
+          <a:xfrm>
+            <a:off x="414898" y="159087"/>
+            <a:ext cx="6942310" cy="5168226"/>
+          </a:xfrm>
+          <a:prstGeom prst="rect">
+            <a:avLst/>
+          </a:prstGeom>
+          <a:noFill/>
+          <a:ln>
+            <a:solidFill>
+              <a:schemeClr val="tx1"/>
+            </a:solidFill>
+          </a:ln>
+        </p:spPr>
+        <p:style>
+          <a:lnRef idx="2">
+            <a:schemeClr val="accent1">
+              <a:shade val="50000"/>
+            </a:schemeClr>
+          </a:lnRef>
+          <a:fillRef idx="1">
+            <a:schemeClr val="accent1"/>
+          </a:fillRef>
+          <a:effectRef idx="0">
+            <a:schemeClr val="accent1"/>
+          </a:effectRef>
+          <a:fontRef idx="minor">
+            <a:schemeClr val="lt1"/>
+          </a:fontRef>
+        </p:style>
+        <p:txBody>
+          <a:bodyPr rtlCol="0" anchor="ctr"/>
+          <a:lstStyle/>
+          <a:p>
+            <a:pPr algn="ctr" defTabSz="274594"/>
+            <a:endParaRPr lang="en-US" sz="1081">
+              <a:solidFill>
+                <a:prstClr val="white"/>
+              </a:solidFill>
+              <a:latin typeface="Calibri" panose="020F0502020204030204"/>
+            </a:endParaRPr>
+          </a:p>
+        </p:txBody>
+      </p:sp>
+      <p:sp>
+        <p:nvSpPr>
+          <p:cNvPr id="5" name="Rectangle 4">
+            <a:extLst>
+              <a:ext uri="{FF2B5EF4-FFF2-40B4-BE49-F238E27FC236}">
+                <a16:creationId xmlns:a16="http://schemas.microsoft.com/office/drawing/2014/main" id="{816E429F-B1F9-4840-9868-2AC2BE846FFA}"/>
+              </a:ext>
+            </a:extLst>
+          </p:cNvPr>
+          <p:cNvSpPr/>
+          <p:nvPr/>
+        </p:nvSpPr>
+        <p:spPr>
+          <a:xfrm>
+            <a:off x="414898" y="159087"/>
+            <a:ext cx="3471302" cy="692896"/>
+          </a:xfrm>
+          <a:prstGeom prst="rect">
+            <a:avLst/>
+          </a:prstGeom>
+          <a:noFill/>
+          <a:ln>
+            <a:solidFill>
+              <a:schemeClr val="tx1"/>
+            </a:solidFill>
+          </a:ln>
+        </p:spPr>
+        <p:style>
+          <a:lnRef idx="2">
+            <a:schemeClr val="accent1">
+              <a:shade val="50000"/>
+            </a:schemeClr>
+          </a:lnRef>
+          <a:fillRef idx="1">
+            <a:schemeClr val="accent1"/>
+          </a:fillRef>
+          <a:effectRef idx="0">
+            <a:schemeClr val="accent1"/>
+          </a:effectRef>
+          <a:fontRef idx="minor">
+            <a:schemeClr val="lt1"/>
+          </a:fontRef>
+        </p:style>
+        <p:txBody>
+          <a:bodyPr rtlCol="0" anchor="ctr"/>
+          <a:lstStyle/>
+          <a:p>
+            <a:pPr algn="ctr" defTabSz="274594"/>
+            <a:endParaRPr lang="en-US" sz="1081">
+              <a:solidFill>
+                <a:prstClr val="white"/>
+              </a:solidFill>
+              <a:latin typeface="Calibri" panose="020F0502020204030204"/>
+            </a:endParaRPr>
+          </a:p>
+        </p:txBody>
+      </p:sp>
+      <p:sp>
+        <p:nvSpPr>
+          <p:cNvPr id="6" name="Rectangle 5">
+            <a:extLst>
+              <a:ext uri="{FF2B5EF4-FFF2-40B4-BE49-F238E27FC236}">
+                <a16:creationId xmlns:a16="http://schemas.microsoft.com/office/drawing/2014/main" id="{0AE9C2C1-DB3C-4830-A45F-A99AB3E48DF2}"/>
+              </a:ext>
+            </a:extLst>
+          </p:cNvPr>
+          <p:cNvSpPr/>
+          <p:nvPr/>
+        </p:nvSpPr>
+        <p:spPr>
+          <a:xfrm>
+            <a:off x="3886200" y="159087"/>
+            <a:ext cx="3471302" cy="692896"/>
+          </a:xfrm>
+          <a:prstGeom prst="rect">
+            <a:avLst/>
+          </a:prstGeom>
+          <a:noFill/>
+          <a:ln>
+            <a:solidFill>
+              <a:schemeClr val="tx1"/>
+            </a:solidFill>
+          </a:ln>
+        </p:spPr>
+        <p:style>
+          <a:lnRef idx="2">
+            <a:schemeClr val="accent1">
+              <a:shade val="50000"/>
+            </a:schemeClr>
+          </a:lnRef>
+          <a:fillRef idx="1">
+            <a:schemeClr val="accent1"/>
+          </a:fillRef>
+          <a:effectRef idx="0">
+            <a:schemeClr val="accent1"/>
+          </a:effectRef>
+          <a:fontRef idx="minor">
+            <a:schemeClr val="lt1"/>
+          </a:fontRef>
+        </p:style>
+        <p:txBody>
+          <a:bodyPr rtlCol="0" anchor="ctr"/>
+          <a:lstStyle/>
+          <a:p>
+            <a:pPr algn="ctr" defTabSz="274594"/>
+            <a:endParaRPr lang="en-US" sz="1081">
+              <a:solidFill>
+                <a:prstClr val="white"/>
+              </a:solidFill>
+              <a:latin typeface="Calibri" panose="020F0502020204030204"/>
+            </a:endParaRPr>
+          </a:p>
+        </p:txBody>
+      </p:sp>
+      <p:sp>
+        <p:nvSpPr>
+          <p:cNvPr id="7" name="Rectangle 6">
+            <a:extLst>
+              <a:ext uri="{FF2B5EF4-FFF2-40B4-BE49-F238E27FC236}">
+                <a16:creationId xmlns:a16="http://schemas.microsoft.com/office/drawing/2014/main" id="{33E5824A-6750-4878-AAE8-A16A2EBA7341}"/>
+              </a:ext>
+            </a:extLst>
+          </p:cNvPr>
+          <p:cNvSpPr/>
+          <p:nvPr/>
+        </p:nvSpPr>
+        <p:spPr>
+          <a:xfrm>
+            <a:off x="414898" y="851982"/>
+            <a:ext cx="3471302" cy="3323437"/>
+          </a:xfrm>
+          <a:prstGeom prst="rect">
+            <a:avLst/>
+          </a:prstGeom>
+          <a:noFill/>
+          <a:ln>
+            <a:solidFill>
+              <a:schemeClr val="tx1"/>
+            </a:solidFill>
+          </a:ln>
+        </p:spPr>
+        <p:style>
+          <a:lnRef idx="2">
+            <a:schemeClr val="accent1">
+              <a:shade val="50000"/>
+            </a:schemeClr>
+          </a:lnRef>
+          <a:fillRef idx="1">
+            <a:schemeClr val="accent1"/>
+          </a:fillRef>
+          <a:effectRef idx="0">
+            <a:schemeClr val="accent1"/>
+          </a:effectRef>
+          <a:fontRef idx="minor">
+            <a:schemeClr val="lt1"/>
+          </a:fontRef>
+        </p:style>
+        <p:txBody>
+          <a:bodyPr rtlCol="0" anchor="ctr"/>
+          <a:lstStyle/>
+          <a:p>
+            <a:pPr algn="ctr" defTabSz="274594"/>
+            <a:endParaRPr lang="en-US" sz="1081">
+              <a:solidFill>
+                <a:prstClr val="white"/>
+              </a:solidFill>
+              <a:latin typeface="Calibri" panose="020F0502020204030204"/>
+            </a:endParaRPr>
+          </a:p>
+        </p:txBody>
+      </p:sp>
+      <p:sp>
+        <p:nvSpPr>
+          <p:cNvPr id="8" name="Rectangle 7">
+            <a:extLst>
+              <a:ext uri="{FF2B5EF4-FFF2-40B4-BE49-F238E27FC236}">
+                <a16:creationId xmlns:a16="http://schemas.microsoft.com/office/drawing/2014/main" id="{D0A17644-B407-4901-8E1F-C80F461D9C73}"/>
+              </a:ext>
+            </a:extLst>
+          </p:cNvPr>
+          <p:cNvSpPr/>
+          <p:nvPr/>
+        </p:nvSpPr>
+        <p:spPr>
+          <a:xfrm>
+            <a:off x="3886200" y="851982"/>
+            <a:ext cx="1735945" cy="3323437"/>
+          </a:xfrm>
+          <a:prstGeom prst="rect">
+            <a:avLst/>
+          </a:prstGeom>
+          <a:noFill/>
+          <a:ln>
+            <a:solidFill>
+              <a:schemeClr val="tx1"/>
+            </a:solidFill>
+          </a:ln>
+        </p:spPr>
+        <p:style>
+          <a:lnRef idx="2">
+            <a:schemeClr val="accent1">
+              <a:shade val="50000"/>
+            </a:schemeClr>
+          </a:lnRef>
+          <a:fillRef idx="1">
+            <a:schemeClr val="accent1"/>
+          </a:fillRef>
+          <a:effectRef idx="0">
+            <a:schemeClr val="accent1"/>
+          </a:effectRef>
+          <a:fontRef idx="minor">
+            <a:schemeClr val="lt1"/>
+          </a:fontRef>
+        </p:style>
+        <p:txBody>
+          <a:bodyPr rtlCol="0" anchor="ctr"/>
+          <a:lstStyle/>
+          <a:p>
+            <a:pPr algn="ctr" defTabSz="274594"/>
+            <a:endParaRPr lang="en-US" sz="1081">
+              <a:solidFill>
+                <a:prstClr val="white"/>
+              </a:solidFill>
+              <a:latin typeface="Calibri" panose="020F0502020204030204"/>
+            </a:endParaRPr>
+          </a:p>
+        </p:txBody>
+      </p:sp>
+      <p:sp>
+        <p:nvSpPr>
+          <p:cNvPr id="9" name="Rectangle 8">
+            <a:extLst>
+              <a:ext uri="{FF2B5EF4-FFF2-40B4-BE49-F238E27FC236}">
+                <a16:creationId xmlns:a16="http://schemas.microsoft.com/office/drawing/2014/main" id="{FACF6FEB-34A6-43FA-9FD3-EAD709611D77}"/>
+              </a:ext>
+            </a:extLst>
+          </p:cNvPr>
+          <p:cNvSpPr/>
+          <p:nvPr/>
+        </p:nvSpPr>
+        <p:spPr>
+          <a:xfrm>
+            <a:off x="5621851" y="851982"/>
+            <a:ext cx="1732415" cy="2076069"/>
+          </a:xfrm>
+          <a:prstGeom prst="rect">
+            <a:avLst/>
+          </a:prstGeom>
+          <a:noFill/>
+          <a:ln>
+            <a:solidFill>
+              <a:schemeClr val="tx1"/>
+            </a:solidFill>
+          </a:ln>
+        </p:spPr>
+        <p:style>
+          <a:lnRef idx="2">
+            <a:schemeClr val="accent1">
+              <a:shade val="50000"/>
+            </a:schemeClr>
+          </a:lnRef>
+          <a:fillRef idx="1">
+            <a:schemeClr val="accent1"/>
+          </a:fillRef>
+          <a:effectRef idx="0">
+            <a:schemeClr val="accent1"/>
+          </a:effectRef>
+          <a:fontRef idx="minor">
+            <a:schemeClr val="lt1"/>
+          </a:fontRef>
+        </p:style>
+        <p:txBody>
+          <a:bodyPr rtlCol="0" anchor="ctr"/>
+          <a:lstStyle/>
+          <a:p>
+            <a:pPr algn="ctr" defTabSz="274594"/>
+            <a:endParaRPr lang="en-US" sz="1081">
+              <a:solidFill>
+                <a:prstClr val="white"/>
+              </a:solidFill>
+              <a:latin typeface="Calibri" panose="020F0502020204030204"/>
+            </a:endParaRPr>
+          </a:p>
+        </p:txBody>
+      </p:sp>
+      <p:sp>
+        <p:nvSpPr>
+          <p:cNvPr id="10" name="Rectangle 9">
+            <a:extLst>
+              <a:ext uri="{FF2B5EF4-FFF2-40B4-BE49-F238E27FC236}">
+                <a16:creationId xmlns:a16="http://schemas.microsoft.com/office/drawing/2014/main" id="{22603B43-1658-4F13-896D-B1A7009EC8A3}"/>
+              </a:ext>
+            </a:extLst>
+          </p:cNvPr>
+          <p:cNvSpPr/>
+          <p:nvPr/>
+        </p:nvSpPr>
+        <p:spPr>
+          <a:xfrm>
+            <a:off x="5621263" y="2928055"/>
+            <a:ext cx="1735945" cy="1247365"/>
+          </a:xfrm>
+          <a:prstGeom prst="rect">
+            <a:avLst/>
+          </a:prstGeom>
+          <a:noFill/>
+          <a:ln>
+            <a:solidFill>
+              <a:schemeClr val="tx1"/>
+            </a:solidFill>
+          </a:ln>
+        </p:spPr>
+        <p:style>
+          <a:lnRef idx="2">
+            <a:schemeClr val="accent1">
+              <a:shade val="50000"/>
+            </a:schemeClr>
+          </a:lnRef>
+          <a:fillRef idx="1">
+            <a:schemeClr val="accent1"/>
+          </a:fillRef>
+          <a:effectRef idx="0">
+            <a:schemeClr val="accent1"/>
+          </a:effectRef>
+          <a:fontRef idx="minor">
+            <a:schemeClr val="lt1"/>
+          </a:fontRef>
+        </p:style>
+        <p:txBody>
+          <a:bodyPr rtlCol="0" anchor="ctr"/>
+          <a:lstStyle/>
+          <a:p>
+            <a:pPr algn="ctr" defTabSz="274594"/>
+            <a:endParaRPr lang="en-US" sz="1081">
+              <a:solidFill>
+                <a:prstClr val="white"/>
+              </a:solidFill>
+              <a:latin typeface="Calibri" panose="020F0502020204030204"/>
+            </a:endParaRPr>
+          </a:p>
+        </p:txBody>
+      </p:sp>
+      <p:sp>
+        <p:nvSpPr>
+          <p:cNvPr id="11" name="Rectangle 10">
+            <a:extLst>
+              <a:ext uri="{FF2B5EF4-FFF2-40B4-BE49-F238E27FC236}">
+                <a16:creationId xmlns:a16="http://schemas.microsoft.com/office/drawing/2014/main" id="{03848C3A-AAE6-4ABA-8818-AE825B8A0173}"/>
+              </a:ext>
+            </a:extLst>
+          </p:cNvPr>
+          <p:cNvSpPr/>
+          <p:nvPr/>
+        </p:nvSpPr>
+        <p:spPr>
+          <a:xfrm>
+            <a:off x="414604" y="4175420"/>
+            <a:ext cx="3471302" cy="1151893"/>
+          </a:xfrm>
+          <a:prstGeom prst="rect">
+            <a:avLst/>
+          </a:prstGeom>
+          <a:noFill/>
+          <a:ln>
+            <a:solidFill>
+              <a:schemeClr val="tx1"/>
+            </a:solidFill>
+          </a:ln>
+        </p:spPr>
+        <p:style>
+          <a:lnRef idx="2">
+            <a:schemeClr val="accent1">
+              <a:shade val="50000"/>
+            </a:schemeClr>
+          </a:lnRef>
+          <a:fillRef idx="1">
+            <a:schemeClr val="accent1"/>
+          </a:fillRef>
+          <a:effectRef idx="0">
+            <a:schemeClr val="accent1"/>
+          </a:effectRef>
+          <a:fontRef idx="minor">
+            <a:schemeClr val="lt1"/>
+          </a:fontRef>
+        </p:style>
+        <p:txBody>
+          <a:bodyPr rtlCol="0" anchor="ctr"/>
+          <a:lstStyle/>
+          <a:p>
+            <a:pPr algn="ctr" defTabSz="274594"/>
+            <a:endParaRPr lang="en-US" sz="1081">
+              <a:solidFill>
+                <a:prstClr val="white"/>
+              </a:solidFill>
+              <a:latin typeface="Calibri" panose="020F0502020204030204"/>
+            </a:endParaRPr>
+          </a:p>
+        </p:txBody>
+      </p:sp>
+      <p:sp>
+        <p:nvSpPr>
+          <p:cNvPr id="12" name="Rectangle 11">
+            <a:extLst>
+              <a:ext uri="{FF2B5EF4-FFF2-40B4-BE49-F238E27FC236}">
+                <a16:creationId xmlns:a16="http://schemas.microsoft.com/office/drawing/2014/main" id="{1CE1C139-31EF-4C6A-A380-FCA3C071BE35}"/>
+              </a:ext>
+            </a:extLst>
+          </p:cNvPr>
+          <p:cNvSpPr/>
+          <p:nvPr/>
+        </p:nvSpPr>
+        <p:spPr>
+          <a:xfrm>
+            <a:off x="5621263" y="4175421"/>
+            <a:ext cx="1736239" cy="1151892"/>
+          </a:xfrm>
+          <a:prstGeom prst="rect">
+            <a:avLst/>
+          </a:prstGeom>
+          <a:noFill/>
+          <a:ln>
+            <a:solidFill>
+              <a:schemeClr val="tx1"/>
+            </a:solidFill>
+          </a:ln>
+        </p:spPr>
+        <p:style>
+          <a:lnRef idx="2">
+            <a:schemeClr val="accent1">
+              <a:shade val="50000"/>
+            </a:schemeClr>
+          </a:lnRef>
+          <a:fillRef idx="1">
+            <a:schemeClr val="accent1"/>
+          </a:fillRef>
+          <a:effectRef idx="0">
+            <a:schemeClr val="accent1"/>
+          </a:effectRef>
+          <a:fontRef idx="minor">
+            <a:schemeClr val="lt1"/>
+          </a:fontRef>
+        </p:style>
+        <p:txBody>
+          <a:bodyPr rtlCol="0" anchor="ctr"/>
+          <a:lstStyle/>
+          <a:p>
+            <a:pPr algn="ctr" defTabSz="274594"/>
+            <a:endParaRPr lang="en-US" sz="1081">
+              <a:solidFill>
+                <a:prstClr val="white"/>
+              </a:solidFill>
+              <a:latin typeface="Calibri" panose="020F0502020204030204"/>
+            </a:endParaRPr>
+          </a:p>
+        </p:txBody>
+      </p:sp>
+      <p:sp>
+        <p:nvSpPr>
+          <p:cNvPr id="13" name="TextBox 12">
+            <a:extLst>
+              <a:ext uri="{FF2B5EF4-FFF2-40B4-BE49-F238E27FC236}">
+                <a16:creationId xmlns:a16="http://schemas.microsoft.com/office/drawing/2014/main" id="{73BE8B11-CEBC-49AB-A52A-940E3C9F633F}"/>
+              </a:ext>
+            </a:extLst>
+          </p:cNvPr>
+          <p:cNvSpPr txBox="1"/>
+          <p:nvPr/>
+        </p:nvSpPr>
+        <p:spPr>
+          <a:xfrm>
+            <a:off x="414310" y="159087"/>
+            <a:ext cx="926503" cy="221727"/>
+          </a:xfrm>
+          <a:prstGeom prst="rect">
+            <a:avLst/>
+          </a:prstGeom>
+          <a:noFill/>
+        </p:spPr>
+        <p:txBody>
+          <a:bodyPr wrap="square" rtlCol="0">
+            <a:spAutoFit/>
+          </a:bodyPr>
+          <a:lstStyle/>
+          <a:p>
+            <a:pPr defTabSz="274594"/>
+            <a:r>
+              <a:rPr lang="en-US" sz="841" b="1" dirty="0">
+                <a:solidFill>
+                  <a:prstClr val="black"/>
+                </a:solidFill>
+                <a:latin typeface="Arial Narrow" panose="020B0606020202030204" pitchFamily="34" charset="0"/>
+              </a:rPr>
+              <a:t>Vision</a:t>
+            </a:r>
+          </a:p>
+        </p:txBody>
+      </p:sp>
+      <p:sp>
+        <p:nvSpPr>
+          <p:cNvPr id="14" name="TextBox 13">
+            <a:extLst>
+              <a:ext uri="{FF2B5EF4-FFF2-40B4-BE49-F238E27FC236}">
+                <a16:creationId xmlns:a16="http://schemas.microsoft.com/office/drawing/2014/main" id="{17C641B2-6E18-4D1A-9E91-B59DB236992D}"/>
+              </a:ext>
+            </a:extLst>
+          </p:cNvPr>
+          <p:cNvSpPr txBox="1"/>
+          <p:nvPr/>
+        </p:nvSpPr>
+        <p:spPr>
+          <a:xfrm>
+            <a:off x="3885906" y="159087"/>
+            <a:ext cx="926503" cy="221727"/>
+          </a:xfrm>
+          <a:prstGeom prst="rect">
+            <a:avLst/>
+          </a:prstGeom>
+          <a:noFill/>
+        </p:spPr>
+        <p:txBody>
+          <a:bodyPr wrap="square" rtlCol="0">
+            <a:spAutoFit/>
+          </a:bodyPr>
+          <a:lstStyle/>
+          <a:p>
+            <a:pPr defTabSz="274594"/>
+            <a:r>
+              <a:rPr lang="en-US" sz="841" b="1" dirty="0">
+                <a:solidFill>
+                  <a:prstClr val="black"/>
+                </a:solidFill>
+                <a:latin typeface="Arial Narrow" panose="020B0606020202030204" pitchFamily="34" charset="0"/>
+              </a:rPr>
+              <a:t>Scope</a:t>
+            </a:r>
+          </a:p>
+        </p:txBody>
+      </p:sp>
+      <p:sp>
+        <p:nvSpPr>
+          <p:cNvPr id="15" name="TextBox 14">
+            <a:extLst>
+              <a:ext uri="{FF2B5EF4-FFF2-40B4-BE49-F238E27FC236}">
+                <a16:creationId xmlns:a16="http://schemas.microsoft.com/office/drawing/2014/main" id="{148F6FDF-17F1-42B1-B428-EF04E6182778}"/>
+              </a:ext>
+            </a:extLst>
+          </p:cNvPr>
+          <p:cNvSpPr txBox="1"/>
+          <p:nvPr/>
+        </p:nvSpPr>
+        <p:spPr>
+          <a:xfrm>
+            <a:off x="414603" y="851981"/>
+            <a:ext cx="3473656" cy="221727"/>
+          </a:xfrm>
+          <a:prstGeom prst="rect">
+            <a:avLst/>
+          </a:prstGeom>
+          <a:noFill/>
+        </p:spPr>
+        <p:txBody>
+          <a:bodyPr wrap="square" rtlCol="0">
+            <a:spAutoFit/>
+          </a:bodyPr>
+          <a:lstStyle/>
+          <a:p>
+            <a:pPr defTabSz="274594"/>
+            <a:r>
+              <a:rPr lang="en-US" sz="841" b="1" dirty="0">
+                <a:solidFill>
+                  <a:prstClr val="black"/>
+                </a:solidFill>
+                <a:latin typeface="Arial Narrow" panose="020B0606020202030204" pitchFamily="34" charset="0"/>
+              </a:rPr>
+              <a:t>Map it!</a:t>
+            </a:r>
+            <a:endParaRPr lang="en-US" sz="841" i="1" dirty="0">
+              <a:solidFill>
+                <a:prstClr val="black"/>
+              </a:solidFill>
+              <a:latin typeface="Arial Narrow" panose="020B0606020202030204" pitchFamily="34" charset="0"/>
+            </a:endParaRPr>
+          </a:p>
+        </p:txBody>
+      </p:sp>
+      <p:sp>
+        <p:nvSpPr>
+          <p:cNvPr id="16" name="TextBox 15">
+            <a:extLst>
+              <a:ext uri="{FF2B5EF4-FFF2-40B4-BE49-F238E27FC236}">
+                <a16:creationId xmlns:a16="http://schemas.microsoft.com/office/drawing/2014/main" id="{5D405C5B-121F-4318-8791-94D0C6382F06}"/>
+              </a:ext>
+            </a:extLst>
+          </p:cNvPr>
+          <p:cNvSpPr txBox="1"/>
+          <p:nvPr/>
+        </p:nvSpPr>
+        <p:spPr>
+          <a:xfrm>
+            <a:off x="3885906" y="851981"/>
+            <a:ext cx="1735063" cy="351122"/>
+          </a:xfrm>
+          <a:prstGeom prst="rect">
+            <a:avLst/>
+          </a:prstGeom>
+          <a:noFill/>
+        </p:spPr>
+        <p:txBody>
+          <a:bodyPr wrap="square" rtlCol="0">
+            <a:spAutoFit/>
+          </a:bodyPr>
+          <a:lstStyle/>
+          <a:p>
+            <a:pPr defTabSz="274594"/>
+            <a:r>
+              <a:rPr lang="en-US" sz="841" b="1" dirty="0">
+                <a:solidFill>
+                  <a:prstClr val="black"/>
+                </a:solidFill>
+                <a:latin typeface="Arial Narrow" panose="020B0606020202030204" pitchFamily="34" charset="0"/>
+              </a:rPr>
+              <a:t>Stakeholders</a:t>
+            </a:r>
+          </a:p>
+          <a:p>
+            <a:pPr defTabSz="274594"/>
+            <a:r>
+              <a:rPr lang="en-US" sz="841" i="1" dirty="0">
+                <a:solidFill>
+                  <a:prstClr val="black"/>
+                </a:solidFill>
+                <a:latin typeface="Arial Narrow" panose="020B0606020202030204" pitchFamily="34" charset="0"/>
+              </a:rPr>
+              <a:t>Underline boundary partners</a:t>
+            </a:r>
+          </a:p>
+        </p:txBody>
+      </p:sp>
+      <p:sp>
+        <p:nvSpPr>
+          <p:cNvPr id="17" name="TextBox 16">
+            <a:extLst>
+              <a:ext uri="{FF2B5EF4-FFF2-40B4-BE49-F238E27FC236}">
+                <a16:creationId xmlns:a16="http://schemas.microsoft.com/office/drawing/2014/main" id="{831D5CC7-6242-4D15-903A-9B774CFF1192}"/>
+              </a:ext>
+            </a:extLst>
+          </p:cNvPr>
+          <p:cNvSpPr txBox="1"/>
+          <p:nvPr/>
+        </p:nvSpPr>
+        <p:spPr>
+          <a:xfrm>
+            <a:off x="5621557" y="851981"/>
+            <a:ext cx="926503" cy="221727"/>
+          </a:xfrm>
+          <a:prstGeom prst="rect">
+            <a:avLst/>
+          </a:prstGeom>
+          <a:noFill/>
+        </p:spPr>
+        <p:txBody>
+          <a:bodyPr wrap="square" rtlCol="0">
+            <a:spAutoFit/>
+          </a:bodyPr>
+          <a:lstStyle/>
+          <a:p>
+            <a:pPr defTabSz="274594"/>
+            <a:r>
+              <a:rPr lang="en-US" sz="841" b="1" dirty="0">
+                <a:solidFill>
+                  <a:prstClr val="black"/>
+                </a:solidFill>
+                <a:latin typeface="Arial Narrow" panose="020B0606020202030204" pitchFamily="34" charset="0"/>
+              </a:rPr>
+              <a:t>Problems</a:t>
+            </a:r>
+          </a:p>
+        </p:txBody>
+      </p:sp>
+      <p:sp>
+        <p:nvSpPr>
+          <p:cNvPr id="18" name="TextBox 17">
+            <a:extLst>
+              <a:ext uri="{FF2B5EF4-FFF2-40B4-BE49-F238E27FC236}">
+                <a16:creationId xmlns:a16="http://schemas.microsoft.com/office/drawing/2014/main" id="{A6BEC266-0CA0-4043-A57C-7E1900C9D8BF}"/>
+              </a:ext>
+            </a:extLst>
+          </p:cNvPr>
+          <p:cNvSpPr txBox="1"/>
+          <p:nvPr/>
+        </p:nvSpPr>
+        <p:spPr>
+          <a:xfrm>
+            <a:off x="5620969" y="2928052"/>
+            <a:ext cx="926503" cy="221727"/>
+          </a:xfrm>
+          <a:prstGeom prst="rect">
+            <a:avLst/>
+          </a:prstGeom>
+          <a:noFill/>
+        </p:spPr>
+        <p:txBody>
+          <a:bodyPr wrap="square" rtlCol="0">
+            <a:spAutoFit/>
+          </a:bodyPr>
+          <a:lstStyle/>
+          <a:p>
+            <a:pPr defTabSz="274594"/>
+            <a:r>
+              <a:rPr lang="en-US" sz="841" b="1" dirty="0">
+                <a:solidFill>
+                  <a:prstClr val="black"/>
+                </a:solidFill>
+                <a:latin typeface="Arial Narrow" panose="020B0606020202030204" pitchFamily="34" charset="0"/>
+              </a:rPr>
+              <a:t>Alternatives</a:t>
+            </a:r>
+          </a:p>
+        </p:txBody>
+      </p:sp>
+      <p:sp>
+        <p:nvSpPr>
+          <p:cNvPr id="19" name="TextBox 18">
+            <a:extLst>
+              <a:ext uri="{FF2B5EF4-FFF2-40B4-BE49-F238E27FC236}">
+                <a16:creationId xmlns:a16="http://schemas.microsoft.com/office/drawing/2014/main" id="{CE3B857B-B912-4720-882F-A517D46800A7}"/>
+              </a:ext>
+            </a:extLst>
+          </p:cNvPr>
+          <p:cNvSpPr txBox="1"/>
+          <p:nvPr/>
+        </p:nvSpPr>
+        <p:spPr>
+          <a:xfrm>
+            <a:off x="414308" y="4175419"/>
+            <a:ext cx="1187322" cy="221727"/>
+          </a:xfrm>
+          <a:prstGeom prst="rect">
+            <a:avLst/>
+          </a:prstGeom>
+          <a:noFill/>
+        </p:spPr>
+        <p:txBody>
+          <a:bodyPr wrap="square" rtlCol="0">
+            <a:spAutoFit/>
+          </a:bodyPr>
+          <a:lstStyle/>
+          <a:p>
+            <a:pPr defTabSz="274594"/>
+            <a:r>
+              <a:rPr lang="en-US" sz="841" b="1" dirty="0">
+                <a:solidFill>
+                  <a:prstClr val="black"/>
+                </a:solidFill>
+                <a:latin typeface="Arial Narrow" panose="020B0606020202030204" pitchFamily="34" charset="0"/>
+              </a:rPr>
+              <a:t>How Might We?</a:t>
+            </a:r>
+          </a:p>
+        </p:txBody>
+      </p:sp>
+      <p:sp>
+        <p:nvSpPr>
+          <p:cNvPr id="20" name="TextBox 19">
+            <a:extLst>
+              <a:ext uri="{FF2B5EF4-FFF2-40B4-BE49-F238E27FC236}">
+                <a16:creationId xmlns:a16="http://schemas.microsoft.com/office/drawing/2014/main" id="{38B94906-867E-42D4-9B02-712147D44CF2}"/>
+              </a:ext>
+            </a:extLst>
+          </p:cNvPr>
+          <p:cNvSpPr txBox="1"/>
+          <p:nvPr/>
+        </p:nvSpPr>
+        <p:spPr>
+          <a:xfrm>
+            <a:off x="5620968" y="4175419"/>
+            <a:ext cx="1187322" cy="221727"/>
+          </a:xfrm>
+          <a:prstGeom prst="rect">
+            <a:avLst/>
+          </a:prstGeom>
+          <a:noFill/>
+        </p:spPr>
+        <p:txBody>
+          <a:bodyPr wrap="square" rtlCol="0">
+            <a:spAutoFit/>
+          </a:bodyPr>
+          <a:lstStyle/>
+          <a:p>
+            <a:pPr defTabSz="274594"/>
+            <a:r>
+              <a:rPr lang="en-US" sz="841" b="1" dirty="0">
+                <a:solidFill>
+                  <a:prstClr val="black"/>
+                </a:solidFill>
+                <a:latin typeface="Arial Narrow" panose="020B0606020202030204" pitchFamily="34" charset="0"/>
+              </a:rPr>
+              <a:t>Research Questions</a:t>
+            </a:r>
+          </a:p>
+        </p:txBody>
+      </p:sp>
+      <p:sp>
+        <p:nvSpPr>
+          <p:cNvPr id="21" name="Rectangle 20">
+            <a:extLst>
+              <a:ext uri="{FF2B5EF4-FFF2-40B4-BE49-F238E27FC236}">
+                <a16:creationId xmlns:a16="http://schemas.microsoft.com/office/drawing/2014/main" id="{1A25DD77-6805-408C-908C-A6DF37E2A945}"/>
+              </a:ext>
+            </a:extLst>
+          </p:cNvPr>
+          <p:cNvSpPr/>
+          <p:nvPr/>
+        </p:nvSpPr>
+        <p:spPr>
+          <a:xfrm>
+            <a:off x="3885317" y="4175421"/>
+            <a:ext cx="1735652" cy="1151892"/>
+          </a:xfrm>
+          <a:prstGeom prst="rect">
+            <a:avLst/>
+          </a:prstGeom>
+          <a:noFill/>
+          <a:ln>
+            <a:solidFill>
+              <a:schemeClr val="tx1"/>
+            </a:solidFill>
+          </a:ln>
+        </p:spPr>
+        <p:style>
+          <a:lnRef idx="2">
+            <a:schemeClr val="accent1">
+              <a:shade val="50000"/>
+            </a:schemeClr>
+          </a:lnRef>
+          <a:fillRef idx="1">
+            <a:schemeClr val="accent1"/>
+          </a:fillRef>
+          <a:effectRef idx="0">
+            <a:schemeClr val="accent1"/>
+          </a:effectRef>
+          <a:fontRef idx="minor">
+            <a:schemeClr val="lt1"/>
+          </a:fontRef>
+        </p:style>
+        <p:txBody>
+          <a:bodyPr rtlCol="0" anchor="ctr"/>
+          <a:lstStyle/>
+          <a:p>
+            <a:pPr algn="ctr" defTabSz="274594"/>
+            <a:endParaRPr lang="en-US" sz="1081">
+              <a:solidFill>
+                <a:prstClr val="white"/>
+              </a:solidFill>
+              <a:latin typeface="Calibri" panose="020F0502020204030204"/>
+            </a:endParaRPr>
+          </a:p>
+        </p:txBody>
+      </p:sp>
+      <p:sp>
+        <p:nvSpPr>
+          <p:cNvPr id="22" name="TextBox 21">
+            <a:extLst>
+              <a:ext uri="{FF2B5EF4-FFF2-40B4-BE49-F238E27FC236}">
+                <a16:creationId xmlns:a16="http://schemas.microsoft.com/office/drawing/2014/main" id="{B75C828D-C4EF-492F-BC90-24F17EF7FE73}"/>
+              </a:ext>
+            </a:extLst>
+          </p:cNvPr>
+          <p:cNvSpPr txBox="1"/>
+          <p:nvPr/>
+        </p:nvSpPr>
+        <p:spPr>
+          <a:xfrm>
+            <a:off x="3884141" y="4175419"/>
+            <a:ext cx="1428192" cy="221727"/>
+          </a:xfrm>
+          <a:prstGeom prst="rect">
+            <a:avLst/>
+          </a:prstGeom>
+          <a:noFill/>
+        </p:spPr>
+        <p:txBody>
+          <a:bodyPr wrap="square" rtlCol="0">
+            <a:spAutoFit/>
+          </a:bodyPr>
+          <a:lstStyle/>
+          <a:p>
+            <a:pPr defTabSz="274594"/>
+            <a:r>
+              <a:rPr lang="en-US" sz="841" b="1" dirty="0">
+                <a:solidFill>
+                  <a:prstClr val="black"/>
+                </a:solidFill>
+                <a:latin typeface="Arial Narrow" panose="020B0606020202030204" pitchFamily="34" charset="0"/>
+              </a:rPr>
+              <a:t>Considerations/Constraints</a:t>
+            </a:r>
+          </a:p>
+        </p:txBody>
+      </p:sp>
+    </p:spTree>
+    <p:extLst>
+      <p:ext uri="{BB962C8B-B14F-4D97-AF65-F5344CB8AC3E}">
+        <p14:creationId xmlns:p14="http://schemas.microsoft.com/office/powerpoint/2010/main" val="3808739423"/>
+      </p:ext>
+    </p:extLst>
+  </p:cSld>
+  <p:clrMapOvr>
+    <a:masterClrMapping/>
+  </p:clrMapOvr>
+</p:sld>
+</file>
+
+<file path=ppt/slides/slide5.xml><?xml version="1.0" encoding="utf-8"?>
+<p:sld xmlns:a="http://schemas.openxmlformats.org/drawingml/2006/main" xmlns:r="http://schemas.openxmlformats.org/officeDocument/2006/relationships" xmlns:p="http://schemas.openxmlformats.org/presentationml/2006/main">
+  <p:cSld>
+    <p:spTree>
+      <p:nvGrpSpPr>
+        <p:cNvPr id="1" name=""/>
+        <p:cNvGrpSpPr/>
+        <p:nvPr/>
+      </p:nvGrpSpPr>
+      <p:grpSpPr>
+        <a:xfrm>
+          <a:off x="0" y="0"/>
+          <a:ext cx="0" cy="0"/>
+          <a:chOff x="0" y="0"/>
+          <a:chExt cx="0" cy="0"/>
+        </a:xfrm>
+      </p:grpSpPr>
+      <p:grpSp>
+        <p:nvGrpSpPr>
+          <p:cNvPr id="2" name="Group 1">
+            <a:extLst>
+              <a:ext uri="{FF2B5EF4-FFF2-40B4-BE49-F238E27FC236}">
+                <a16:creationId xmlns:a16="http://schemas.microsoft.com/office/drawing/2014/main" id="{8ECE2E0F-8975-487C-95F6-3EBE92555853}"/>
+              </a:ext>
+            </a:extLst>
+          </p:cNvPr>
+          <p:cNvGrpSpPr/>
+          <p:nvPr/>
+        </p:nvGrpSpPr>
+        <p:grpSpPr>
+          <a:xfrm>
+            <a:off x="414604" y="159087"/>
+            <a:ext cx="6956439" cy="5168226"/>
+            <a:chOff x="309683" y="264868"/>
+            <a:chExt cx="11581988" cy="8604738"/>
+          </a:xfrm>
+        </p:grpSpPr>
+        <p:sp>
+          <p:nvSpPr>
+            <p:cNvPr id="4" name="Rectangle 3">
+              <a:extLst>
+                <a:ext uri="{FF2B5EF4-FFF2-40B4-BE49-F238E27FC236}">
+                  <a16:creationId xmlns:a16="http://schemas.microsoft.com/office/drawing/2014/main" id="{8CCD7914-C75B-4FD6-B79C-8EED79287865}"/>
+                </a:ext>
+              </a:extLst>
+            </p:cNvPr>
+            <p:cNvSpPr/>
+            <p:nvPr/>
+          </p:nvSpPr>
+          <p:spPr>
+            <a:xfrm>
+              <a:off x="310173" y="264868"/>
+              <a:ext cx="11558464" cy="8604738"/>
+            </a:xfrm>
+            <a:prstGeom prst="rect">
+              <a:avLst/>
+            </a:prstGeom>
+            <a:noFill/>
+            <a:ln>
+              <a:solidFill>
+                <a:schemeClr val="tx1"/>
+              </a:solidFill>
+            </a:ln>
+          </p:spPr>
+          <p:style>
+            <a:lnRef idx="2">
+              <a:schemeClr val="accent1">
+                <a:shade val="50000"/>
+              </a:schemeClr>
+            </a:lnRef>
+            <a:fillRef idx="1">
+              <a:schemeClr val="accent1"/>
+            </a:fillRef>
+            <a:effectRef idx="0">
+              <a:schemeClr val="accent1"/>
+            </a:effectRef>
+            <a:fontRef idx="minor">
+              <a:schemeClr val="lt1"/>
+            </a:fontRef>
+          </p:style>
+          <p:txBody>
+            <a:bodyPr rtlCol="0" anchor="ctr"/>
+            <a:lstStyle/>
+            <a:p>
+              <a:pPr algn="ctr" defTabSz="274594"/>
+              <a:endParaRPr lang="en-US" sz="1081">
+                <a:solidFill>
+                  <a:prstClr val="white"/>
+                </a:solidFill>
+                <a:latin typeface="Calibri" panose="020F0502020204030204"/>
+              </a:endParaRPr>
+            </a:p>
+          </p:txBody>
+        </p:sp>
+        <p:sp>
+          <p:nvSpPr>
+            <p:cNvPr id="5" name="Rectangle 4">
+              <a:extLst>
+                <a:ext uri="{FF2B5EF4-FFF2-40B4-BE49-F238E27FC236}">
+                  <a16:creationId xmlns:a16="http://schemas.microsoft.com/office/drawing/2014/main" id="{816E429F-B1F9-4840-9868-2AC2BE846FFA}"/>
+                </a:ext>
+              </a:extLst>
+            </p:cNvPr>
+            <p:cNvSpPr/>
+            <p:nvPr/>
+          </p:nvSpPr>
+          <p:spPr>
+            <a:xfrm>
+              <a:off x="310173" y="264868"/>
+              <a:ext cx="5779477" cy="1153624"/>
+            </a:xfrm>
+            <a:prstGeom prst="rect">
+              <a:avLst/>
+            </a:prstGeom>
+            <a:noFill/>
+            <a:ln w="38100">
+              <a:solidFill>
+                <a:schemeClr val="tx1"/>
+              </a:solidFill>
+            </a:ln>
+          </p:spPr>
+          <p:style>
+            <a:lnRef idx="2">
+              <a:schemeClr val="accent1">
+                <a:shade val="50000"/>
+              </a:schemeClr>
+            </a:lnRef>
+            <a:fillRef idx="1">
+              <a:schemeClr val="accent1"/>
+            </a:fillRef>
+            <a:effectRef idx="0">
+              <a:schemeClr val="accent1"/>
+            </a:effectRef>
+            <a:fontRef idx="minor">
+              <a:schemeClr val="lt1"/>
+            </a:fontRef>
+          </p:style>
+          <p:txBody>
+            <a:bodyPr rtlCol="0" anchor="ctr"/>
+            <a:lstStyle/>
+            <a:p>
+              <a:pPr algn="ctr" defTabSz="274594"/>
+              <a:endParaRPr lang="en-US" sz="1081">
+                <a:solidFill>
+                  <a:prstClr val="white"/>
+                </a:solidFill>
+                <a:latin typeface="Calibri" panose="020F0502020204030204"/>
+              </a:endParaRPr>
+            </a:p>
+          </p:txBody>
+        </p:sp>
+        <p:sp>
+          <p:nvSpPr>
+            <p:cNvPr id="6" name="Rectangle 5">
+              <a:extLst>
+                <a:ext uri="{FF2B5EF4-FFF2-40B4-BE49-F238E27FC236}">
+                  <a16:creationId xmlns:a16="http://schemas.microsoft.com/office/drawing/2014/main" id="{0AE9C2C1-DB3C-4830-A45F-A99AB3E48DF2}"/>
+                </a:ext>
+              </a:extLst>
+            </p:cNvPr>
+            <p:cNvSpPr/>
+            <p:nvPr/>
+          </p:nvSpPr>
+          <p:spPr>
+            <a:xfrm>
+              <a:off x="6089650" y="264868"/>
+              <a:ext cx="5779477" cy="1153624"/>
+            </a:xfrm>
+            <a:prstGeom prst="rect">
+              <a:avLst/>
+            </a:prstGeom>
+            <a:noFill/>
+            <a:ln w="38100">
+              <a:solidFill>
+                <a:schemeClr val="tx1"/>
+              </a:solidFill>
+            </a:ln>
+          </p:spPr>
+          <p:style>
+            <a:lnRef idx="2">
+              <a:schemeClr val="accent1">
+                <a:shade val="50000"/>
+              </a:schemeClr>
+            </a:lnRef>
+            <a:fillRef idx="1">
+              <a:schemeClr val="accent1"/>
+            </a:fillRef>
+            <a:effectRef idx="0">
+              <a:schemeClr val="accent1"/>
+            </a:effectRef>
+            <a:fontRef idx="minor">
+              <a:schemeClr val="lt1"/>
+            </a:fontRef>
+          </p:style>
+          <p:txBody>
+            <a:bodyPr rtlCol="0" anchor="ctr"/>
+            <a:lstStyle/>
+            <a:p>
+              <a:pPr algn="ctr" defTabSz="274594"/>
+              <a:endParaRPr lang="en-US" sz="1081">
+                <a:solidFill>
+                  <a:prstClr val="white"/>
+                </a:solidFill>
+                <a:latin typeface="Calibri" panose="020F0502020204030204"/>
+              </a:endParaRPr>
+            </a:p>
+          </p:txBody>
+        </p:sp>
+        <p:sp>
+          <p:nvSpPr>
+            <p:cNvPr id="7" name="Rectangle 6">
+              <a:extLst>
+                <a:ext uri="{FF2B5EF4-FFF2-40B4-BE49-F238E27FC236}">
+                  <a16:creationId xmlns:a16="http://schemas.microsoft.com/office/drawing/2014/main" id="{33E5824A-6750-4878-AAE8-A16A2EBA7341}"/>
+                </a:ext>
+              </a:extLst>
+            </p:cNvPr>
+            <p:cNvSpPr/>
+            <p:nvPr/>
+          </p:nvSpPr>
+          <p:spPr>
+            <a:xfrm>
+              <a:off x="310173" y="1418491"/>
+              <a:ext cx="5779477" cy="5533291"/>
+            </a:xfrm>
+            <a:prstGeom prst="rect">
+              <a:avLst/>
+            </a:prstGeom>
+            <a:noFill/>
+            <a:ln w="38100">
+              <a:solidFill>
+                <a:schemeClr val="tx1"/>
+              </a:solidFill>
+            </a:ln>
+          </p:spPr>
+          <p:style>
+            <a:lnRef idx="2">
+              <a:schemeClr val="accent1">
+                <a:shade val="50000"/>
+              </a:schemeClr>
+            </a:lnRef>
+            <a:fillRef idx="1">
+              <a:schemeClr val="accent1"/>
+            </a:fillRef>
+            <a:effectRef idx="0">
+              <a:schemeClr val="accent1"/>
+            </a:effectRef>
+            <a:fontRef idx="minor">
+              <a:schemeClr val="lt1"/>
+            </a:fontRef>
+          </p:style>
+          <p:txBody>
+            <a:bodyPr rtlCol="0" anchor="ctr"/>
+            <a:lstStyle/>
+            <a:p>
+              <a:pPr algn="ctr" defTabSz="274594"/>
+              <a:endParaRPr lang="en-US" sz="1081">
+                <a:solidFill>
+                  <a:prstClr val="white"/>
+                </a:solidFill>
+                <a:latin typeface="Calibri" panose="020F0502020204030204"/>
+              </a:endParaRPr>
+            </a:p>
+          </p:txBody>
+        </p:sp>
+        <p:sp>
+          <p:nvSpPr>
+            <p:cNvPr id="8" name="Rectangle 7">
+              <a:extLst>
+                <a:ext uri="{FF2B5EF4-FFF2-40B4-BE49-F238E27FC236}">
+                  <a16:creationId xmlns:a16="http://schemas.microsoft.com/office/drawing/2014/main" id="{D0A17644-B407-4901-8E1F-C80F461D9C73}"/>
+                </a:ext>
+              </a:extLst>
+            </p:cNvPr>
+            <p:cNvSpPr/>
+            <p:nvPr/>
+          </p:nvSpPr>
+          <p:spPr>
+            <a:xfrm>
+              <a:off x="6089650" y="1418491"/>
+              <a:ext cx="2890228" cy="5533291"/>
+            </a:xfrm>
+            <a:prstGeom prst="rect">
+              <a:avLst/>
+            </a:prstGeom>
+            <a:noFill/>
+            <a:ln w="38100">
+              <a:solidFill>
+                <a:schemeClr val="tx1"/>
+              </a:solidFill>
+            </a:ln>
+          </p:spPr>
+          <p:style>
+            <a:lnRef idx="2">
+              <a:schemeClr val="accent1">
+                <a:shade val="50000"/>
+              </a:schemeClr>
+            </a:lnRef>
+            <a:fillRef idx="1">
+              <a:schemeClr val="accent1"/>
+            </a:fillRef>
+            <a:effectRef idx="0">
+              <a:schemeClr val="accent1"/>
+            </a:effectRef>
+            <a:fontRef idx="minor">
+              <a:schemeClr val="lt1"/>
+            </a:fontRef>
+          </p:style>
+          <p:txBody>
+            <a:bodyPr rtlCol="0" anchor="ctr"/>
+            <a:lstStyle/>
+            <a:p>
+              <a:pPr algn="ctr" defTabSz="274594"/>
+              <a:endParaRPr lang="en-US" sz="1081">
+                <a:solidFill>
+                  <a:prstClr val="white"/>
+                </a:solidFill>
+                <a:latin typeface="Calibri" panose="020F0502020204030204"/>
+              </a:endParaRPr>
+            </a:p>
+          </p:txBody>
+        </p:sp>
+        <p:sp>
+          <p:nvSpPr>
+            <p:cNvPr id="9" name="Rectangle 8">
+              <a:extLst>
+                <a:ext uri="{FF2B5EF4-FFF2-40B4-BE49-F238E27FC236}">
+                  <a16:creationId xmlns:a16="http://schemas.microsoft.com/office/drawing/2014/main" id="{FACF6FEB-34A6-43FA-9FD3-EAD709611D77}"/>
+                </a:ext>
+              </a:extLst>
+            </p:cNvPr>
+            <p:cNvSpPr/>
+            <p:nvPr/>
+          </p:nvSpPr>
+          <p:spPr>
+            <a:xfrm>
+              <a:off x="8979388" y="1418491"/>
+              <a:ext cx="2884351" cy="3456510"/>
+            </a:xfrm>
+            <a:prstGeom prst="rect">
+              <a:avLst/>
+            </a:prstGeom>
+            <a:noFill/>
+            <a:ln w="38100">
+              <a:solidFill>
+                <a:schemeClr val="tx1"/>
+              </a:solidFill>
+            </a:ln>
+          </p:spPr>
+          <p:style>
+            <a:lnRef idx="2">
+              <a:schemeClr val="accent1">
+                <a:shade val="50000"/>
+              </a:schemeClr>
+            </a:lnRef>
+            <a:fillRef idx="1">
+              <a:schemeClr val="accent1"/>
+            </a:fillRef>
+            <a:effectRef idx="0">
+              <a:schemeClr val="accent1"/>
+            </a:effectRef>
+            <a:fontRef idx="minor">
+              <a:schemeClr val="lt1"/>
+            </a:fontRef>
+          </p:style>
+          <p:txBody>
+            <a:bodyPr rtlCol="0" anchor="ctr"/>
+            <a:lstStyle/>
+            <a:p>
+              <a:pPr algn="ctr" defTabSz="274594"/>
+              <a:endParaRPr lang="en-US" sz="1081">
+                <a:solidFill>
+                  <a:prstClr val="white"/>
+                </a:solidFill>
+                <a:latin typeface="Calibri" panose="020F0502020204030204"/>
+              </a:endParaRPr>
+            </a:p>
+          </p:txBody>
+        </p:sp>
+        <p:sp>
+          <p:nvSpPr>
+            <p:cNvPr id="10" name="Rectangle 9">
+              <a:extLst>
+                <a:ext uri="{FF2B5EF4-FFF2-40B4-BE49-F238E27FC236}">
+                  <a16:creationId xmlns:a16="http://schemas.microsoft.com/office/drawing/2014/main" id="{22603B43-1658-4F13-896D-B1A7009EC8A3}"/>
+                </a:ext>
+              </a:extLst>
+            </p:cNvPr>
+            <p:cNvSpPr/>
+            <p:nvPr/>
+          </p:nvSpPr>
+          <p:spPr>
+            <a:xfrm>
+              <a:off x="8978409" y="4875007"/>
+              <a:ext cx="2890228" cy="2076776"/>
+            </a:xfrm>
+            <a:prstGeom prst="rect">
+              <a:avLst/>
+            </a:prstGeom>
+            <a:noFill/>
+            <a:ln w="38100">
+              <a:solidFill>
+                <a:schemeClr val="tx1"/>
+              </a:solidFill>
+            </a:ln>
+          </p:spPr>
+          <p:style>
+            <a:lnRef idx="2">
+              <a:schemeClr val="accent1">
+                <a:shade val="50000"/>
+              </a:schemeClr>
+            </a:lnRef>
+            <a:fillRef idx="1">
+              <a:schemeClr val="accent1"/>
+            </a:fillRef>
+            <a:effectRef idx="0">
+              <a:schemeClr val="accent1"/>
+            </a:effectRef>
+            <a:fontRef idx="minor">
+              <a:schemeClr val="lt1"/>
+            </a:fontRef>
+          </p:style>
+          <p:txBody>
+            <a:bodyPr rtlCol="0" anchor="ctr"/>
+            <a:lstStyle/>
+            <a:p>
+              <a:pPr algn="ctr" defTabSz="274594"/>
+              <a:endParaRPr lang="en-US" sz="1081">
+                <a:solidFill>
+                  <a:prstClr val="white"/>
+                </a:solidFill>
+                <a:latin typeface="Calibri" panose="020F0502020204030204"/>
+              </a:endParaRPr>
+            </a:p>
+          </p:txBody>
+        </p:sp>
+        <p:sp>
+          <p:nvSpPr>
+            <p:cNvPr id="11" name="Rectangle 10">
+              <a:extLst>
+                <a:ext uri="{FF2B5EF4-FFF2-40B4-BE49-F238E27FC236}">
+                  <a16:creationId xmlns:a16="http://schemas.microsoft.com/office/drawing/2014/main" id="{03848C3A-AAE6-4ABA-8818-AE825B8A0173}"/>
+                </a:ext>
+              </a:extLst>
+            </p:cNvPr>
+            <p:cNvSpPr/>
+            <p:nvPr/>
+          </p:nvSpPr>
+          <p:spPr>
+            <a:xfrm>
+              <a:off x="309683" y="6951784"/>
+              <a:ext cx="5779477" cy="1917822"/>
+            </a:xfrm>
+            <a:prstGeom prst="rect">
+              <a:avLst/>
+            </a:prstGeom>
+            <a:noFill/>
+            <a:ln w="38100">
+              <a:solidFill>
+                <a:schemeClr val="tx1"/>
+              </a:solidFill>
+            </a:ln>
+          </p:spPr>
+          <p:style>
+            <a:lnRef idx="2">
+              <a:schemeClr val="accent1">
+                <a:shade val="50000"/>
+              </a:schemeClr>
+            </a:lnRef>
+            <a:fillRef idx="1">
+              <a:schemeClr val="accent1"/>
+            </a:fillRef>
+            <a:effectRef idx="0">
+              <a:schemeClr val="accent1"/>
+            </a:effectRef>
+            <a:fontRef idx="minor">
+              <a:schemeClr val="lt1"/>
+            </a:fontRef>
+          </p:style>
+          <p:txBody>
+            <a:bodyPr rtlCol="0" anchor="ctr"/>
+            <a:lstStyle/>
+            <a:p>
+              <a:pPr algn="ctr" defTabSz="274594"/>
+              <a:endParaRPr lang="en-US" sz="1081">
+                <a:solidFill>
+                  <a:prstClr val="white"/>
+                </a:solidFill>
+                <a:latin typeface="Calibri" panose="020F0502020204030204"/>
+              </a:endParaRPr>
+            </a:p>
+          </p:txBody>
+        </p:sp>
+        <p:sp>
+          <p:nvSpPr>
+            <p:cNvPr id="12" name="Rectangle 11">
+              <a:extLst>
+                <a:ext uri="{FF2B5EF4-FFF2-40B4-BE49-F238E27FC236}">
+                  <a16:creationId xmlns:a16="http://schemas.microsoft.com/office/drawing/2014/main" id="{1CE1C139-31EF-4C6A-A380-FCA3C071BE35}"/>
+                </a:ext>
+              </a:extLst>
+            </p:cNvPr>
+            <p:cNvSpPr/>
+            <p:nvPr/>
+          </p:nvSpPr>
+          <p:spPr>
+            <a:xfrm>
+              <a:off x="8978409" y="6951784"/>
+              <a:ext cx="2890718" cy="1917821"/>
+            </a:xfrm>
+            <a:prstGeom prst="rect">
+              <a:avLst/>
+            </a:prstGeom>
+            <a:noFill/>
+            <a:ln w="38100">
+              <a:solidFill>
+                <a:schemeClr val="tx1"/>
+              </a:solidFill>
+            </a:ln>
+          </p:spPr>
+          <p:style>
+            <a:lnRef idx="2">
+              <a:schemeClr val="accent1">
+                <a:shade val="50000"/>
+              </a:schemeClr>
+            </a:lnRef>
+            <a:fillRef idx="1">
+              <a:schemeClr val="accent1"/>
+            </a:fillRef>
+            <a:effectRef idx="0">
+              <a:schemeClr val="accent1"/>
+            </a:effectRef>
+            <a:fontRef idx="minor">
+              <a:schemeClr val="lt1"/>
+            </a:fontRef>
+          </p:style>
+          <p:txBody>
+            <a:bodyPr rtlCol="0" anchor="ctr"/>
+            <a:lstStyle/>
+            <a:p>
+              <a:pPr algn="ctr" defTabSz="274594"/>
+              <a:endParaRPr lang="en-US" sz="1081">
+                <a:solidFill>
+                  <a:prstClr val="white"/>
+                </a:solidFill>
+                <a:latin typeface="Calibri" panose="020F0502020204030204"/>
+              </a:endParaRPr>
+            </a:p>
+          </p:txBody>
+        </p:sp>
+        <p:sp>
+          <p:nvSpPr>
+            <p:cNvPr id="13" name="TextBox 12">
+              <a:extLst>
+                <a:ext uri="{FF2B5EF4-FFF2-40B4-BE49-F238E27FC236}">
+                  <a16:creationId xmlns:a16="http://schemas.microsoft.com/office/drawing/2014/main" id="{73BE8B11-CEBC-49AB-A52A-940E3C9F633F}"/>
+                </a:ext>
+              </a:extLst>
+            </p:cNvPr>
+            <p:cNvSpPr txBox="1"/>
+            <p:nvPr/>
+          </p:nvSpPr>
+          <p:spPr>
+            <a:xfrm>
+              <a:off x="311643" y="487737"/>
+              <a:ext cx="5781436" cy="646193"/>
+            </a:xfrm>
+            <a:prstGeom prst="rect">
+              <a:avLst/>
+            </a:prstGeom>
+            <a:noFill/>
+          </p:spPr>
+          <p:txBody>
+            <a:bodyPr wrap="square" rtlCol="0">
+              <a:spAutoFit/>
+            </a:bodyPr>
+            <a:lstStyle/>
+            <a:p>
+              <a:pPr algn="ctr" defTabSz="274594"/>
+              <a:r>
+                <a:rPr lang="en-US" sz="1922" b="1" dirty="0">
+                  <a:solidFill>
+                    <a:prstClr val="black"/>
+                  </a:solidFill>
+                  <a:latin typeface="Arial Narrow" panose="020B0606020202030204" pitchFamily="34" charset="0"/>
+                </a:rPr>
+                <a:t>Vision</a:t>
+              </a:r>
+            </a:p>
+          </p:txBody>
+        </p:sp>
+        <p:sp>
+          <p:nvSpPr>
+            <p:cNvPr id="14" name="TextBox 13">
+              <a:extLst>
+                <a:ext uri="{FF2B5EF4-FFF2-40B4-BE49-F238E27FC236}">
+                  <a16:creationId xmlns:a16="http://schemas.microsoft.com/office/drawing/2014/main" id="{17C641B2-6E18-4D1A-9E91-B59DB236992D}"/>
+                </a:ext>
+              </a:extLst>
+            </p:cNvPr>
+            <p:cNvSpPr txBox="1"/>
+            <p:nvPr/>
+          </p:nvSpPr>
+          <p:spPr>
+            <a:xfrm>
+              <a:off x="6086221" y="487731"/>
+              <a:ext cx="5774579" cy="646193"/>
+            </a:xfrm>
+            <a:prstGeom prst="rect">
+              <a:avLst/>
+            </a:prstGeom>
+            <a:noFill/>
+          </p:spPr>
+          <p:txBody>
+            <a:bodyPr wrap="square" rtlCol="0">
+              <a:spAutoFit/>
+            </a:bodyPr>
+            <a:lstStyle/>
+            <a:p>
+              <a:pPr algn="ctr" defTabSz="274594"/>
+              <a:r>
+                <a:rPr lang="en-US" sz="1922" b="1" dirty="0">
+                  <a:solidFill>
+                    <a:prstClr val="black"/>
+                  </a:solidFill>
+                  <a:latin typeface="Arial Narrow" panose="020B0606020202030204" pitchFamily="34" charset="0"/>
+                </a:rPr>
+                <a:t>Scope</a:t>
+              </a:r>
+            </a:p>
+          </p:txBody>
+        </p:sp>
+        <p:sp>
+          <p:nvSpPr>
+            <p:cNvPr id="15" name="TextBox 14">
+              <a:extLst>
+                <a:ext uri="{FF2B5EF4-FFF2-40B4-BE49-F238E27FC236}">
+                  <a16:creationId xmlns:a16="http://schemas.microsoft.com/office/drawing/2014/main" id="{148F6FDF-17F1-42B1-B428-EF04E6182778}"/>
+                </a:ext>
+              </a:extLst>
+            </p:cNvPr>
+            <p:cNvSpPr txBox="1"/>
+            <p:nvPr/>
+          </p:nvSpPr>
+          <p:spPr>
+            <a:xfrm>
+              <a:off x="315560" y="3719759"/>
+              <a:ext cx="5783396" cy="646193"/>
+            </a:xfrm>
+            <a:prstGeom prst="rect">
+              <a:avLst/>
+            </a:prstGeom>
+            <a:noFill/>
+          </p:spPr>
+          <p:txBody>
+            <a:bodyPr wrap="square" rtlCol="0">
+              <a:spAutoFit/>
+            </a:bodyPr>
+            <a:lstStyle/>
+            <a:p>
+              <a:pPr algn="ctr" defTabSz="274594"/>
+              <a:r>
+                <a:rPr lang="en-US" sz="1922" b="1" dirty="0">
+                  <a:solidFill>
+                    <a:prstClr val="black"/>
+                  </a:solidFill>
+                  <a:latin typeface="Arial Narrow" panose="020B0606020202030204" pitchFamily="34" charset="0"/>
+                </a:rPr>
+                <a:t>Map It!</a:t>
+              </a:r>
+            </a:p>
+          </p:txBody>
+        </p:sp>
+        <p:sp>
+          <p:nvSpPr>
+            <p:cNvPr id="16" name="TextBox 15">
+              <a:extLst>
+                <a:ext uri="{FF2B5EF4-FFF2-40B4-BE49-F238E27FC236}">
+                  <a16:creationId xmlns:a16="http://schemas.microsoft.com/office/drawing/2014/main" id="{5D405C5B-121F-4318-8791-94D0C6382F06}"/>
+                </a:ext>
+              </a:extLst>
+            </p:cNvPr>
+            <p:cNvSpPr txBox="1"/>
+            <p:nvPr/>
+          </p:nvSpPr>
+          <p:spPr>
+            <a:xfrm>
+              <a:off x="6082057" y="3719759"/>
+              <a:ext cx="2888759" cy="646193"/>
+            </a:xfrm>
+            <a:prstGeom prst="rect">
+              <a:avLst/>
+            </a:prstGeom>
+            <a:noFill/>
+          </p:spPr>
+          <p:txBody>
+            <a:bodyPr wrap="square" rtlCol="0">
+              <a:spAutoFit/>
+            </a:bodyPr>
+            <a:lstStyle/>
+            <a:p>
+              <a:pPr algn="ctr" defTabSz="274594"/>
+              <a:r>
+                <a:rPr lang="en-US" sz="1922" b="1" dirty="0">
+                  <a:solidFill>
+                    <a:prstClr val="black"/>
+                  </a:solidFill>
+                  <a:latin typeface="Arial Narrow" panose="020B0606020202030204" pitchFamily="34" charset="0"/>
+                </a:rPr>
+                <a:t>Stakeholders</a:t>
+              </a:r>
+            </a:p>
+          </p:txBody>
+        </p:sp>
+        <p:sp>
+          <p:nvSpPr>
+            <p:cNvPr id="17" name="TextBox 16">
+              <a:extLst>
+                <a:ext uri="{FF2B5EF4-FFF2-40B4-BE49-F238E27FC236}">
+                  <a16:creationId xmlns:a16="http://schemas.microsoft.com/office/drawing/2014/main" id="{831D5CC7-6242-4D15-903A-9B774CFF1192}"/>
+                </a:ext>
+              </a:extLst>
+            </p:cNvPr>
+            <p:cNvSpPr txBox="1"/>
+            <p:nvPr/>
+          </p:nvSpPr>
+          <p:spPr>
+            <a:xfrm>
+              <a:off x="8970817" y="2629163"/>
+              <a:ext cx="2881903" cy="646193"/>
+            </a:xfrm>
+            <a:prstGeom prst="rect">
+              <a:avLst/>
+            </a:prstGeom>
+            <a:noFill/>
+          </p:spPr>
+          <p:txBody>
+            <a:bodyPr wrap="square" rtlCol="0">
+              <a:spAutoFit/>
+            </a:bodyPr>
+            <a:lstStyle/>
+            <a:p>
+              <a:pPr algn="ctr" defTabSz="274594"/>
+              <a:r>
+                <a:rPr lang="en-US" sz="1922" b="1" dirty="0">
+                  <a:solidFill>
+                    <a:prstClr val="black"/>
+                  </a:solidFill>
+                  <a:latin typeface="Arial Narrow" panose="020B0606020202030204" pitchFamily="34" charset="0"/>
+                </a:rPr>
+                <a:t>Problems</a:t>
+              </a:r>
+            </a:p>
+          </p:txBody>
+        </p:sp>
+        <p:sp>
+          <p:nvSpPr>
+            <p:cNvPr id="18" name="TextBox 17">
+              <a:extLst>
+                <a:ext uri="{FF2B5EF4-FFF2-40B4-BE49-F238E27FC236}">
+                  <a16:creationId xmlns:a16="http://schemas.microsoft.com/office/drawing/2014/main" id="{A6BEC266-0CA0-4043-A57C-7E1900C9D8BF}"/>
+                </a:ext>
+              </a:extLst>
+            </p:cNvPr>
+            <p:cNvSpPr txBox="1"/>
+            <p:nvPr/>
+          </p:nvSpPr>
+          <p:spPr>
+            <a:xfrm>
+              <a:off x="8987471" y="5559447"/>
+              <a:ext cx="2888759" cy="646193"/>
+            </a:xfrm>
+            <a:prstGeom prst="rect">
+              <a:avLst/>
+            </a:prstGeom>
+            <a:noFill/>
+          </p:spPr>
+          <p:txBody>
+            <a:bodyPr wrap="square" rtlCol="0">
+              <a:spAutoFit/>
+            </a:bodyPr>
+            <a:lstStyle/>
+            <a:p>
+              <a:pPr algn="ctr" defTabSz="274594"/>
+              <a:r>
+                <a:rPr lang="en-US" sz="1922" b="1" dirty="0">
+                  <a:solidFill>
+                    <a:prstClr val="black"/>
+                  </a:solidFill>
+                  <a:latin typeface="Arial Narrow" panose="020B0606020202030204" pitchFamily="34" charset="0"/>
+                </a:rPr>
+                <a:t>Alternatives</a:t>
+              </a:r>
+            </a:p>
+          </p:txBody>
+        </p:sp>
+        <p:sp>
+          <p:nvSpPr>
+            <p:cNvPr id="19" name="TextBox 18">
+              <a:extLst>
+                <a:ext uri="{FF2B5EF4-FFF2-40B4-BE49-F238E27FC236}">
+                  <a16:creationId xmlns:a16="http://schemas.microsoft.com/office/drawing/2014/main" id="{CE3B857B-B912-4720-882F-A517D46800A7}"/>
+                </a:ext>
+              </a:extLst>
+            </p:cNvPr>
+            <p:cNvSpPr txBox="1"/>
+            <p:nvPr/>
+          </p:nvSpPr>
+          <p:spPr>
+            <a:xfrm>
+              <a:off x="333322" y="7636315"/>
+              <a:ext cx="5769437" cy="646193"/>
+            </a:xfrm>
+            <a:prstGeom prst="rect">
+              <a:avLst/>
+            </a:prstGeom>
+            <a:noFill/>
+          </p:spPr>
+          <p:txBody>
+            <a:bodyPr wrap="square" rtlCol="0">
+              <a:spAutoFit/>
+            </a:bodyPr>
+            <a:lstStyle/>
+            <a:p>
+              <a:pPr algn="ctr" defTabSz="274594"/>
+              <a:r>
+                <a:rPr lang="en-US" sz="1922" b="1" dirty="0">
+                  <a:solidFill>
+                    <a:prstClr val="black"/>
+                  </a:solidFill>
+                  <a:latin typeface="Arial Narrow" panose="020B0606020202030204" pitchFamily="34" charset="0"/>
+                </a:rPr>
+                <a:t>How Might We?</a:t>
+              </a:r>
+            </a:p>
+          </p:txBody>
+        </p:sp>
+        <p:sp>
+          <p:nvSpPr>
+            <p:cNvPr id="20" name="TextBox 19">
+              <a:extLst>
+                <a:ext uri="{FF2B5EF4-FFF2-40B4-BE49-F238E27FC236}">
+                  <a16:creationId xmlns:a16="http://schemas.microsoft.com/office/drawing/2014/main" id="{38B94906-867E-42D4-9B02-712147D44CF2}"/>
+                </a:ext>
+              </a:extLst>
+            </p:cNvPr>
+            <p:cNvSpPr txBox="1"/>
+            <p:nvPr/>
+          </p:nvSpPr>
+          <p:spPr>
+            <a:xfrm>
+              <a:off x="9009768" y="7372086"/>
+              <a:ext cx="2881903" cy="1138654"/>
+            </a:xfrm>
+            <a:prstGeom prst="rect">
+              <a:avLst/>
+            </a:prstGeom>
+            <a:noFill/>
+          </p:spPr>
+          <p:txBody>
+            <a:bodyPr wrap="square" rtlCol="0">
+              <a:spAutoFit/>
+            </a:bodyPr>
+            <a:lstStyle/>
+            <a:p>
+              <a:pPr algn="ctr" defTabSz="274594"/>
+              <a:r>
+                <a:rPr lang="en-US" sz="1922" b="1" dirty="0">
+                  <a:solidFill>
+                    <a:prstClr val="black"/>
+                  </a:solidFill>
+                  <a:latin typeface="Arial Narrow" panose="020B0606020202030204" pitchFamily="34" charset="0"/>
+                </a:rPr>
+                <a:t>Research Questions</a:t>
+              </a:r>
+            </a:p>
+          </p:txBody>
+        </p:sp>
+        <p:sp>
+          <p:nvSpPr>
+            <p:cNvPr id="21" name="Rectangle 20">
+              <a:extLst>
+                <a:ext uri="{FF2B5EF4-FFF2-40B4-BE49-F238E27FC236}">
+                  <a16:creationId xmlns:a16="http://schemas.microsoft.com/office/drawing/2014/main" id="{1A25DD77-6805-408C-908C-A6DF37E2A945}"/>
+                </a:ext>
+              </a:extLst>
+            </p:cNvPr>
+            <p:cNvSpPr/>
+            <p:nvPr/>
+          </p:nvSpPr>
+          <p:spPr>
+            <a:xfrm>
+              <a:off x="6088180" y="6951784"/>
+              <a:ext cx="2889740" cy="1917821"/>
+            </a:xfrm>
+            <a:prstGeom prst="rect">
+              <a:avLst/>
+            </a:prstGeom>
+            <a:noFill/>
+            <a:ln w="38100">
+              <a:solidFill>
+                <a:schemeClr val="tx1"/>
+              </a:solidFill>
+            </a:ln>
+          </p:spPr>
+          <p:style>
+            <a:lnRef idx="2">
+              <a:schemeClr val="accent1">
+                <a:shade val="50000"/>
+              </a:schemeClr>
+            </a:lnRef>
+            <a:fillRef idx="1">
+              <a:schemeClr val="accent1"/>
+            </a:fillRef>
+            <a:effectRef idx="0">
+              <a:schemeClr val="accent1"/>
+            </a:effectRef>
+            <a:fontRef idx="minor">
+              <a:schemeClr val="lt1"/>
+            </a:fontRef>
+          </p:style>
+          <p:txBody>
+            <a:bodyPr rtlCol="0" anchor="ctr"/>
+            <a:lstStyle/>
+            <a:p>
+              <a:pPr algn="ctr" defTabSz="274594"/>
+              <a:endParaRPr lang="en-US" sz="1081">
+                <a:solidFill>
+                  <a:prstClr val="white"/>
+                </a:solidFill>
+                <a:latin typeface="Calibri" panose="020F0502020204030204"/>
+              </a:endParaRPr>
+            </a:p>
+          </p:txBody>
+        </p:sp>
+        <p:sp>
+          <p:nvSpPr>
+            <p:cNvPr id="22" name="TextBox 21">
+              <a:extLst>
+                <a:ext uri="{FF2B5EF4-FFF2-40B4-BE49-F238E27FC236}">
+                  <a16:creationId xmlns:a16="http://schemas.microsoft.com/office/drawing/2014/main" id="{B75C828D-C4EF-492F-BC90-24F17EF7FE73}"/>
+                </a:ext>
+              </a:extLst>
+            </p:cNvPr>
+            <p:cNvSpPr txBox="1"/>
+            <p:nvPr/>
+          </p:nvSpPr>
+          <p:spPr>
+            <a:xfrm>
+              <a:off x="6089405" y="7372086"/>
+              <a:ext cx="2901250" cy="1138654"/>
+            </a:xfrm>
+            <a:prstGeom prst="rect">
+              <a:avLst/>
+            </a:prstGeom>
+            <a:noFill/>
+          </p:spPr>
+          <p:txBody>
+            <a:bodyPr wrap="square" rtlCol="0">
+              <a:spAutoFit/>
+            </a:bodyPr>
+            <a:lstStyle/>
+            <a:p>
+              <a:pPr algn="ctr" defTabSz="274594"/>
+              <a:r>
+                <a:rPr lang="en-US" sz="1922" b="1" dirty="0">
+                  <a:solidFill>
+                    <a:prstClr val="black"/>
+                  </a:solidFill>
+                  <a:latin typeface="Arial Narrow" panose="020B0606020202030204" pitchFamily="34" charset="0"/>
+                </a:rPr>
+                <a:t>Considerations/</a:t>
+              </a:r>
+            </a:p>
+            <a:p>
+              <a:pPr algn="ctr" defTabSz="274594"/>
+              <a:r>
+                <a:rPr lang="en-US" sz="1922" b="1" dirty="0">
+                  <a:solidFill>
+                    <a:prstClr val="black"/>
+                  </a:solidFill>
+                  <a:latin typeface="Arial Narrow" panose="020B0606020202030204" pitchFamily="34" charset="0"/>
+                </a:rPr>
+                <a:t>Constraints</a:t>
+              </a:r>
+            </a:p>
+          </p:txBody>
+        </p:sp>
+      </p:grpSp>
+    </p:spTree>
+    <p:extLst>
+      <p:ext uri="{BB962C8B-B14F-4D97-AF65-F5344CB8AC3E}">
+        <p14:creationId xmlns:p14="http://schemas.microsoft.com/office/powerpoint/2010/main" val="552694935"/>
+      </p:ext>
+    </p:extLst>
+  </p:cSld>
+  <p:clrMapOvr>
+    <a:masterClrMapping/>
+  </p:clrMapOvr>
+</p:sld>
+</file>
+
+<file path=ppt/slides/slide6.xml><?xml version="1.0" encoding="utf-8"?>
+<p:sld xmlns:a="http://schemas.openxmlformats.org/drawingml/2006/main" xmlns:r="http://schemas.openxmlformats.org/officeDocument/2006/relationships" xmlns:p="http://schemas.openxmlformats.org/presentationml/2006/main">
+  <p:cSld>
+    <p:spTree>
+      <p:nvGrpSpPr>
+        <p:cNvPr id="1" name=""/>
+        <p:cNvGrpSpPr/>
+        <p:nvPr/>
+      </p:nvGrpSpPr>
+      <p:grpSpPr>
+        <a:xfrm>
+          <a:off x="0" y="0"/>
+          <a:ext cx="0" cy="0"/>
+          <a:chOff x="0" y="0"/>
+          <a:chExt cx="0" cy="0"/>
+        </a:xfrm>
+      </p:grpSpPr>
+      <p:sp>
+        <p:nvSpPr>
+          <p:cNvPr id="4" name="Rectangle 3">
+            <a:extLst>
+              <a:ext uri="{FF2B5EF4-FFF2-40B4-BE49-F238E27FC236}">
+                <a16:creationId xmlns:a16="http://schemas.microsoft.com/office/drawing/2014/main" id="{8CCD7914-C75B-4FD6-B79C-8EED79287865}"/>
+              </a:ext>
+            </a:extLst>
+          </p:cNvPr>
+          <p:cNvSpPr/>
+          <p:nvPr/>
+        </p:nvSpPr>
+        <p:spPr>
+          <a:xfrm>
+            <a:off x="414898" y="159087"/>
+            <a:ext cx="6942310" cy="5168226"/>
+          </a:xfrm>
+          <a:prstGeom prst="rect">
+            <a:avLst/>
+          </a:prstGeom>
+          <a:noFill/>
+          <a:ln>
+            <a:solidFill>
+              <a:schemeClr val="tx1"/>
+            </a:solidFill>
+          </a:ln>
+        </p:spPr>
+        <p:style>
+          <a:lnRef idx="2">
+            <a:schemeClr val="accent1">
+              <a:shade val="50000"/>
+            </a:schemeClr>
+          </a:lnRef>
+          <a:fillRef idx="1">
+            <a:schemeClr val="accent1"/>
+          </a:fillRef>
+          <a:effectRef idx="0">
+            <a:schemeClr val="accent1"/>
+          </a:effectRef>
+          <a:fontRef idx="minor">
+            <a:schemeClr val="lt1"/>
+          </a:fontRef>
+        </p:style>
+        <p:txBody>
+          <a:bodyPr rtlCol="0" anchor="ctr"/>
+          <a:lstStyle/>
+          <a:p>
+            <a:pPr algn="ctr" defTabSz="274594"/>
+            <a:endParaRPr lang="en-US" sz="1081">
+              <a:solidFill>
+                <a:prstClr val="white"/>
+              </a:solidFill>
+              <a:latin typeface="Calibri" panose="020F0502020204030204"/>
+            </a:endParaRPr>
+          </a:p>
+        </p:txBody>
+      </p:sp>
+      <p:sp>
+        <p:nvSpPr>
+          <p:cNvPr id="5" name="Rectangle 4">
+            <a:extLst>
+              <a:ext uri="{FF2B5EF4-FFF2-40B4-BE49-F238E27FC236}">
+                <a16:creationId xmlns:a16="http://schemas.microsoft.com/office/drawing/2014/main" id="{816E429F-B1F9-4840-9868-2AC2BE846FFA}"/>
+              </a:ext>
+            </a:extLst>
+          </p:cNvPr>
+          <p:cNvSpPr/>
+          <p:nvPr/>
+        </p:nvSpPr>
+        <p:spPr>
+          <a:xfrm>
+            <a:off x="414898" y="159087"/>
+            <a:ext cx="3471302" cy="692896"/>
+          </a:xfrm>
+          <a:prstGeom prst="rect">
+            <a:avLst/>
+          </a:prstGeom>
+          <a:noFill/>
+          <a:ln>
+            <a:solidFill>
+              <a:schemeClr val="tx1"/>
+            </a:solidFill>
+          </a:ln>
+        </p:spPr>
+        <p:style>
+          <a:lnRef idx="2">
+            <a:schemeClr val="accent1">
+              <a:shade val="50000"/>
+            </a:schemeClr>
+          </a:lnRef>
+          <a:fillRef idx="1">
+            <a:schemeClr val="accent1"/>
+          </a:fillRef>
+          <a:effectRef idx="0">
+            <a:schemeClr val="accent1"/>
+          </a:effectRef>
+          <a:fontRef idx="minor">
+            <a:schemeClr val="lt1"/>
+          </a:fontRef>
+        </p:style>
+        <p:txBody>
+          <a:bodyPr rtlCol="0" anchor="ctr"/>
+          <a:lstStyle/>
+          <a:p>
+            <a:pPr algn="ctr" defTabSz="274594"/>
+            <a:endParaRPr lang="en-US" sz="1081">
+              <a:solidFill>
+                <a:prstClr val="white"/>
+              </a:solidFill>
+              <a:latin typeface="Calibri" panose="020F0502020204030204"/>
+            </a:endParaRPr>
+          </a:p>
+        </p:txBody>
+      </p:sp>
+      <p:sp>
+        <p:nvSpPr>
+          <p:cNvPr id="6" name="Rectangle 5">
+            <a:extLst>
+              <a:ext uri="{FF2B5EF4-FFF2-40B4-BE49-F238E27FC236}">
+                <a16:creationId xmlns:a16="http://schemas.microsoft.com/office/drawing/2014/main" id="{0AE9C2C1-DB3C-4830-A45F-A99AB3E48DF2}"/>
+              </a:ext>
+            </a:extLst>
+          </p:cNvPr>
+          <p:cNvSpPr/>
+          <p:nvPr/>
+        </p:nvSpPr>
+        <p:spPr>
+          <a:xfrm>
+            <a:off x="3886200" y="159087"/>
+            <a:ext cx="3471302" cy="692896"/>
+          </a:xfrm>
+          <a:prstGeom prst="rect">
+            <a:avLst/>
+          </a:prstGeom>
+          <a:noFill/>
+          <a:ln>
+            <a:solidFill>
+              <a:schemeClr val="tx1"/>
+            </a:solidFill>
+          </a:ln>
+        </p:spPr>
+        <p:style>
+          <a:lnRef idx="2">
+            <a:schemeClr val="accent1">
+              <a:shade val="50000"/>
+            </a:schemeClr>
+          </a:lnRef>
+          <a:fillRef idx="1">
+            <a:schemeClr val="accent1"/>
+          </a:fillRef>
+          <a:effectRef idx="0">
+            <a:schemeClr val="accent1"/>
+          </a:effectRef>
+          <a:fontRef idx="minor">
+            <a:schemeClr val="lt1"/>
+          </a:fontRef>
+        </p:style>
+        <p:txBody>
+          <a:bodyPr rtlCol="0" anchor="ctr"/>
+          <a:lstStyle/>
+          <a:p>
+            <a:pPr algn="ctr" defTabSz="274594"/>
+            <a:endParaRPr lang="en-US" sz="1081">
+              <a:solidFill>
+                <a:prstClr val="white"/>
+              </a:solidFill>
+              <a:latin typeface="Calibri" panose="020F0502020204030204"/>
+            </a:endParaRPr>
+          </a:p>
+        </p:txBody>
+      </p:sp>
+      <p:sp>
+        <p:nvSpPr>
+          <p:cNvPr id="7" name="Rectangle 6">
+            <a:extLst>
+              <a:ext uri="{FF2B5EF4-FFF2-40B4-BE49-F238E27FC236}">
+                <a16:creationId xmlns:a16="http://schemas.microsoft.com/office/drawing/2014/main" id="{33E5824A-6750-4878-AAE8-A16A2EBA7341}"/>
+              </a:ext>
+            </a:extLst>
+          </p:cNvPr>
+          <p:cNvSpPr/>
+          <p:nvPr/>
+        </p:nvSpPr>
+        <p:spPr>
+          <a:xfrm>
+            <a:off x="414898" y="851982"/>
+            <a:ext cx="3471302" cy="3323437"/>
+          </a:xfrm>
+          <a:prstGeom prst="rect">
+            <a:avLst/>
+          </a:prstGeom>
+          <a:noFill/>
+          <a:ln>
+            <a:solidFill>
+              <a:schemeClr val="tx1"/>
+            </a:solidFill>
+          </a:ln>
+        </p:spPr>
+        <p:style>
+          <a:lnRef idx="2">
+            <a:schemeClr val="accent1">
+              <a:shade val="50000"/>
+            </a:schemeClr>
+          </a:lnRef>
+          <a:fillRef idx="1">
+            <a:schemeClr val="accent1"/>
+          </a:fillRef>
+          <a:effectRef idx="0">
+            <a:schemeClr val="accent1"/>
+          </a:effectRef>
+          <a:fontRef idx="minor">
+            <a:schemeClr val="lt1"/>
+          </a:fontRef>
+        </p:style>
+        <p:txBody>
+          <a:bodyPr rtlCol="0" anchor="ctr"/>
+          <a:lstStyle/>
+          <a:p>
+            <a:pPr algn="ctr" defTabSz="274594"/>
+            <a:endParaRPr lang="en-US" sz="1081">
+              <a:solidFill>
+                <a:prstClr val="white"/>
+              </a:solidFill>
+              <a:latin typeface="Calibri" panose="020F0502020204030204"/>
+            </a:endParaRPr>
+          </a:p>
+        </p:txBody>
+      </p:sp>
+      <p:sp>
+        <p:nvSpPr>
+          <p:cNvPr id="8" name="Rectangle 7">
+            <a:extLst>
+              <a:ext uri="{FF2B5EF4-FFF2-40B4-BE49-F238E27FC236}">
+                <a16:creationId xmlns:a16="http://schemas.microsoft.com/office/drawing/2014/main" id="{D0A17644-B407-4901-8E1F-C80F461D9C73}"/>
+              </a:ext>
+            </a:extLst>
+          </p:cNvPr>
+          <p:cNvSpPr/>
+          <p:nvPr/>
+        </p:nvSpPr>
+        <p:spPr>
+          <a:xfrm>
+            <a:off x="3886200" y="851982"/>
+            <a:ext cx="1735945" cy="3323437"/>
+          </a:xfrm>
+          <a:prstGeom prst="rect">
+            <a:avLst/>
+          </a:prstGeom>
+          <a:noFill/>
+          <a:ln>
+            <a:solidFill>
+              <a:schemeClr val="tx1"/>
+            </a:solidFill>
+          </a:ln>
+        </p:spPr>
+        <p:style>
+          <a:lnRef idx="2">
+            <a:schemeClr val="accent1">
+              <a:shade val="50000"/>
+            </a:schemeClr>
+          </a:lnRef>
+          <a:fillRef idx="1">
+            <a:schemeClr val="accent1"/>
+          </a:fillRef>
+          <a:effectRef idx="0">
+            <a:schemeClr val="accent1"/>
+          </a:effectRef>
+          <a:fontRef idx="minor">
+            <a:schemeClr val="lt1"/>
+          </a:fontRef>
+        </p:style>
+        <p:txBody>
+          <a:bodyPr rtlCol="0" anchor="ctr"/>
+          <a:lstStyle/>
+          <a:p>
+            <a:pPr algn="ctr" defTabSz="274594"/>
+            <a:endParaRPr lang="en-US" sz="1081">
+              <a:solidFill>
+                <a:prstClr val="white"/>
+              </a:solidFill>
+              <a:latin typeface="Calibri" panose="020F0502020204030204"/>
+            </a:endParaRPr>
+          </a:p>
+        </p:txBody>
+      </p:sp>
+      <p:sp>
+        <p:nvSpPr>
+          <p:cNvPr id="9" name="Rectangle 8">
+            <a:extLst>
+              <a:ext uri="{FF2B5EF4-FFF2-40B4-BE49-F238E27FC236}">
+                <a16:creationId xmlns:a16="http://schemas.microsoft.com/office/drawing/2014/main" id="{FACF6FEB-34A6-43FA-9FD3-EAD709611D77}"/>
+              </a:ext>
+            </a:extLst>
+          </p:cNvPr>
+          <p:cNvSpPr/>
+          <p:nvPr/>
+        </p:nvSpPr>
+        <p:spPr>
+          <a:xfrm>
+            <a:off x="5621851" y="851982"/>
+            <a:ext cx="1732415" cy="2076069"/>
+          </a:xfrm>
+          <a:prstGeom prst="rect">
+            <a:avLst/>
+          </a:prstGeom>
+          <a:noFill/>
+          <a:ln>
+            <a:solidFill>
+              <a:schemeClr val="tx1"/>
+            </a:solidFill>
+          </a:ln>
+        </p:spPr>
+        <p:style>
+          <a:lnRef idx="2">
+            <a:schemeClr val="accent1">
+              <a:shade val="50000"/>
+            </a:schemeClr>
+          </a:lnRef>
+          <a:fillRef idx="1">
+            <a:schemeClr val="accent1"/>
+          </a:fillRef>
+          <a:effectRef idx="0">
+            <a:schemeClr val="accent1"/>
+          </a:effectRef>
+          <a:fontRef idx="minor">
+            <a:schemeClr val="lt1"/>
+          </a:fontRef>
+        </p:style>
+        <p:txBody>
+          <a:bodyPr rtlCol="0" anchor="ctr"/>
+          <a:lstStyle/>
+          <a:p>
+            <a:pPr algn="ctr" defTabSz="274594"/>
+            <a:endParaRPr lang="en-US" sz="1081">
+              <a:solidFill>
+                <a:prstClr val="white"/>
+              </a:solidFill>
+              <a:latin typeface="Calibri" panose="020F0502020204030204"/>
+            </a:endParaRPr>
+          </a:p>
+        </p:txBody>
+      </p:sp>
+      <p:sp>
+        <p:nvSpPr>
+          <p:cNvPr id="10" name="Rectangle 9">
+            <a:extLst>
+              <a:ext uri="{FF2B5EF4-FFF2-40B4-BE49-F238E27FC236}">
+                <a16:creationId xmlns:a16="http://schemas.microsoft.com/office/drawing/2014/main" id="{22603B43-1658-4F13-896D-B1A7009EC8A3}"/>
+              </a:ext>
+            </a:extLst>
+          </p:cNvPr>
+          <p:cNvSpPr/>
+          <p:nvPr/>
+        </p:nvSpPr>
+        <p:spPr>
+          <a:xfrm>
+            <a:off x="5621263" y="2928055"/>
+            <a:ext cx="1735945" cy="1247365"/>
+          </a:xfrm>
+          <a:prstGeom prst="rect">
+            <a:avLst/>
+          </a:prstGeom>
+          <a:noFill/>
+          <a:ln>
+            <a:solidFill>
+              <a:schemeClr val="tx1"/>
+            </a:solidFill>
+          </a:ln>
+        </p:spPr>
+        <p:style>
+          <a:lnRef idx="2">
+            <a:schemeClr val="accent1">
+              <a:shade val="50000"/>
+            </a:schemeClr>
+          </a:lnRef>
+          <a:fillRef idx="1">
+            <a:schemeClr val="accent1"/>
+          </a:fillRef>
+          <a:effectRef idx="0">
+            <a:schemeClr val="accent1"/>
+          </a:effectRef>
+          <a:fontRef idx="minor">
+            <a:schemeClr val="lt1"/>
+          </a:fontRef>
+        </p:style>
+        <p:txBody>
+          <a:bodyPr rtlCol="0" anchor="ctr"/>
+          <a:lstStyle/>
+          <a:p>
+            <a:pPr algn="ctr" defTabSz="274594"/>
+            <a:endParaRPr lang="en-US" sz="1081">
+              <a:solidFill>
+                <a:prstClr val="white"/>
+              </a:solidFill>
+              <a:latin typeface="Calibri" panose="020F0502020204030204"/>
+            </a:endParaRPr>
+          </a:p>
+        </p:txBody>
+      </p:sp>
+      <p:sp>
+        <p:nvSpPr>
+          <p:cNvPr id="11" name="Rectangle 10">
+            <a:extLst>
+              <a:ext uri="{FF2B5EF4-FFF2-40B4-BE49-F238E27FC236}">
+                <a16:creationId xmlns:a16="http://schemas.microsoft.com/office/drawing/2014/main" id="{03848C3A-AAE6-4ABA-8818-AE825B8A0173}"/>
+              </a:ext>
+            </a:extLst>
+          </p:cNvPr>
+          <p:cNvSpPr/>
+          <p:nvPr/>
+        </p:nvSpPr>
+        <p:spPr>
+          <a:xfrm>
+            <a:off x="414604" y="4175420"/>
+            <a:ext cx="3471302" cy="1151893"/>
+          </a:xfrm>
+          <a:prstGeom prst="rect">
+            <a:avLst/>
+          </a:prstGeom>
+          <a:noFill/>
+          <a:ln>
+            <a:solidFill>
+              <a:schemeClr val="tx1"/>
+            </a:solidFill>
+          </a:ln>
+        </p:spPr>
+        <p:style>
+          <a:lnRef idx="2">
+            <a:schemeClr val="accent1">
+              <a:shade val="50000"/>
+            </a:schemeClr>
+          </a:lnRef>
+          <a:fillRef idx="1">
+            <a:schemeClr val="accent1"/>
+          </a:fillRef>
+          <a:effectRef idx="0">
+            <a:schemeClr val="accent1"/>
+          </a:effectRef>
+          <a:fontRef idx="minor">
+            <a:schemeClr val="lt1"/>
+          </a:fontRef>
+        </p:style>
+        <p:txBody>
+          <a:bodyPr rtlCol="0" anchor="ctr"/>
+          <a:lstStyle/>
+          <a:p>
+            <a:pPr algn="ctr" defTabSz="274594"/>
+            <a:endParaRPr lang="en-US" sz="1081">
+              <a:solidFill>
+                <a:prstClr val="white"/>
+              </a:solidFill>
+              <a:latin typeface="Calibri" panose="020F0502020204030204"/>
+            </a:endParaRPr>
+          </a:p>
+        </p:txBody>
+      </p:sp>
+      <p:sp>
+        <p:nvSpPr>
+          <p:cNvPr id="12" name="Rectangle 11">
+            <a:extLst>
+              <a:ext uri="{FF2B5EF4-FFF2-40B4-BE49-F238E27FC236}">
+                <a16:creationId xmlns:a16="http://schemas.microsoft.com/office/drawing/2014/main" id="{1CE1C139-31EF-4C6A-A380-FCA3C071BE35}"/>
+              </a:ext>
+            </a:extLst>
+          </p:cNvPr>
+          <p:cNvSpPr/>
+          <p:nvPr/>
+        </p:nvSpPr>
+        <p:spPr>
+          <a:xfrm>
+            <a:off x="5621263" y="4175421"/>
+            <a:ext cx="1736239" cy="1151892"/>
+          </a:xfrm>
+          <a:prstGeom prst="rect">
+            <a:avLst/>
+          </a:prstGeom>
+          <a:noFill/>
+          <a:ln>
+            <a:solidFill>
+              <a:schemeClr val="tx1"/>
+            </a:solidFill>
+          </a:ln>
+        </p:spPr>
+        <p:style>
+          <a:lnRef idx="2">
+            <a:schemeClr val="accent1">
+              <a:shade val="50000"/>
+            </a:schemeClr>
+          </a:lnRef>
+          <a:fillRef idx="1">
+            <a:schemeClr val="accent1"/>
+          </a:fillRef>
+          <a:effectRef idx="0">
+            <a:schemeClr val="accent1"/>
+          </a:effectRef>
+          <a:fontRef idx="minor">
+            <a:schemeClr val="lt1"/>
+          </a:fontRef>
+        </p:style>
+        <p:txBody>
+          <a:bodyPr rtlCol="0" anchor="ctr"/>
+          <a:lstStyle/>
+          <a:p>
+            <a:pPr algn="ctr" defTabSz="274594"/>
+            <a:endParaRPr lang="en-US" sz="1081">
+              <a:solidFill>
+                <a:prstClr val="white"/>
+              </a:solidFill>
+              <a:latin typeface="Calibri" panose="020F0502020204030204"/>
+            </a:endParaRPr>
+          </a:p>
+        </p:txBody>
+      </p:sp>
+      <p:sp>
+        <p:nvSpPr>
+          <p:cNvPr id="13" name="TextBox 12">
+            <a:extLst>
+              <a:ext uri="{FF2B5EF4-FFF2-40B4-BE49-F238E27FC236}">
+                <a16:creationId xmlns:a16="http://schemas.microsoft.com/office/drawing/2014/main" id="{73BE8B11-CEBC-49AB-A52A-940E3C9F633F}"/>
+              </a:ext>
+            </a:extLst>
+          </p:cNvPr>
+          <p:cNvSpPr txBox="1"/>
+          <p:nvPr/>
+        </p:nvSpPr>
+        <p:spPr>
+          <a:xfrm>
+            <a:off x="414310" y="159087"/>
+            <a:ext cx="926503" cy="221727"/>
+          </a:xfrm>
+          <a:prstGeom prst="rect">
+            <a:avLst/>
+          </a:prstGeom>
+          <a:noFill/>
+        </p:spPr>
+        <p:txBody>
+          <a:bodyPr wrap="square" rtlCol="0">
+            <a:spAutoFit/>
+          </a:bodyPr>
+          <a:lstStyle/>
+          <a:p>
+            <a:pPr defTabSz="274594"/>
+            <a:r>
+              <a:rPr lang="en-US" sz="841" b="1" dirty="0">
+                <a:solidFill>
+                  <a:prstClr val="black"/>
+                </a:solidFill>
+                <a:latin typeface="Arial Narrow" panose="020B0606020202030204" pitchFamily="34" charset="0"/>
+              </a:rPr>
+              <a:t>Vision</a:t>
+            </a:r>
+          </a:p>
+        </p:txBody>
+      </p:sp>
+      <p:sp>
+        <p:nvSpPr>
+          <p:cNvPr id="14" name="TextBox 13">
+            <a:extLst>
+              <a:ext uri="{FF2B5EF4-FFF2-40B4-BE49-F238E27FC236}">
+                <a16:creationId xmlns:a16="http://schemas.microsoft.com/office/drawing/2014/main" id="{17C641B2-6E18-4D1A-9E91-B59DB236992D}"/>
+              </a:ext>
+            </a:extLst>
+          </p:cNvPr>
+          <p:cNvSpPr txBox="1"/>
+          <p:nvPr/>
+        </p:nvSpPr>
+        <p:spPr>
+          <a:xfrm>
+            <a:off x="3885906" y="159087"/>
+            <a:ext cx="926503" cy="221727"/>
+          </a:xfrm>
+          <a:prstGeom prst="rect">
+            <a:avLst/>
+          </a:prstGeom>
+          <a:noFill/>
+        </p:spPr>
+        <p:txBody>
+          <a:bodyPr wrap="square" rtlCol="0">
+            <a:spAutoFit/>
+          </a:bodyPr>
+          <a:lstStyle/>
+          <a:p>
+            <a:pPr defTabSz="274594"/>
+            <a:r>
+              <a:rPr lang="en-US" sz="841" b="1" dirty="0">
+                <a:solidFill>
+                  <a:prstClr val="black"/>
+                </a:solidFill>
+                <a:latin typeface="Arial Narrow" panose="020B0606020202030204" pitchFamily="34" charset="0"/>
+              </a:rPr>
+              <a:t>Scope</a:t>
+            </a:r>
+          </a:p>
+        </p:txBody>
+      </p:sp>
+      <p:sp>
+        <p:nvSpPr>
+          <p:cNvPr id="15" name="TextBox 14">
+            <a:extLst>
+              <a:ext uri="{FF2B5EF4-FFF2-40B4-BE49-F238E27FC236}">
+                <a16:creationId xmlns:a16="http://schemas.microsoft.com/office/drawing/2014/main" id="{148F6FDF-17F1-42B1-B428-EF04E6182778}"/>
+              </a:ext>
+            </a:extLst>
+          </p:cNvPr>
+          <p:cNvSpPr txBox="1"/>
+          <p:nvPr/>
+        </p:nvSpPr>
+        <p:spPr>
+          <a:xfrm>
+            <a:off x="414603" y="851981"/>
+            <a:ext cx="3473656" cy="351122"/>
+          </a:xfrm>
+          <a:prstGeom prst="rect">
+            <a:avLst/>
+          </a:prstGeom>
+          <a:noFill/>
+        </p:spPr>
+        <p:txBody>
+          <a:bodyPr wrap="square" rtlCol="0">
+            <a:spAutoFit/>
+          </a:bodyPr>
+          <a:lstStyle/>
+          <a:p>
+            <a:pPr defTabSz="274594"/>
+            <a:r>
+              <a:rPr lang="en-US" sz="841" b="1" dirty="0">
+                <a:solidFill>
+                  <a:prstClr val="black"/>
+                </a:solidFill>
+                <a:latin typeface="Arial Narrow" panose="020B0606020202030204" pitchFamily="34" charset="0"/>
+              </a:rPr>
+              <a:t>Situation Model &amp; Interventions</a:t>
+            </a:r>
+          </a:p>
+          <a:p>
+            <a:pPr defTabSz="274594"/>
+            <a:r>
+              <a:rPr lang="en-US" sz="841" i="1" dirty="0">
+                <a:solidFill>
+                  <a:prstClr val="black"/>
+                </a:solidFill>
+                <a:latin typeface="Arial Narrow" panose="020B0606020202030204" pitchFamily="34" charset="0"/>
+              </a:rPr>
+              <a:t>Circle key intervention point(s)</a:t>
+            </a:r>
+          </a:p>
+        </p:txBody>
+      </p:sp>
+      <p:sp>
+        <p:nvSpPr>
+          <p:cNvPr id="16" name="TextBox 15">
+            <a:extLst>
+              <a:ext uri="{FF2B5EF4-FFF2-40B4-BE49-F238E27FC236}">
+                <a16:creationId xmlns:a16="http://schemas.microsoft.com/office/drawing/2014/main" id="{5D405C5B-121F-4318-8791-94D0C6382F06}"/>
+              </a:ext>
+            </a:extLst>
+          </p:cNvPr>
+          <p:cNvSpPr txBox="1"/>
+          <p:nvPr/>
+        </p:nvSpPr>
+        <p:spPr>
+          <a:xfrm>
+            <a:off x="3885906" y="851981"/>
+            <a:ext cx="1735063" cy="351122"/>
+          </a:xfrm>
+          <a:prstGeom prst="rect">
+            <a:avLst/>
+          </a:prstGeom>
+          <a:noFill/>
+        </p:spPr>
+        <p:txBody>
+          <a:bodyPr wrap="square" rtlCol="0">
+            <a:spAutoFit/>
+          </a:bodyPr>
+          <a:lstStyle/>
+          <a:p>
+            <a:pPr defTabSz="274594"/>
+            <a:r>
+              <a:rPr lang="en-US" sz="841" b="1" dirty="0">
+                <a:solidFill>
+                  <a:prstClr val="black"/>
+                </a:solidFill>
+                <a:latin typeface="Arial Narrow" panose="020B0606020202030204" pitchFamily="34" charset="0"/>
+              </a:rPr>
+              <a:t>Stakeholders</a:t>
+            </a:r>
+          </a:p>
+          <a:p>
+            <a:pPr defTabSz="274594"/>
+            <a:r>
+              <a:rPr lang="en-US" sz="841" i="1" dirty="0">
+                <a:solidFill>
+                  <a:prstClr val="black"/>
+                </a:solidFill>
+                <a:latin typeface="Arial Narrow" panose="020B0606020202030204" pitchFamily="34" charset="0"/>
+              </a:rPr>
+              <a:t>Underline boundary partners</a:t>
+            </a:r>
+          </a:p>
+        </p:txBody>
+      </p:sp>
+      <p:sp>
+        <p:nvSpPr>
+          <p:cNvPr id="17" name="TextBox 16">
+            <a:extLst>
+              <a:ext uri="{FF2B5EF4-FFF2-40B4-BE49-F238E27FC236}">
+                <a16:creationId xmlns:a16="http://schemas.microsoft.com/office/drawing/2014/main" id="{831D5CC7-6242-4D15-903A-9B774CFF1192}"/>
+              </a:ext>
+            </a:extLst>
+          </p:cNvPr>
+          <p:cNvSpPr txBox="1"/>
+          <p:nvPr/>
+        </p:nvSpPr>
+        <p:spPr>
+          <a:xfrm>
+            <a:off x="5621557" y="851981"/>
+            <a:ext cx="926503" cy="221727"/>
+          </a:xfrm>
+          <a:prstGeom prst="rect">
+            <a:avLst/>
+          </a:prstGeom>
+          <a:noFill/>
+        </p:spPr>
+        <p:txBody>
+          <a:bodyPr wrap="square" rtlCol="0">
+            <a:spAutoFit/>
+          </a:bodyPr>
+          <a:lstStyle/>
+          <a:p>
+            <a:pPr defTabSz="274594"/>
+            <a:r>
+              <a:rPr lang="en-US" sz="841" b="1" dirty="0">
+                <a:solidFill>
+                  <a:prstClr val="black"/>
+                </a:solidFill>
+                <a:latin typeface="Arial Narrow" panose="020B0606020202030204" pitchFamily="34" charset="0"/>
+              </a:rPr>
+              <a:t>Problems</a:t>
+            </a:r>
+          </a:p>
+        </p:txBody>
+      </p:sp>
+      <p:sp>
+        <p:nvSpPr>
+          <p:cNvPr id="18" name="TextBox 17">
+            <a:extLst>
+              <a:ext uri="{FF2B5EF4-FFF2-40B4-BE49-F238E27FC236}">
+                <a16:creationId xmlns:a16="http://schemas.microsoft.com/office/drawing/2014/main" id="{A6BEC266-0CA0-4043-A57C-7E1900C9D8BF}"/>
+              </a:ext>
+            </a:extLst>
+          </p:cNvPr>
+          <p:cNvSpPr txBox="1"/>
+          <p:nvPr/>
+        </p:nvSpPr>
+        <p:spPr>
+          <a:xfrm>
+            <a:off x="5620969" y="2928052"/>
+            <a:ext cx="926503" cy="221727"/>
+          </a:xfrm>
+          <a:prstGeom prst="rect">
+            <a:avLst/>
+          </a:prstGeom>
+          <a:noFill/>
+        </p:spPr>
+        <p:txBody>
+          <a:bodyPr wrap="square" rtlCol="0">
+            <a:spAutoFit/>
+          </a:bodyPr>
+          <a:lstStyle/>
+          <a:p>
+            <a:pPr defTabSz="274594"/>
+            <a:r>
+              <a:rPr lang="en-US" sz="841" b="1" dirty="0">
+                <a:solidFill>
+                  <a:prstClr val="black"/>
+                </a:solidFill>
+                <a:latin typeface="Arial Narrow" panose="020B0606020202030204" pitchFamily="34" charset="0"/>
+              </a:rPr>
+              <a:t>Alternatives</a:t>
+            </a:r>
+          </a:p>
+        </p:txBody>
+      </p:sp>
+      <p:sp>
+        <p:nvSpPr>
+          <p:cNvPr id="19" name="TextBox 18">
+            <a:extLst>
+              <a:ext uri="{FF2B5EF4-FFF2-40B4-BE49-F238E27FC236}">
+                <a16:creationId xmlns:a16="http://schemas.microsoft.com/office/drawing/2014/main" id="{CE3B857B-B912-4720-882F-A517D46800A7}"/>
+              </a:ext>
+            </a:extLst>
+          </p:cNvPr>
+          <p:cNvSpPr txBox="1"/>
+          <p:nvPr/>
+        </p:nvSpPr>
+        <p:spPr>
+          <a:xfrm>
+            <a:off x="414308" y="4175419"/>
+            <a:ext cx="1187322" cy="221727"/>
+          </a:xfrm>
+          <a:prstGeom prst="rect">
+            <a:avLst/>
+          </a:prstGeom>
+          <a:noFill/>
+        </p:spPr>
+        <p:txBody>
+          <a:bodyPr wrap="square" rtlCol="0">
+            <a:spAutoFit/>
+          </a:bodyPr>
+          <a:lstStyle/>
+          <a:p>
+            <a:pPr defTabSz="274594"/>
+            <a:r>
+              <a:rPr lang="en-US" sz="841" b="1" dirty="0">
+                <a:solidFill>
+                  <a:prstClr val="black"/>
+                </a:solidFill>
+                <a:latin typeface="Arial Narrow" panose="020B0606020202030204" pitchFamily="34" charset="0"/>
+              </a:rPr>
+              <a:t>How Might We?</a:t>
+            </a:r>
+          </a:p>
+        </p:txBody>
+      </p:sp>
+      <p:sp>
+        <p:nvSpPr>
+          <p:cNvPr id="20" name="TextBox 19">
+            <a:extLst>
+              <a:ext uri="{FF2B5EF4-FFF2-40B4-BE49-F238E27FC236}">
+                <a16:creationId xmlns:a16="http://schemas.microsoft.com/office/drawing/2014/main" id="{38B94906-867E-42D4-9B02-712147D44CF2}"/>
+              </a:ext>
+            </a:extLst>
+          </p:cNvPr>
+          <p:cNvSpPr txBox="1"/>
+          <p:nvPr/>
+        </p:nvSpPr>
+        <p:spPr>
+          <a:xfrm>
+            <a:off x="5620968" y="4175419"/>
+            <a:ext cx="1187322" cy="221727"/>
+          </a:xfrm>
+          <a:prstGeom prst="rect">
+            <a:avLst/>
+          </a:prstGeom>
+          <a:noFill/>
+        </p:spPr>
+        <p:txBody>
+          <a:bodyPr wrap="square" rtlCol="0">
+            <a:spAutoFit/>
+          </a:bodyPr>
+          <a:lstStyle/>
+          <a:p>
+            <a:pPr defTabSz="274594"/>
+            <a:r>
+              <a:rPr lang="en-US" sz="841" b="1" dirty="0">
+                <a:solidFill>
+                  <a:prstClr val="black"/>
+                </a:solidFill>
+                <a:latin typeface="Arial Narrow" panose="020B0606020202030204" pitchFamily="34" charset="0"/>
+              </a:rPr>
+              <a:t>Research Questions</a:t>
+            </a:r>
+          </a:p>
+        </p:txBody>
+      </p:sp>
+      <p:sp>
+        <p:nvSpPr>
+          <p:cNvPr id="21" name="Rectangle 20">
+            <a:extLst>
+              <a:ext uri="{FF2B5EF4-FFF2-40B4-BE49-F238E27FC236}">
+                <a16:creationId xmlns:a16="http://schemas.microsoft.com/office/drawing/2014/main" id="{1A25DD77-6805-408C-908C-A6DF37E2A945}"/>
+              </a:ext>
+            </a:extLst>
+          </p:cNvPr>
+          <p:cNvSpPr/>
+          <p:nvPr/>
+        </p:nvSpPr>
+        <p:spPr>
+          <a:xfrm>
+            <a:off x="3885317" y="4175421"/>
+            <a:ext cx="1735652" cy="1151892"/>
+          </a:xfrm>
+          <a:prstGeom prst="rect">
+            <a:avLst/>
+          </a:prstGeom>
+          <a:noFill/>
+          <a:ln>
+            <a:solidFill>
+              <a:schemeClr val="tx1"/>
+            </a:solidFill>
+          </a:ln>
+        </p:spPr>
+        <p:style>
+          <a:lnRef idx="2">
+            <a:schemeClr val="accent1">
+              <a:shade val="50000"/>
+            </a:schemeClr>
+          </a:lnRef>
+          <a:fillRef idx="1">
+            <a:schemeClr val="accent1"/>
+          </a:fillRef>
+          <a:effectRef idx="0">
+            <a:schemeClr val="accent1"/>
+          </a:effectRef>
+          <a:fontRef idx="minor">
+            <a:schemeClr val="lt1"/>
+          </a:fontRef>
+        </p:style>
+        <p:txBody>
+          <a:bodyPr rtlCol="0" anchor="ctr"/>
+          <a:lstStyle/>
+          <a:p>
+            <a:pPr algn="ctr" defTabSz="274594"/>
+            <a:endParaRPr lang="en-US" sz="1081">
+              <a:solidFill>
+                <a:prstClr val="white"/>
+              </a:solidFill>
+              <a:latin typeface="Calibri" panose="020F0502020204030204"/>
+            </a:endParaRPr>
+          </a:p>
+        </p:txBody>
+      </p:sp>
+      <p:sp>
+        <p:nvSpPr>
+          <p:cNvPr id="22" name="TextBox 21">
+            <a:extLst>
+              <a:ext uri="{FF2B5EF4-FFF2-40B4-BE49-F238E27FC236}">
+                <a16:creationId xmlns:a16="http://schemas.microsoft.com/office/drawing/2014/main" id="{B75C828D-C4EF-492F-BC90-24F17EF7FE73}"/>
+              </a:ext>
+            </a:extLst>
+          </p:cNvPr>
+          <p:cNvSpPr txBox="1"/>
+          <p:nvPr/>
+        </p:nvSpPr>
+        <p:spPr>
+          <a:xfrm>
+            <a:off x="3884141" y="4175419"/>
+            <a:ext cx="1428192" cy="221727"/>
+          </a:xfrm>
+          <a:prstGeom prst="rect">
+            <a:avLst/>
+          </a:prstGeom>
+          <a:noFill/>
+        </p:spPr>
+        <p:txBody>
+          <a:bodyPr wrap="square" rtlCol="0">
+            <a:spAutoFit/>
+          </a:bodyPr>
+          <a:lstStyle/>
+          <a:p>
+            <a:pPr defTabSz="274594"/>
+            <a:r>
+              <a:rPr lang="en-US" sz="841" b="1" dirty="0">
+                <a:solidFill>
+                  <a:prstClr val="black"/>
+                </a:solidFill>
+                <a:latin typeface="Arial Narrow" panose="020B0606020202030204" pitchFamily="34" charset="0"/>
+              </a:rPr>
+              <a:t>Considerations/Constraints</a:t>
+            </a:r>
+          </a:p>
+        </p:txBody>
+      </p:sp>
+    </p:spTree>
+    <p:extLst>
+      <p:ext uri="{BB962C8B-B14F-4D97-AF65-F5344CB8AC3E}">
+        <p14:creationId xmlns:p14="http://schemas.microsoft.com/office/powerpoint/2010/main" val="1770813398"/>
+      </p:ext>
+    </p:extLst>
+  </p:cSld>
+  <p:clrMapOvr>
+    <a:masterClrMapping/>
+  </p:clrMapOvr>
+</p:sld>
+</file>
+
 <file path=ppt/theme/theme1.xml><?xml version="1.0" encoding="utf-8"?>
 <a:theme xmlns:a="http://schemas.openxmlformats.org/drawingml/2006/main" name="Office Theme">
   <a:themeElements>
@@ -4109,4 +9942,265 @@
     </a:ext>
   </a:extLst>
 </a:theme>
+</file>
+
+<file path=ppt/theme/theme2.xml><?xml version="1.0" encoding="utf-8"?>
+<a:theme xmlns:a="http://schemas.openxmlformats.org/drawingml/2006/main" name="1_Office Theme">
+  <a:themeElements>
+    <a:clrScheme name="Office Theme">
+      <a:dk1>
+        <a:sysClr val="windowText" lastClr="000000"/>
+      </a:dk1>
+      <a:lt1>
+        <a:sysClr val="window" lastClr="FFFFFF"/>
+      </a:lt1>
+      <a:dk2>
+        <a:srgbClr val="44546A"/>
+      </a:dk2>
+      <a:lt2>
+        <a:srgbClr val="E7E6E6"/>
+      </a:lt2>
+      <a:accent1>
+        <a:srgbClr val="4472C4"/>
+      </a:accent1>
+      <a:accent2>
+        <a:srgbClr val="ED7D31"/>
+      </a:accent2>
+      <a:accent3>
+        <a:srgbClr val="A5A5A5"/>
+      </a:accent3>
+      <a:accent4>
+        <a:srgbClr val="FFC000"/>
+      </a:accent4>
+      <a:accent5>
+        <a:srgbClr val="5B9BD5"/>
+      </a:accent5>
+      <a:accent6>
+        <a:srgbClr val="70AD47"/>
+      </a:accent6>
+      <a:hlink>
+        <a:srgbClr val="0563C1"/>
+      </a:hlink>
+      <a:folHlink>
+        <a:srgbClr val="954F72"/>
+      </a:folHlink>
+    </a:clrScheme>
+    <a:fontScheme name="Office Theme">
+      <a:majorFont>
+        <a:latin typeface="Calibri Light" panose="020F0302020204030204"/>
+        <a:ea typeface=""/>
+        <a:cs typeface=""/>
+        <a:font script="Jpan" typeface="游ゴシック Light"/>
+        <a:font script="Hang" typeface="맑은 고딕"/>
+        <a:font script="Hans" typeface="等线 Light"/>
+        <a:font script="Hant" typeface="新細明體"/>
+        <a:font script="Arab" typeface="Times New Roman"/>
+        <a:font script="Hebr" typeface="Times New Roman"/>
+        <a:font script="Thai" typeface="Angsana New"/>
+        <a:font script="Ethi" typeface="Nyala"/>
+        <a:font script="Beng" typeface="Vrinda"/>
+        <a:font script="Gujr" typeface="Shruti"/>
+        <a:font script="Khmr" typeface="MoolBoran"/>
+        <a:font script="Knda" typeface="Tunga"/>
+        <a:font script="Guru" typeface="Raavi"/>
+        <a:font script="Cans" typeface="Euphemia"/>
+        <a:font script="Cher" typeface="Plantagenet Cherokee"/>
+        <a:font script="Yiii" typeface="Microsoft Yi Baiti"/>
+        <a:font script="Tibt" typeface="Microsoft Himalaya"/>
+        <a:font script="Thaa" typeface="MV Boli"/>
+        <a:font script="Deva" typeface="Mangal"/>
+        <a:font script="Telu" typeface="Gautami"/>
+        <a:font script="Taml" typeface="Latha"/>
+        <a:font script="Syrc" typeface="Estrangelo Edessa"/>
+        <a:font script="Orya" typeface="Kalinga"/>
+        <a:font script="Mlym" typeface="Kartika"/>
+        <a:font script="Laoo" typeface="DokChampa"/>
+        <a:font script="Sinh" typeface="Iskoola Pota"/>
+        <a:font script="Mong" typeface="Mongolian Baiti"/>
+        <a:font script="Viet" typeface="Times New Roman"/>
+        <a:font script="Uigh" typeface="Microsoft Uighur"/>
+        <a:font script="Geor" typeface="Sylfaen"/>
+      </a:majorFont>
+      <a:minorFont>
+        <a:latin typeface="Calibri" panose="020F0502020204030204"/>
+        <a:ea typeface=""/>
+        <a:cs typeface=""/>
+        <a:font script="Jpan" typeface="游ゴシック"/>
+        <a:font script="Hang" typeface="맑은 고딕"/>
+        <a:font script="Hans" typeface="等线"/>
+        <a:font script="Hant" typeface="新細明體"/>
+        <a:font script="Arab" typeface="Arial"/>
+        <a:font script="Hebr" typeface="Arial"/>
+        <a:font script="Thai" typeface="Cordia New"/>
+        <a:font script="Ethi" typeface="Nyala"/>
+        <a:font script="Beng" typeface="Vrinda"/>
+        <a:font script="Gujr" typeface="Shruti"/>
+        <a:font script="Khmr" typeface="DaunPenh"/>
+        <a:font script="Knda" typeface="Tunga"/>
+        <a:font script="Guru" typeface="Raavi"/>
+        <a:font script="Cans" typeface="Euphemia"/>
+        <a:font script="Cher" typeface="Plantagenet Cherokee"/>
+        <a:font script="Yiii" typeface="Microsoft Yi Baiti"/>
+        <a:font script="Tibt" typeface="Microsoft Himalaya"/>
+        <a:font script="Thaa" typeface="MV Boli"/>
+        <a:font script="Deva" typeface="Mangal"/>
+        <a:font script="Telu" typeface="Gautami"/>
+        <a:font script="Taml" typeface="Latha"/>
+        <a:font script="Syrc" typeface="Estrangelo Edessa"/>
+        <a:font script="Orya" typeface="Kalinga"/>
+        <a:font script="Mlym" typeface="Kartika"/>
+        <a:font script="Laoo" typeface="DokChampa"/>
+        <a:font script="Sinh" typeface="Iskoola Pota"/>
+        <a:font script="Mong" typeface="Mongolian Baiti"/>
+        <a:font script="Viet" typeface="Arial"/>
+        <a:font script="Uigh" typeface="Microsoft Uighur"/>
+        <a:font script="Geor" typeface="Sylfaen"/>
+      </a:minorFont>
+    </a:fontScheme>
+    <a:fmtScheme name="Office Theme">
+      <a:fillStyleLst>
+        <a:solidFill>
+          <a:schemeClr val="phClr"/>
+        </a:solidFill>
+        <a:gradFill rotWithShape="1">
+          <a:gsLst>
+            <a:gs pos="0">
+              <a:schemeClr val="phClr">
+                <a:lumMod val="110000"/>
+                <a:satMod val="105000"/>
+                <a:tint val="67000"/>
+              </a:schemeClr>
+            </a:gs>
+            <a:gs pos="50000">
+              <a:schemeClr val="phClr">
+                <a:lumMod val="105000"/>
+                <a:satMod val="103000"/>
+                <a:tint val="73000"/>
+              </a:schemeClr>
+            </a:gs>
+            <a:gs pos="100000">
+              <a:schemeClr val="phClr">
+                <a:lumMod val="105000"/>
+                <a:satMod val="109000"/>
+                <a:tint val="81000"/>
+              </a:schemeClr>
+            </a:gs>
+          </a:gsLst>
+          <a:lin ang="5400000" scaled="0"/>
+        </a:gradFill>
+        <a:gradFill rotWithShape="1">
+          <a:gsLst>
+            <a:gs pos="0">
+              <a:schemeClr val="phClr">
+                <a:satMod val="103000"/>
+                <a:lumMod val="102000"/>
+                <a:tint val="94000"/>
+              </a:schemeClr>
+            </a:gs>
+            <a:gs pos="50000">
+              <a:schemeClr val="phClr">
+                <a:satMod val="110000"/>
+                <a:lumMod val="100000"/>
+                <a:shade val="100000"/>
+              </a:schemeClr>
+            </a:gs>
+            <a:gs pos="100000">
+              <a:schemeClr val="phClr">
+                <a:lumMod val="99000"/>
+                <a:satMod val="120000"/>
+                <a:shade val="78000"/>
+              </a:schemeClr>
+            </a:gs>
+          </a:gsLst>
+          <a:lin ang="5400000" scaled="0"/>
+        </a:gradFill>
+      </a:fillStyleLst>
+      <a:lnStyleLst>
+        <a:ln w="6350" cap="flat" cmpd="sng" algn="ctr">
+          <a:solidFill>
+            <a:schemeClr val="phClr"/>
+          </a:solidFill>
+          <a:prstDash val="solid"/>
+          <a:miter lim="800000"/>
+        </a:ln>
+        <a:ln w="12700" cap="flat" cmpd="sng" algn="ctr">
+          <a:solidFill>
+            <a:schemeClr val="phClr"/>
+          </a:solidFill>
+          <a:prstDash val="solid"/>
+          <a:miter lim="800000"/>
+        </a:ln>
+        <a:ln w="19050" cap="flat" cmpd="sng" algn="ctr">
+          <a:solidFill>
+            <a:schemeClr val="phClr"/>
+          </a:solidFill>
+          <a:prstDash val="solid"/>
+          <a:miter lim="800000"/>
+        </a:ln>
+      </a:lnStyleLst>
+      <a:effectStyleLst>
+        <a:effectStyle>
+          <a:effectLst/>
+        </a:effectStyle>
+        <a:effectStyle>
+          <a:effectLst/>
+        </a:effectStyle>
+        <a:effectStyle>
+          <a:effectLst>
+            <a:outerShdw blurRad="57150" dist="19050" dir="5400000" algn="ctr" rotWithShape="0">
+              <a:srgbClr val="000000">
+                <a:alpha val="63000"/>
+              </a:srgbClr>
+            </a:outerShdw>
+          </a:effectLst>
+        </a:effectStyle>
+      </a:effectStyleLst>
+      <a:bgFillStyleLst>
+        <a:solidFill>
+          <a:schemeClr val="phClr"/>
+        </a:solidFill>
+        <a:solidFill>
+          <a:schemeClr val="phClr">
+            <a:tint val="95000"/>
+            <a:satMod val="170000"/>
+          </a:schemeClr>
+        </a:solidFill>
+        <a:gradFill rotWithShape="1">
+          <a:gsLst>
+            <a:gs pos="0">
+              <a:schemeClr val="phClr">
+                <a:tint val="93000"/>
+                <a:satMod val="150000"/>
+                <a:shade val="98000"/>
+                <a:lumMod val="102000"/>
+              </a:schemeClr>
+            </a:gs>
+            <a:gs pos="50000">
+              <a:schemeClr val="phClr">
+                <a:tint val="98000"/>
+                <a:satMod val="130000"/>
+                <a:shade val="90000"/>
+                <a:lumMod val="103000"/>
+              </a:schemeClr>
+            </a:gs>
+            <a:gs pos="100000">
+              <a:schemeClr val="phClr">
+                <a:shade val="63000"/>
+                <a:satMod val="120000"/>
+              </a:schemeClr>
+            </a:gs>
+          </a:gsLst>
+          <a:lin ang="5400000" scaled="0"/>
+        </a:gradFill>
+      </a:bgFillStyleLst>
+    </a:fmtScheme>
+  </a:themeElements>
+  <a:objectDefaults/>
+  <a:extraClrSchemeLst/>
+  <a:extLst>
+    <a:ext uri="{05A4C25C-085E-4340-85A3-A5531E510DB2}">
+      <thm15:themeFamily xmlns:thm15="http://schemas.microsoft.com/office/thememl/2012/main" name="Office Theme" id="{62F939B6-93AF-4DB8-9C6B-D6C7DFDC589F}" vid="{4A3C46E8-61CC-4603-A589-7422A47A8E4A}"/>
+    </a:ext>
+  </a:extLst>
+</a:theme>
 </file>